--- a/UAS_BI_VISUALISASI_DATA BANK_19520004.pptx
+++ b/UAS_BI_VISUALISASI_DATA BANK_19520004.pptx
@@ -5,35 +5,37 @@
     <p:sldMasterId id="2147483679" r:id="rId1"/>
   </p:sldMasterIdLst>
   <p:notesMasterIdLst>
-    <p:notesMasterId r:id="rId9"/>
+    <p:notesMasterId r:id="rId11"/>
   </p:notesMasterIdLst>
   <p:sldIdLst>
     <p:sldId id="256" r:id="rId2"/>
     <p:sldId id="257" r:id="rId3"/>
-    <p:sldId id="291" r:id="rId4"/>
-    <p:sldId id="292" r:id="rId5"/>
-    <p:sldId id="289" r:id="rId6"/>
-    <p:sldId id="293" r:id="rId7"/>
-    <p:sldId id="290" r:id="rId8"/>
+    <p:sldId id="296" r:id="rId4"/>
+    <p:sldId id="295" r:id="rId5"/>
+    <p:sldId id="291" r:id="rId6"/>
+    <p:sldId id="292" r:id="rId7"/>
+    <p:sldId id="294" r:id="rId8"/>
+    <p:sldId id="289" r:id="rId9"/>
+    <p:sldId id="290" r:id="rId10"/>
   </p:sldIdLst>
   <p:sldSz cx="9144000" cy="5143500" type="screen16x9"/>
   <p:notesSz cx="6858000" cy="9144000"/>
   <p:embeddedFontLst>
     <p:embeddedFont>
       <p:font typeface="Arimo" panose="020B0604020202020204" charset="0"/>
-      <p:regular r:id="rId10"/>
-      <p:bold r:id="rId11"/>
-      <p:italic r:id="rId12"/>
-      <p:boldItalic r:id="rId13"/>
+      <p:regular r:id="rId12"/>
+      <p:bold r:id="rId13"/>
+      <p:italic r:id="rId14"/>
+      <p:boldItalic r:id="rId15"/>
     </p:embeddedFont>
     <p:embeddedFont>
       <p:font typeface="Bebas Neue" panose="020B0606020202050201" pitchFamily="34" charset="0"/>
-      <p:regular r:id="rId14"/>
+      <p:regular r:id="rId16"/>
     </p:embeddedFont>
     <p:embeddedFont>
       <p:font typeface="Roboto Condensed Light" panose="02000000000000000000" pitchFamily="2" charset="0"/>
-      <p:regular r:id="rId15"/>
-      <p:italic r:id="rId16"/>
+      <p:regular r:id="rId17"/>
+      <p:italic r:id="rId18"/>
     </p:embeddedFont>
   </p:embeddedFontLst>
   <p:defaultTextStyle>
@@ -1021,7 +1023,7 @@
     </p:spTree>
     <p:extLst>
       <p:ext uri="{BB962C8B-B14F-4D97-AF65-F5344CB8AC3E}">
-        <p14:creationId xmlns:p14="http://schemas.microsoft.com/office/powerpoint/2010/main" val="3825428896"/>
+        <p14:creationId xmlns:p14="http://schemas.microsoft.com/office/powerpoint/2010/main" val="780032139"/>
       </p:ext>
     </p:extLst>
   </p:cSld>
@@ -1130,6 +1132,224 @@
     </p:spTree>
     <p:extLst>
       <p:ext uri="{BB962C8B-B14F-4D97-AF65-F5344CB8AC3E}">
+        <p14:creationId xmlns:p14="http://schemas.microsoft.com/office/powerpoint/2010/main" val="2817481487"/>
+      </p:ext>
+    </p:extLst>
+  </p:cSld>
+  <p:clrMapOvr>
+    <a:masterClrMapping/>
+  </p:clrMapOvr>
+</p:notes>
+</file>
+
+<file path=ppt/notesSlides/notesSlide5.xml><?xml version="1.0" encoding="utf-8"?>
+<p:notes xmlns:a="http://schemas.openxmlformats.org/drawingml/2006/main" xmlns:r="http://schemas.openxmlformats.org/officeDocument/2006/relationships" xmlns:p="http://schemas.openxmlformats.org/presentationml/2006/main" showMasterSp="0" showMasterPhAnim="0">
+  <p:cSld>
+    <p:spTree>
+      <p:nvGrpSpPr>
+        <p:cNvPr id="1" name="Shape 323"/>
+        <p:cNvGrpSpPr/>
+        <p:nvPr/>
+      </p:nvGrpSpPr>
+      <p:grpSpPr>
+        <a:xfrm>
+          <a:off x="0" y="0"/>
+          <a:ext cx="0" cy="0"/>
+          <a:chOff x="0" y="0"/>
+          <a:chExt cx="0" cy="0"/>
+        </a:xfrm>
+      </p:grpSpPr>
+      <p:sp>
+        <p:nvSpPr>
+          <p:cNvPr id="324" name="Google Shape;324;gf5e6061853_0_379:notes"/>
+          <p:cNvSpPr>
+            <a:spLocks noGrp="1" noRot="1" noChangeAspect="1"/>
+          </p:cNvSpPr>
+          <p:nvPr>
+            <p:ph type="sldImg" idx="2"/>
+          </p:nvPr>
+        </p:nvSpPr>
+        <p:spPr>
+          <a:xfrm>
+            <a:off x="381000" y="685800"/>
+            <a:ext cx="6096000" cy="3429000"/>
+          </a:xfrm>
+          <a:custGeom>
+            <a:avLst/>
+            <a:gdLst/>
+            <a:ahLst/>
+            <a:cxnLst/>
+            <a:rect l="l" t="t" r="r" b="b"/>
+            <a:pathLst>
+              <a:path w="120000" h="120000" extrusionOk="0">
+                <a:moveTo>
+                  <a:pt x="0" y="0"/>
+                </a:moveTo>
+                <a:lnTo>
+                  <a:pt x="120000" y="0"/>
+                </a:lnTo>
+                <a:lnTo>
+                  <a:pt x="120000" y="120000"/>
+                </a:lnTo>
+                <a:lnTo>
+                  <a:pt x="0" y="120000"/>
+                </a:lnTo>
+                <a:close/>
+              </a:path>
+            </a:pathLst>
+          </a:custGeom>
+        </p:spPr>
+      </p:sp>
+      <p:sp>
+        <p:nvSpPr>
+          <p:cNvPr id="325" name="Google Shape;325;gf5e6061853_0_379:notes"/>
+          <p:cNvSpPr txBox="1">
+            <a:spLocks noGrp="1"/>
+          </p:cNvSpPr>
+          <p:nvPr>
+            <p:ph type="body" idx="1"/>
+          </p:nvPr>
+        </p:nvSpPr>
+        <p:spPr>
+          <a:xfrm>
+            <a:off x="685800" y="4343400"/>
+            <a:ext cx="5486400" cy="4114800"/>
+          </a:xfrm>
+          <a:prstGeom prst="rect">
+            <a:avLst/>
+          </a:prstGeom>
+        </p:spPr>
+        <p:txBody>
+          <a:bodyPr spcFirstLastPara="1" wrap="square" lIns="91425" tIns="91425" rIns="91425" bIns="91425" anchor="t" anchorCtr="0">
+            <a:noAutofit/>
+          </a:bodyPr>
+          <a:lstStyle/>
+          <a:p>
+            <a:pPr marL="0" lvl="0" indent="0" algn="l" rtl="0">
+              <a:spcBef>
+                <a:spcPts val="0"/>
+              </a:spcBef>
+              <a:spcAft>
+                <a:spcPts val="0"/>
+              </a:spcAft>
+              <a:buNone/>
+            </a:pPr>
+            <a:endParaRPr/>
+          </a:p>
+        </p:txBody>
+      </p:sp>
+    </p:spTree>
+    <p:extLst>
+      <p:ext uri="{BB962C8B-B14F-4D97-AF65-F5344CB8AC3E}">
+        <p14:creationId xmlns:p14="http://schemas.microsoft.com/office/powerpoint/2010/main" val="3825428896"/>
+      </p:ext>
+    </p:extLst>
+  </p:cSld>
+  <p:clrMapOvr>
+    <a:masterClrMapping/>
+  </p:clrMapOvr>
+</p:notes>
+</file>
+
+<file path=ppt/notesSlides/notesSlide6.xml><?xml version="1.0" encoding="utf-8"?>
+<p:notes xmlns:a="http://schemas.openxmlformats.org/drawingml/2006/main" xmlns:r="http://schemas.openxmlformats.org/officeDocument/2006/relationships" xmlns:p="http://schemas.openxmlformats.org/presentationml/2006/main" showMasterSp="0" showMasterPhAnim="0">
+  <p:cSld>
+    <p:spTree>
+      <p:nvGrpSpPr>
+        <p:cNvPr id="1" name="Shape 323"/>
+        <p:cNvGrpSpPr/>
+        <p:nvPr/>
+      </p:nvGrpSpPr>
+      <p:grpSpPr>
+        <a:xfrm>
+          <a:off x="0" y="0"/>
+          <a:ext cx="0" cy="0"/>
+          <a:chOff x="0" y="0"/>
+          <a:chExt cx="0" cy="0"/>
+        </a:xfrm>
+      </p:grpSpPr>
+      <p:sp>
+        <p:nvSpPr>
+          <p:cNvPr id="324" name="Google Shape;324;gf5e6061853_0_379:notes"/>
+          <p:cNvSpPr>
+            <a:spLocks noGrp="1" noRot="1" noChangeAspect="1"/>
+          </p:cNvSpPr>
+          <p:nvPr>
+            <p:ph type="sldImg" idx="2"/>
+          </p:nvPr>
+        </p:nvSpPr>
+        <p:spPr>
+          <a:xfrm>
+            <a:off x="381000" y="685800"/>
+            <a:ext cx="6096000" cy="3429000"/>
+          </a:xfrm>
+          <a:custGeom>
+            <a:avLst/>
+            <a:gdLst/>
+            <a:ahLst/>
+            <a:cxnLst/>
+            <a:rect l="l" t="t" r="r" b="b"/>
+            <a:pathLst>
+              <a:path w="120000" h="120000" extrusionOk="0">
+                <a:moveTo>
+                  <a:pt x="0" y="0"/>
+                </a:moveTo>
+                <a:lnTo>
+                  <a:pt x="120000" y="0"/>
+                </a:lnTo>
+                <a:lnTo>
+                  <a:pt x="120000" y="120000"/>
+                </a:lnTo>
+                <a:lnTo>
+                  <a:pt x="0" y="120000"/>
+                </a:lnTo>
+                <a:close/>
+              </a:path>
+            </a:pathLst>
+          </a:custGeom>
+        </p:spPr>
+      </p:sp>
+      <p:sp>
+        <p:nvSpPr>
+          <p:cNvPr id="325" name="Google Shape;325;gf5e6061853_0_379:notes"/>
+          <p:cNvSpPr txBox="1">
+            <a:spLocks noGrp="1"/>
+          </p:cNvSpPr>
+          <p:nvPr>
+            <p:ph type="body" idx="1"/>
+          </p:nvPr>
+        </p:nvSpPr>
+        <p:spPr>
+          <a:xfrm>
+            <a:off x="685800" y="4343400"/>
+            <a:ext cx="5486400" cy="4114800"/>
+          </a:xfrm>
+          <a:prstGeom prst="rect">
+            <a:avLst/>
+          </a:prstGeom>
+        </p:spPr>
+        <p:txBody>
+          <a:bodyPr spcFirstLastPara="1" wrap="square" lIns="91425" tIns="91425" rIns="91425" bIns="91425" anchor="t" anchorCtr="0">
+            <a:noAutofit/>
+          </a:bodyPr>
+          <a:lstStyle/>
+          <a:p>
+            <a:pPr marL="0" lvl="0" indent="0" algn="l" rtl="0">
+              <a:spcBef>
+                <a:spcPts val="0"/>
+              </a:spcBef>
+              <a:spcAft>
+                <a:spcPts val="0"/>
+              </a:spcAft>
+              <a:buNone/>
+            </a:pPr>
+            <a:endParaRPr/>
+          </a:p>
+        </p:txBody>
+      </p:sp>
+    </p:spTree>
+    <p:extLst>
+      <p:ext uri="{BB962C8B-B14F-4D97-AF65-F5344CB8AC3E}">
         <p14:creationId xmlns:p14="http://schemas.microsoft.com/office/powerpoint/2010/main" val="3040780142"/>
       </p:ext>
     </p:extLst>
@@ -1140,7 +1360,7 @@
 </p:notes>
 </file>
 
-<file path=ppt/notesSlides/notesSlide5.xml><?xml version="1.0" encoding="utf-8"?>
+<file path=ppt/notesSlides/notesSlide7.xml><?xml version="1.0" encoding="utf-8"?>
 <p:notes xmlns:a="http://schemas.openxmlformats.org/drawingml/2006/main" xmlns:r="http://schemas.openxmlformats.org/officeDocument/2006/relationships" xmlns:p="http://schemas.openxmlformats.org/presentationml/2006/main" showMasterSp="0" showMasterPhAnim="0">
   <p:cSld>
     <p:spTree>
@@ -1239,7 +1459,7 @@
     </p:spTree>
     <p:extLst>
       <p:ext uri="{BB962C8B-B14F-4D97-AF65-F5344CB8AC3E}">
-        <p14:creationId xmlns:p14="http://schemas.microsoft.com/office/powerpoint/2010/main" val="1436036967"/>
+        <p14:creationId xmlns:p14="http://schemas.microsoft.com/office/powerpoint/2010/main" val="962531502"/>
       </p:ext>
     </p:extLst>
   </p:cSld>
@@ -1249,7 +1469,7 @@
 </p:notes>
 </file>
 
-<file path=ppt/notesSlides/notesSlide6.xml><?xml version="1.0" encoding="utf-8"?>
+<file path=ppt/notesSlides/notesSlide8.xml><?xml version="1.0" encoding="utf-8"?>
 <p:notes xmlns:a="http://schemas.openxmlformats.org/drawingml/2006/main" xmlns:r="http://schemas.openxmlformats.org/officeDocument/2006/relationships" xmlns:p="http://schemas.openxmlformats.org/presentationml/2006/main" showMasterSp="0" showMasterPhAnim="0">
   <p:cSld>
     <p:spTree>
@@ -1348,7 +1568,7 @@
     </p:spTree>
     <p:extLst>
       <p:ext uri="{BB962C8B-B14F-4D97-AF65-F5344CB8AC3E}">
-        <p14:creationId xmlns:p14="http://schemas.microsoft.com/office/powerpoint/2010/main" val="1856960595"/>
+        <p14:creationId xmlns:p14="http://schemas.microsoft.com/office/powerpoint/2010/main" val="1436036967"/>
       </p:ext>
     </p:extLst>
   </p:cSld>
@@ -15424,12 +15644,20 @@
               <a:buNone/>
             </a:pPr>
             <a:r>
+              <a:rPr lang="en-ID" dirty="0">
+                <a:solidFill>
+                  <a:schemeClr val="tx2"/>
+                </a:solidFill>
+              </a:rPr>
+              <a:t>Power Pivot </a:t>
+            </a:r>
+            <a:r>
               <a:rPr lang="en-ID" dirty="0" err="1">
                 <a:solidFill>
                   <a:schemeClr val="tx2"/>
                 </a:solidFill>
               </a:rPr>
-              <a:t>Visualisasi</a:t>
+              <a:t>adalah</a:t>
             </a:r>
             <a:r>
               <a:rPr lang="en-ID" dirty="0">
@@ -15437,6 +15665,198 @@
                   <a:schemeClr val="tx2"/>
                 </a:solidFill>
               </a:rPr>
+              <a:t> </a:t>
+            </a:r>
+            <a:r>
+              <a:rPr lang="en-ID" dirty="0" err="1">
+                <a:solidFill>
+                  <a:schemeClr val="tx2"/>
+                </a:solidFill>
+              </a:rPr>
+              <a:t>sebuah</a:t>
+            </a:r>
+            <a:r>
+              <a:rPr lang="en-ID" dirty="0">
+                <a:solidFill>
+                  <a:schemeClr val="tx2"/>
+                </a:solidFill>
+              </a:rPr>
+              <a:t> add-in Excel yang </a:t>
+            </a:r>
+            <a:r>
+              <a:rPr lang="en-ID" dirty="0" err="1">
+                <a:solidFill>
+                  <a:schemeClr val="tx2"/>
+                </a:solidFill>
+              </a:rPr>
+              <a:t>bisa</a:t>
+            </a:r>
+            <a:r>
+              <a:rPr lang="en-ID" dirty="0">
+                <a:solidFill>
+                  <a:schemeClr val="tx2"/>
+                </a:solidFill>
+              </a:rPr>
+              <a:t> Anda </a:t>
+            </a:r>
+            <a:r>
+              <a:rPr lang="en-ID" dirty="0" err="1">
+                <a:solidFill>
+                  <a:schemeClr val="tx2"/>
+                </a:solidFill>
+              </a:rPr>
+              <a:t>gunakan</a:t>
+            </a:r>
+            <a:r>
+              <a:rPr lang="en-ID" dirty="0">
+                <a:solidFill>
+                  <a:schemeClr val="tx2"/>
+                </a:solidFill>
+              </a:rPr>
+              <a:t> </a:t>
+            </a:r>
+            <a:r>
+              <a:rPr lang="en-ID" dirty="0" err="1">
+                <a:solidFill>
+                  <a:schemeClr val="tx2"/>
+                </a:solidFill>
+              </a:rPr>
+              <a:t>untuk</a:t>
+            </a:r>
+            <a:r>
+              <a:rPr lang="en-ID" dirty="0">
+                <a:solidFill>
+                  <a:schemeClr val="tx2"/>
+                </a:solidFill>
+              </a:rPr>
+              <a:t> </a:t>
+            </a:r>
+            <a:r>
+              <a:rPr lang="en-ID" dirty="0" err="1">
+                <a:solidFill>
+                  <a:schemeClr val="tx2"/>
+                </a:solidFill>
+              </a:rPr>
+              <a:t>melakukan</a:t>
+            </a:r>
+            <a:r>
+              <a:rPr lang="en-ID" dirty="0">
+                <a:solidFill>
+                  <a:schemeClr val="tx2"/>
+                </a:solidFill>
+              </a:rPr>
+              <a:t> </a:t>
+            </a:r>
+            <a:r>
+              <a:rPr lang="en-ID" dirty="0" err="1">
+                <a:solidFill>
+                  <a:schemeClr val="tx2"/>
+                </a:solidFill>
+              </a:rPr>
+              <a:t>analisis</a:t>
+            </a:r>
+            <a:r>
+              <a:rPr lang="en-ID" dirty="0">
+                <a:solidFill>
+                  <a:schemeClr val="tx2"/>
+                </a:solidFill>
+              </a:rPr>
+              <a:t> data yang </a:t>
+            </a:r>
+            <a:r>
+              <a:rPr lang="en-ID" dirty="0" err="1">
+                <a:solidFill>
+                  <a:schemeClr val="tx2"/>
+                </a:solidFill>
+              </a:rPr>
+              <a:t>hebat</a:t>
+            </a:r>
+            <a:r>
+              <a:rPr lang="en-ID" dirty="0">
+                <a:solidFill>
+                  <a:schemeClr val="tx2"/>
+                </a:solidFill>
+              </a:rPr>
+              <a:t> dan </a:t>
+            </a:r>
+            <a:r>
+              <a:rPr lang="en-ID" dirty="0" err="1">
+                <a:solidFill>
+                  <a:schemeClr val="tx2"/>
+                </a:solidFill>
+              </a:rPr>
+              <a:t>membuat</a:t>
+            </a:r>
+            <a:r>
+              <a:rPr lang="en-ID" dirty="0">
+                <a:solidFill>
+                  <a:schemeClr val="tx2"/>
+                </a:solidFill>
+              </a:rPr>
+              <a:t> model data yang </a:t>
+            </a:r>
+            <a:r>
+              <a:rPr lang="en-ID" dirty="0" err="1">
+                <a:solidFill>
+                  <a:schemeClr val="tx2"/>
+                </a:solidFill>
+              </a:rPr>
+              <a:t>canggih</a:t>
+            </a:r>
+            <a:r>
+              <a:rPr lang="en-ID" dirty="0">
+                <a:solidFill>
+                  <a:schemeClr val="tx2"/>
+                </a:solidFill>
+              </a:rPr>
+              <a:t>. </a:t>
+            </a:r>
+            <a:r>
+              <a:rPr lang="en-ID" dirty="0" err="1">
+                <a:solidFill>
+                  <a:schemeClr val="tx2"/>
+                </a:solidFill>
+              </a:rPr>
+              <a:t>Dengan</a:t>
+            </a:r>
+            <a:r>
+              <a:rPr lang="en-ID" dirty="0">
+                <a:solidFill>
+                  <a:schemeClr val="tx2"/>
+                </a:solidFill>
+              </a:rPr>
+              <a:t> Power Pivot, Anda </a:t>
+            </a:r>
+            <a:r>
+              <a:rPr lang="en-ID" dirty="0" err="1">
+                <a:solidFill>
+                  <a:schemeClr val="tx2"/>
+                </a:solidFill>
+              </a:rPr>
+              <a:t>dapat</a:t>
+            </a:r>
+            <a:r>
+              <a:rPr lang="en-ID" dirty="0">
+                <a:solidFill>
+                  <a:schemeClr val="tx2"/>
+                </a:solidFill>
+              </a:rPr>
+              <a:t> mash up volume </a:t>
+            </a:r>
+            <a:r>
+              <a:rPr lang="en-ID" dirty="0" err="1">
+                <a:solidFill>
+                  <a:schemeClr val="tx2"/>
+                </a:solidFill>
+              </a:rPr>
+              <a:t>besar</a:t>
+            </a:r>
+            <a:r>
+              <a:rPr lang="en-ID" dirty="0">
+                <a:solidFill>
+                  <a:schemeClr val="tx2"/>
+                </a:solidFill>
+              </a:rPr>
               <a:t> data </a:t>
             </a:r>
             <a:r>
@@ -15445,7 +15865,7 @@
                   <a:schemeClr val="tx2"/>
                 </a:solidFill>
               </a:rPr>
-              <a:t>adalah</a:t>
+              <a:t>dari</a:t>
             </a:r>
             <a:r>
               <a:rPr lang="en-ID" dirty="0">
@@ -15453,7 +15873,7 @@
                   <a:schemeClr val="tx2"/>
                 </a:solidFill>
               </a:rPr>
-              <a:t> proses </a:t>
+              <a:t> </a:t>
             </a:r>
             <a:r>
               <a:rPr lang="en-ID" dirty="0" err="1">
@@ -15461,7 +15881,7 @@
                   <a:schemeClr val="tx2"/>
                 </a:solidFill>
               </a:rPr>
-              <a:t>menggunakan</a:t>
+              <a:t>berbagai</a:t>
             </a:r>
             <a:r>
               <a:rPr lang="en-ID" dirty="0">
@@ -15477,7 +15897,7 @@
                   <a:schemeClr val="tx2"/>
                 </a:solidFill>
               </a:rPr>
-              <a:t>elemen</a:t>
+              <a:t>sumber</a:t>
             </a:r>
             <a:r>
               <a:rPr lang="en-ID" dirty="0">
@@ -15485,7 +15905,7 @@
                   <a:schemeClr val="tx2"/>
                 </a:solidFill>
               </a:rPr>
-              <a:t> visual </a:t>
+              <a:t>, </a:t>
             </a:r>
             <a:r>
               <a:rPr lang="en-ID" dirty="0" err="1">
@@ -15493,7 +15913,7 @@
                   <a:schemeClr val="tx2"/>
                 </a:solidFill>
               </a:rPr>
-              <a:t>seperti</a:t>
+              <a:t>melakukan</a:t>
             </a:r>
             <a:r>
               <a:rPr lang="en-ID" dirty="0">
@@ -15501,7 +15921,7 @@
                   <a:schemeClr val="tx2"/>
                 </a:solidFill>
               </a:rPr>
-              <a:t> diagram, </a:t>
+              <a:t> </a:t>
             </a:r>
             <a:r>
               <a:rPr lang="en-ID" dirty="0" err="1">
@@ -15509,7 +15929,7 @@
                   <a:schemeClr val="tx2"/>
                 </a:solidFill>
               </a:rPr>
-              <a:t>grafik</a:t>
+              <a:t>analisis</a:t>
             </a:r>
             <a:r>
               <a:rPr lang="en-ID" dirty="0">
@@ -15517,7 +15937,7 @@
                   <a:schemeClr val="tx2"/>
                 </a:solidFill>
               </a:rPr>
-              <a:t>, </a:t>
+              <a:t> </a:t>
             </a:r>
             <a:r>
               <a:rPr lang="en-ID" dirty="0" err="1">
@@ -15525,7 +15945,7 @@
                   <a:schemeClr val="tx2"/>
                 </a:solidFill>
               </a:rPr>
-              <a:t>atau</a:t>
+              <a:t>informasi</a:t>
             </a:r>
             <a:r>
               <a:rPr lang="en-ID" dirty="0">
@@ -15541,7 +15961,7 @@
                   <a:schemeClr val="tx2"/>
                 </a:solidFill>
               </a:rPr>
-              <a:t>peta</a:t>
+              <a:t>dengan</a:t>
             </a:r>
             <a:r>
               <a:rPr lang="en-ID" dirty="0">
@@ -15557,7 +15977,7 @@
                   <a:schemeClr val="tx2"/>
                 </a:solidFill>
               </a:rPr>
-              <a:t>untuk</a:t>
+              <a:t>cepat</a:t>
             </a:r>
             <a:r>
               <a:rPr lang="en-ID" dirty="0">
@@ -15565,6 +15985,22 @@
                   <a:schemeClr val="tx2"/>
                 </a:solidFill>
               </a:rPr>
+              <a:t>, dan </a:t>
+            </a:r>
+            <a:r>
+              <a:rPr lang="en-ID" dirty="0" err="1">
+                <a:solidFill>
+                  <a:schemeClr val="tx2"/>
+                </a:solidFill>
+              </a:rPr>
+              <a:t>berbagi</a:t>
+            </a:r>
+            <a:r>
+              <a:rPr lang="en-ID" dirty="0">
+                <a:solidFill>
+                  <a:schemeClr val="tx2"/>
+                </a:solidFill>
+              </a:rPr>
               <a:t> </a:t>
             </a:r>
             <a:r>
@@ -15573,7 +16009,7 @@
                   <a:schemeClr val="tx2"/>
                 </a:solidFill>
               </a:rPr>
-              <a:t>merepresentasikan</a:t>
+              <a:t>wawasan</a:t>
             </a:r>
             <a:r>
               <a:rPr lang="en-ID" dirty="0">
@@ -15581,7 +16017,7 @@
                   <a:schemeClr val="tx2"/>
                 </a:solidFill>
               </a:rPr>
-              <a:t> data. </a:t>
+              <a:t> </a:t>
             </a:r>
             <a:r>
               <a:rPr lang="en-ID" dirty="0" err="1">
@@ -15589,7 +16025,7 @@
                   <a:schemeClr val="tx2"/>
                 </a:solidFill>
               </a:rPr>
-              <a:t>Visualisasi</a:t>
+              <a:t>dengan</a:t>
             </a:r>
             <a:r>
               <a:rPr lang="en-ID" dirty="0">
@@ -15597,7 +16033,7 @@
                   <a:schemeClr val="tx2"/>
                 </a:solidFill>
               </a:rPr>
-              <a:t> data </a:t>
+              <a:t> </a:t>
             </a:r>
             <a:r>
               <a:rPr lang="en-ID" dirty="0" err="1">
@@ -15605,7 +16041,7 @@
                   <a:schemeClr val="tx2"/>
                 </a:solidFill>
               </a:rPr>
-              <a:t>menerjemahkan</a:t>
+              <a:t>mudah</a:t>
             </a:r>
             <a:r>
               <a:rPr lang="en-ID" dirty="0">
@@ -15613,6 +16049,145 @@
                   <a:schemeClr val="tx2"/>
                 </a:solidFill>
               </a:rPr>
+              <a:t>.</a:t>
+            </a:r>
+          </a:p>
+          <a:p>
+            <a:pPr marL="0" lvl="0" indent="0" algn="ctr" rtl="0">
+              <a:spcBef>
+                <a:spcPts val="0"/>
+              </a:spcBef>
+              <a:spcAft>
+                <a:spcPts val="0"/>
+              </a:spcAft>
+              <a:buNone/>
+            </a:pPr>
+            <a:endParaRPr lang="en-ID" dirty="0">
+              <a:solidFill>
+                <a:schemeClr val="tx2"/>
+              </a:solidFill>
+            </a:endParaRPr>
+          </a:p>
+          <a:p>
+            <a:pPr marL="0" lvl="0" indent="0" algn="ctr" rtl="0">
+              <a:spcBef>
+                <a:spcPts val="0"/>
+              </a:spcBef>
+              <a:spcAft>
+                <a:spcPts val="0"/>
+              </a:spcAft>
+              <a:buNone/>
+            </a:pPr>
+            <a:r>
+              <a:rPr lang="en-ID" dirty="0" err="1">
+                <a:solidFill>
+                  <a:schemeClr val="tx2"/>
+                </a:solidFill>
+              </a:rPr>
+              <a:t>Dalam</a:t>
+            </a:r>
+            <a:r>
+              <a:rPr lang="en-ID" dirty="0">
+                <a:solidFill>
+                  <a:schemeClr val="tx2"/>
+                </a:solidFill>
+              </a:rPr>
+              <a:t> </a:t>
+            </a:r>
+            <a:r>
+              <a:rPr lang="en-ID" dirty="0" err="1">
+                <a:solidFill>
+                  <a:schemeClr val="tx2"/>
+                </a:solidFill>
+              </a:rPr>
+              <a:t>kedua</a:t>
+            </a:r>
+            <a:r>
+              <a:rPr lang="en-ID" dirty="0">
+                <a:solidFill>
+                  <a:schemeClr val="tx2"/>
+                </a:solidFill>
+              </a:rPr>
+              <a:t> Excel dan di Power Pivot, Anda </a:t>
+            </a:r>
+            <a:r>
+              <a:rPr lang="en-ID" dirty="0" err="1">
+                <a:solidFill>
+                  <a:schemeClr val="tx2"/>
+                </a:solidFill>
+              </a:rPr>
+              <a:t>bisa</a:t>
+            </a:r>
+            <a:r>
+              <a:rPr lang="en-ID" dirty="0">
+                <a:solidFill>
+                  <a:schemeClr val="tx2"/>
+                </a:solidFill>
+              </a:rPr>
+              <a:t> </a:t>
+            </a:r>
+            <a:r>
+              <a:rPr lang="en-ID" dirty="0" err="1">
+                <a:solidFill>
+                  <a:schemeClr val="tx2"/>
+                </a:solidFill>
+              </a:rPr>
+              <a:t>membuat</a:t>
+            </a:r>
+            <a:r>
+              <a:rPr lang="en-ID" dirty="0">
+                <a:solidFill>
+                  <a:schemeClr val="tx2"/>
+                </a:solidFill>
+              </a:rPr>
+              <a:t> Model Data, </a:t>
+            </a:r>
+            <a:r>
+              <a:rPr lang="en-ID" dirty="0" err="1">
+                <a:solidFill>
+                  <a:schemeClr val="tx2"/>
+                </a:solidFill>
+              </a:rPr>
+              <a:t>sebuah</a:t>
+            </a:r>
+            <a:r>
+              <a:rPr lang="en-ID" dirty="0">
+                <a:solidFill>
+                  <a:schemeClr val="tx2"/>
+                </a:solidFill>
+              </a:rPr>
+              <a:t> </a:t>
+            </a:r>
+            <a:r>
+              <a:rPr lang="en-ID" dirty="0" err="1">
+                <a:solidFill>
+                  <a:schemeClr val="tx2"/>
+                </a:solidFill>
+              </a:rPr>
+              <a:t>kumpulan</a:t>
+            </a:r>
+            <a:r>
+              <a:rPr lang="en-ID" dirty="0">
+                <a:solidFill>
+                  <a:schemeClr val="tx2"/>
+                </a:solidFill>
+              </a:rPr>
+              <a:t> </a:t>
+            </a:r>
+            <a:r>
+              <a:rPr lang="en-ID" dirty="0" err="1">
+                <a:solidFill>
+                  <a:schemeClr val="tx2"/>
+                </a:solidFill>
+              </a:rPr>
+              <a:t>tabel</a:t>
+            </a:r>
+            <a:r>
+              <a:rPr lang="en-ID" dirty="0">
+                <a:solidFill>
+                  <a:schemeClr val="tx2"/>
+                </a:solidFill>
+              </a:rPr>
               <a:t> yang </a:t>
             </a:r>
             <a:r>
@@ -15621,7 +16196,7 @@
                   <a:schemeClr val="tx2"/>
                 </a:solidFill>
               </a:rPr>
-              <a:t>kompleks</a:t>
+              <a:t>memiliki</a:t>
             </a:r>
             <a:r>
               <a:rPr lang="en-ID" dirty="0">
@@ -15629,7 +16204,7 @@
                   <a:schemeClr val="tx2"/>
                 </a:solidFill>
               </a:rPr>
-              <a:t>, </a:t>
+              <a:t> </a:t>
             </a:r>
             <a:r>
               <a:rPr lang="en-ID" dirty="0" err="1">
@@ -15637,7 +16212,7 @@
                   <a:schemeClr val="tx2"/>
                 </a:solidFill>
               </a:rPr>
-              <a:t>bervolume</a:t>
+              <a:t>hubungan</a:t>
             </a:r>
             <a:r>
               <a:rPr lang="en-ID" dirty="0">
@@ -15645,6 +16220,38 @@
                   <a:schemeClr val="tx2"/>
                 </a:solidFill>
               </a:rPr>
+              <a:t>. Model data yang Anda </a:t>
+            </a:r>
+            <a:r>
+              <a:rPr lang="en-ID" dirty="0" err="1">
+                <a:solidFill>
+                  <a:schemeClr val="tx2"/>
+                </a:solidFill>
+              </a:rPr>
+              <a:t>lihat</a:t>
+            </a:r>
+            <a:r>
+              <a:rPr lang="en-ID" dirty="0">
+                <a:solidFill>
+                  <a:schemeClr val="tx2"/>
+                </a:solidFill>
+              </a:rPr>
+              <a:t> di </a:t>
+            </a:r>
+            <a:r>
+              <a:rPr lang="en-ID" dirty="0" err="1">
+                <a:solidFill>
+                  <a:schemeClr val="tx2"/>
+                </a:solidFill>
+              </a:rPr>
+              <a:t>buku</a:t>
+            </a:r>
+            <a:r>
+              <a:rPr lang="en-ID" dirty="0">
+                <a:solidFill>
+                  <a:schemeClr val="tx2"/>
+                </a:solidFill>
+              </a:rPr>
               <a:t> </a:t>
             </a:r>
             <a:r>
@@ -15653,7 +16260,7 @@
                   <a:schemeClr val="tx2"/>
                 </a:solidFill>
               </a:rPr>
-              <a:t>tinggi</a:t>
+              <a:t>kerja</a:t>
             </a:r>
             <a:r>
               <a:rPr lang="en-ID" dirty="0">
@@ -15661,7 +16268,7 @@
                   <a:schemeClr val="tx2"/>
                 </a:solidFill>
               </a:rPr>
-              <a:t>, </a:t>
+              <a:t> Excel model data yang </a:t>
             </a:r>
             <a:r>
               <a:rPr lang="en-ID" dirty="0" err="1">
@@ -15669,7 +16276,7 @@
                   <a:schemeClr val="tx2"/>
                 </a:solidFill>
               </a:rPr>
-              <a:t>atau</a:t>
+              <a:t>sama</a:t>
             </a:r>
             <a:r>
               <a:rPr lang="en-ID" dirty="0">
@@ -15685,7 +16292,7 @@
                   <a:schemeClr val="tx2"/>
                 </a:solidFill>
               </a:rPr>
-              <a:t>numerik</a:t>
+              <a:t>dengan</a:t>
             </a:r>
             <a:r>
               <a:rPr lang="en-ID" dirty="0">
@@ -15693,7 +16300,7 @@
                   <a:schemeClr val="tx2"/>
                 </a:solidFill>
               </a:rPr>
-              <a:t> </a:t>
+              <a:t> yang Anda </a:t>
             </a:r>
             <a:r>
               <a:rPr lang="en-ID" dirty="0" err="1">
@@ -15701,7 +16308,7 @@
                   <a:schemeClr val="tx2"/>
                 </a:solidFill>
               </a:rPr>
-              <a:t>menjadi</a:t>
+              <a:t>lihat</a:t>
             </a:r>
             <a:r>
               <a:rPr lang="en-ID" dirty="0">
@@ -15709,7 +16316,7 @@
                   <a:schemeClr val="tx2"/>
                 </a:solidFill>
               </a:rPr>
-              <a:t> </a:t>
+              <a:t> di </a:t>
             </a:r>
             <a:r>
               <a:rPr lang="en-ID" dirty="0" err="1">
@@ -15717,7 +16324,7 @@
                   <a:schemeClr val="tx2"/>
                 </a:solidFill>
               </a:rPr>
-              <a:t>representasi</a:t>
+              <a:t>jendela</a:t>
             </a:r>
             <a:r>
               <a:rPr lang="en-ID" dirty="0">
@@ -15725,7 +16332,7 @@
                   <a:schemeClr val="tx2"/>
                 </a:solidFill>
               </a:rPr>
-              <a:t> visual yang </a:t>
+              <a:t> Power Pivot. </a:t>
             </a:r>
             <a:r>
               <a:rPr lang="en-ID" dirty="0" err="1">
@@ -15733,7 +16340,7 @@
                   <a:schemeClr val="tx2"/>
                 </a:solidFill>
               </a:rPr>
-              <a:t>lebih</a:t>
+              <a:t>Setiap</a:t>
             </a:r>
             <a:r>
               <a:rPr lang="en-ID" dirty="0">
@@ -15741,7 +16348,7 @@
                   <a:schemeClr val="tx2"/>
                 </a:solidFill>
               </a:rPr>
-              <a:t> </a:t>
+              <a:t> data yang Anda </a:t>
             </a:r>
             <a:r>
               <a:rPr lang="en-ID" dirty="0" err="1">
@@ -15749,7 +16356,7 @@
                   <a:schemeClr val="tx2"/>
                 </a:solidFill>
               </a:rPr>
-              <a:t>mudah</a:t>
+              <a:t>impor</a:t>
             </a:r>
             <a:r>
               <a:rPr lang="en-ID" dirty="0">
@@ -15757,7 +16364,7 @@
                   <a:schemeClr val="tx2"/>
                 </a:solidFill>
               </a:rPr>
-              <a:t> </a:t>
+              <a:t> Excel </a:t>
             </a:r>
             <a:r>
               <a:rPr lang="en-ID" dirty="0" err="1">
@@ -15765,7 +16372,7 @@
                   <a:schemeClr val="tx2"/>
                 </a:solidFill>
               </a:rPr>
-              <a:t>diproses</a:t>
+              <a:t>tersedia</a:t>
             </a:r>
             <a:r>
               <a:rPr lang="en-ID" dirty="0">
@@ -15773,7 +16380,7 @@
                   <a:schemeClr val="tx2"/>
                 </a:solidFill>
               </a:rPr>
-              <a:t>. Alat </a:t>
+              <a:t> di Power Pivot, dan </a:t>
             </a:r>
             <a:r>
               <a:rPr lang="en-ID" dirty="0" err="1">
@@ -15781,263 +16388,7 @@
                   <a:schemeClr val="tx2"/>
                 </a:solidFill>
               </a:rPr>
-              <a:t>visualisasi</a:t>
-            </a:r>
-            <a:r>
-              <a:rPr lang="en-ID" dirty="0">
-                <a:solidFill>
-                  <a:schemeClr val="tx2"/>
-                </a:solidFill>
-              </a:rPr>
-              <a:t> data </a:t>
-            </a:r>
-            <a:r>
-              <a:rPr lang="en-ID" dirty="0" err="1">
-                <a:solidFill>
-                  <a:schemeClr val="tx2"/>
-                </a:solidFill>
-              </a:rPr>
-              <a:t>meningkatkan</a:t>
-            </a:r>
-            <a:r>
-              <a:rPr lang="en-ID" dirty="0">
-                <a:solidFill>
-                  <a:schemeClr val="tx2"/>
-                </a:solidFill>
-              </a:rPr>
-              <a:t> dan </a:t>
-            </a:r>
-            <a:r>
-              <a:rPr lang="en-ID" dirty="0" err="1">
-                <a:solidFill>
-                  <a:schemeClr val="tx2"/>
-                </a:solidFill>
-              </a:rPr>
-              <a:t>mengotomatiskan</a:t>
-            </a:r>
-            <a:r>
-              <a:rPr lang="en-ID" dirty="0">
-                <a:solidFill>
-                  <a:schemeClr val="tx2"/>
-                </a:solidFill>
-              </a:rPr>
-              <a:t> proses </a:t>
-            </a:r>
-            <a:r>
-              <a:rPr lang="en-ID" dirty="0" err="1">
-                <a:solidFill>
-                  <a:schemeClr val="tx2"/>
-                </a:solidFill>
-              </a:rPr>
-              <a:t>komunikasi</a:t>
-            </a:r>
-            <a:r>
-              <a:rPr lang="en-ID" dirty="0">
-                <a:solidFill>
-                  <a:schemeClr val="tx2"/>
-                </a:solidFill>
-              </a:rPr>
-              <a:t> visual </a:t>
-            </a:r>
-            <a:r>
-              <a:rPr lang="en-ID" dirty="0" err="1">
-                <a:solidFill>
-                  <a:schemeClr val="tx2"/>
-                </a:solidFill>
-              </a:rPr>
-              <a:t>untuk</a:t>
-            </a:r>
-            <a:r>
-              <a:rPr lang="en-ID" dirty="0">
-                <a:solidFill>
-                  <a:schemeClr val="tx2"/>
-                </a:solidFill>
-              </a:rPr>
-              <a:t> </a:t>
-            </a:r>
-            <a:r>
-              <a:rPr lang="en-ID" dirty="0" err="1">
-                <a:solidFill>
-                  <a:schemeClr val="tx2"/>
-                </a:solidFill>
-              </a:rPr>
-              <a:t>mendapatkan</a:t>
-            </a:r>
-            <a:r>
-              <a:rPr lang="en-ID" dirty="0">
-                <a:solidFill>
-                  <a:schemeClr val="tx2"/>
-                </a:solidFill>
-              </a:rPr>
-              <a:t> </a:t>
-            </a:r>
-            <a:r>
-              <a:rPr lang="en-ID" dirty="0" err="1">
-                <a:solidFill>
-                  <a:schemeClr val="tx2"/>
-                </a:solidFill>
-              </a:rPr>
-              <a:t>akurasi</a:t>
-            </a:r>
-            <a:r>
-              <a:rPr lang="en-ID" dirty="0">
-                <a:solidFill>
-                  <a:schemeClr val="tx2"/>
-                </a:solidFill>
-              </a:rPr>
-              <a:t> dan detail. Anda </a:t>
-            </a:r>
-            <a:r>
-              <a:rPr lang="en-ID" dirty="0" err="1">
-                <a:solidFill>
-                  <a:schemeClr val="tx2"/>
-                </a:solidFill>
-              </a:rPr>
-              <a:t>dapat</a:t>
-            </a:r>
-            <a:r>
-              <a:rPr lang="en-ID" dirty="0">
-                <a:solidFill>
-                  <a:schemeClr val="tx2"/>
-                </a:solidFill>
-              </a:rPr>
-              <a:t> </a:t>
-            </a:r>
-            <a:r>
-              <a:rPr lang="en-ID" dirty="0" err="1">
-                <a:solidFill>
-                  <a:schemeClr val="tx2"/>
-                </a:solidFill>
-              </a:rPr>
-              <a:t>menggunakan</a:t>
-            </a:r>
-            <a:r>
-              <a:rPr lang="en-ID" dirty="0">
-                <a:solidFill>
-                  <a:schemeClr val="tx2"/>
-                </a:solidFill>
-              </a:rPr>
-              <a:t> </a:t>
-            </a:r>
-            <a:r>
-              <a:rPr lang="en-ID" dirty="0" err="1">
-                <a:solidFill>
-                  <a:schemeClr val="tx2"/>
-                </a:solidFill>
-              </a:rPr>
-              <a:t>representasi</a:t>
-            </a:r>
-            <a:r>
-              <a:rPr lang="en-ID" dirty="0">
-                <a:solidFill>
-                  <a:schemeClr val="tx2"/>
-                </a:solidFill>
-              </a:rPr>
-              <a:t> visual </a:t>
-            </a:r>
-            <a:r>
-              <a:rPr lang="en-ID" dirty="0" err="1">
-                <a:solidFill>
-                  <a:schemeClr val="tx2"/>
-                </a:solidFill>
-              </a:rPr>
-              <a:t>untuk</a:t>
-            </a:r>
-            <a:r>
-              <a:rPr lang="en-ID" dirty="0">
-                <a:solidFill>
-                  <a:schemeClr val="tx2"/>
-                </a:solidFill>
-              </a:rPr>
-              <a:t> </a:t>
-            </a:r>
-            <a:r>
-              <a:rPr lang="en-ID" dirty="0" err="1">
-                <a:solidFill>
-                  <a:schemeClr val="tx2"/>
-                </a:solidFill>
-              </a:rPr>
-              <a:t>mengekstraksi</a:t>
-            </a:r>
-            <a:r>
-              <a:rPr lang="en-ID" dirty="0">
-                <a:solidFill>
-                  <a:schemeClr val="tx2"/>
-                </a:solidFill>
-              </a:rPr>
-              <a:t> </a:t>
-            </a:r>
-            <a:r>
-              <a:rPr lang="en-ID" dirty="0" err="1">
-                <a:solidFill>
-                  <a:schemeClr val="tx2"/>
-                </a:solidFill>
-              </a:rPr>
-              <a:t>wawasan</a:t>
-            </a:r>
-            <a:r>
-              <a:rPr lang="en-ID" dirty="0">
-                <a:solidFill>
-                  <a:schemeClr val="tx2"/>
-                </a:solidFill>
-              </a:rPr>
-              <a:t> yang </a:t>
-            </a:r>
-            <a:r>
-              <a:rPr lang="en-ID" dirty="0" err="1">
-                <a:solidFill>
-                  <a:schemeClr val="tx2"/>
-                </a:solidFill>
-              </a:rPr>
-              <a:t>dapat</a:t>
-            </a:r>
-            <a:r>
-              <a:rPr lang="en-ID" dirty="0">
-                <a:solidFill>
-                  <a:schemeClr val="tx2"/>
-                </a:solidFill>
-              </a:rPr>
-              <a:t> </a:t>
-            </a:r>
-            <a:r>
-              <a:rPr lang="en-ID" dirty="0" err="1">
-                <a:solidFill>
-                  <a:schemeClr val="tx2"/>
-                </a:solidFill>
-              </a:rPr>
-              <a:t>ditindaklanjuti</a:t>
-            </a:r>
-            <a:r>
-              <a:rPr lang="en-ID" dirty="0">
-                <a:solidFill>
-                  <a:schemeClr val="tx2"/>
-                </a:solidFill>
-              </a:rPr>
-              <a:t> </a:t>
-            </a:r>
-            <a:r>
-              <a:rPr lang="en-ID" dirty="0" err="1">
-                <a:solidFill>
-                  <a:schemeClr val="tx2"/>
-                </a:solidFill>
-              </a:rPr>
-              <a:t>dari</a:t>
-            </a:r>
-            <a:r>
-              <a:rPr lang="en-ID" dirty="0">
-                <a:solidFill>
-                  <a:schemeClr val="tx2"/>
-                </a:solidFill>
-              </a:rPr>
-              <a:t> data </a:t>
-            </a:r>
-            <a:r>
-              <a:rPr lang="en-ID" dirty="0" err="1">
-                <a:solidFill>
-                  <a:schemeClr val="tx2"/>
-                </a:solidFill>
-              </a:rPr>
-              <a:t>mentah</a:t>
+              <a:t>sebaliknya</a:t>
             </a:r>
             <a:r>
               <a:rPr lang="en-ID" dirty="0">
@@ -16090,12 +16441,8 @@
               <a:buNone/>
             </a:pPr>
             <a:r>
-              <a:rPr lang="en-US" dirty="0" err="1"/>
-              <a:t>visualisasi</a:t>
-            </a:r>
-            <a:r>
               <a:rPr lang="en-US" dirty="0"/>
-              <a:t> data</a:t>
+              <a:t>POWER pivot</a:t>
             </a:r>
             <a:endParaRPr dirty="0"/>
           </a:p>
@@ -17060,7 +17407,7 @@
     </p:spTree>
     <p:extLst>
       <p:ext uri="{BB962C8B-B14F-4D97-AF65-F5344CB8AC3E}">
-        <p14:creationId xmlns:p14="http://schemas.microsoft.com/office/powerpoint/2010/main" val="3411326305"/>
+        <p14:creationId xmlns:p14="http://schemas.microsoft.com/office/powerpoint/2010/main" val="3023127169"/>
       </p:ext>
     </p:extLst>
   </p:cSld>
@@ -17100,7 +17447,7 @@
         <p:spPr>
           <a:xfrm>
             <a:off x="602093" y="2234926"/>
-            <a:ext cx="7715400" cy="1700515"/>
+            <a:ext cx="7715400" cy="1968236"/>
           </a:xfrm>
           <a:prstGeom prst="rect">
             <a:avLst/>
@@ -17127,7 +17474,7 @@
                   <a:schemeClr val="tx2"/>
                 </a:solidFill>
               </a:rPr>
-              <a:t>Berikut</a:t>
+              <a:t>Fungsi</a:t>
             </a:r>
             <a:r>
               <a:rPr lang="en-ID" dirty="0">
@@ -17143,6 +17490,38 @@
                   <a:schemeClr val="tx2"/>
                 </a:solidFill>
               </a:rPr>
+              <a:t>dari</a:t>
+            </a:r>
+            <a:r>
+              <a:rPr lang="en-ID" dirty="0">
+                <a:solidFill>
+                  <a:schemeClr val="tx2"/>
+                </a:solidFill>
+              </a:rPr>
+              <a:t> power pivot pada </a:t>
+            </a:r>
+            <a:r>
+              <a:rPr lang="en-ID" dirty="0" err="1">
+                <a:solidFill>
+                  <a:schemeClr val="tx2"/>
+                </a:solidFill>
+              </a:rPr>
+              <a:t>microsoft</a:t>
+            </a:r>
+            <a:r>
+              <a:rPr lang="en-ID" dirty="0">
+                <a:solidFill>
+                  <a:schemeClr val="tx2"/>
+                </a:solidFill>
+              </a:rPr>
+              <a:t> excel </a:t>
+            </a:r>
+            <a:r>
+              <a:rPr lang="en-ID" dirty="0" err="1">
+                <a:solidFill>
+                  <a:schemeClr val="tx2"/>
+                </a:solidFill>
+              </a:rPr>
               <a:t>adalah</a:t>
             </a:r>
             <a:r>
@@ -17151,71 +17530,7 @@
                   <a:schemeClr val="tx2"/>
                 </a:solidFill>
               </a:rPr>
-              <a:t> </a:t>
-            </a:r>
-            <a:r>
-              <a:rPr lang="en-ID" dirty="0" err="1">
-                <a:solidFill>
-                  <a:schemeClr val="tx2"/>
-                </a:solidFill>
-              </a:rPr>
-              <a:t>beberapa</a:t>
-            </a:r>
-            <a:r>
-              <a:rPr lang="en-ID" dirty="0">
-                <a:solidFill>
-                  <a:schemeClr val="tx2"/>
-                </a:solidFill>
-              </a:rPr>
-              <a:t> </a:t>
-            </a:r>
-            <a:r>
-              <a:rPr lang="en-ID" dirty="0" err="1">
-                <a:solidFill>
-                  <a:schemeClr val="tx2"/>
-                </a:solidFill>
-              </a:rPr>
-              <a:t>manfaat</a:t>
-            </a:r>
-            <a:r>
-              <a:rPr lang="en-ID" dirty="0">
-                <a:solidFill>
-                  <a:schemeClr val="tx2"/>
-                </a:solidFill>
-              </a:rPr>
-              <a:t> </a:t>
-            </a:r>
-            <a:r>
-              <a:rPr lang="en-ID" dirty="0" err="1">
-                <a:solidFill>
-                  <a:schemeClr val="tx2"/>
-                </a:solidFill>
-              </a:rPr>
-              <a:t>dari</a:t>
-            </a:r>
-            <a:r>
-              <a:rPr lang="en-ID" dirty="0">
-                <a:solidFill>
-                  <a:schemeClr val="tx2"/>
-                </a:solidFill>
-              </a:rPr>
-              <a:t> </a:t>
-            </a:r>
-            <a:r>
-              <a:rPr lang="en-ID" dirty="0" err="1">
-                <a:solidFill>
-                  <a:schemeClr val="tx2"/>
-                </a:solidFill>
-              </a:rPr>
-              <a:t>visualisasi</a:t>
-            </a:r>
-            <a:r>
-              <a:rPr lang="en-ID" dirty="0">
-                <a:solidFill>
-                  <a:schemeClr val="tx2"/>
-                </a:solidFill>
-              </a:rPr>
-              <a:t> data:</a:t>
+              <a:t>:</a:t>
             </a:r>
           </a:p>
           <a:p>
@@ -17258,7 +17573,7 @@
                   <a:schemeClr val="tx2"/>
                 </a:solidFill>
               </a:rPr>
-              <a:t>Membantu</a:t>
+              <a:t>Mengelola</a:t>
             </a:r>
             <a:r>
               <a:rPr lang="en-ID" dirty="0">
@@ -17266,6 +17581,22 @@
                   <a:schemeClr val="tx2"/>
                 </a:solidFill>
               </a:rPr>
+              <a:t> model data </a:t>
+            </a:r>
+            <a:r>
+              <a:rPr lang="en-ID" dirty="0" err="1">
+                <a:solidFill>
+                  <a:schemeClr val="tx2"/>
+                </a:solidFill>
+              </a:rPr>
+              <a:t>dengan</a:t>
+            </a:r>
+            <a:r>
+              <a:rPr lang="en-ID" dirty="0">
+                <a:solidFill>
+                  <a:schemeClr val="tx2"/>
+                </a:solidFill>
+              </a:rPr>
               <a:t> </a:t>
             </a:r>
             <a:r>
@@ -17274,6 +17605,38 @@
                   <a:schemeClr val="tx2"/>
                 </a:solidFill>
               </a:rPr>
+              <a:t>memunculkan</a:t>
+            </a:r>
+            <a:r>
+              <a:rPr lang="en-ID" dirty="0">
+                <a:solidFill>
+                  <a:schemeClr val="tx2"/>
+                </a:solidFill>
+              </a:rPr>
+              <a:t> panel / </a:t>
+            </a:r>
+            <a:r>
+              <a:rPr lang="en-ID" dirty="0" err="1">
+                <a:solidFill>
+                  <a:schemeClr val="tx2"/>
+                </a:solidFill>
+              </a:rPr>
+              <a:t>jendela</a:t>
+            </a:r>
+            <a:r>
+              <a:rPr lang="en-ID" dirty="0">
+                <a:solidFill>
+                  <a:schemeClr val="tx2"/>
+                </a:solidFill>
+              </a:rPr>
+              <a:t> </a:t>
+            </a:r>
+            <a:r>
+              <a:rPr lang="en-ID" dirty="0" err="1">
+                <a:solidFill>
+                  <a:schemeClr val="tx2"/>
+                </a:solidFill>
+              </a:rPr>
               <a:t>untuk</a:t>
             </a:r>
             <a:r>
@@ -17290,7 +17653,7 @@
                   <a:schemeClr val="tx2"/>
                 </a:solidFill>
               </a:rPr>
-              <a:t>memahami</a:t>
+              <a:t>mempersiapkan</a:t>
             </a:r>
             <a:r>
               <a:rPr lang="en-ID" dirty="0">
@@ -17306,7 +17669,7 @@
                   <a:schemeClr val="tx2"/>
                 </a:solidFill>
               </a:rPr>
-              <a:t>cerita</a:t>
+              <a:t>atau</a:t>
             </a:r>
             <a:r>
               <a:rPr lang="en-ID" dirty="0">
@@ -17322,7 +17685,7 @@
                   <a:schemeClr val="tx2"/>
                 </a:solidFill>
               </a:rPr>
-              <a:t>atau</a:t>
+              <a:t>melanjutkan</a:t>
             </a:r>
             <a:r>
               <a:rPr lang="en-ID" dirty="0">
@@ -17338,7 +17701,7 @@
                   <a:schemeClr val="tx2"/>
                 </a:solidFill>
               </a:rPr>
-              <a:t>masalah</a:t>
+              <a:t>pengerjaan</a:t>
             </a:r>
             <a:r>
               <a:rPr lang="en-ID" dirty="0">
@@ -17346,6 +17709,22 @@
                   <a:schemeClr val="tx2"/>
                 </a:solidFill>
               </a:rPr>
+              <a:t> data yang </a:t>
+            </a:r>
+            <a:r>
+              <a:rPr lang="en-ID" dirty="0" err="1">
+                <a:solidFill>
+                  <a:schemeClr val="tx2"/>
+                </a:solidFill>
+              </a:rPr>
+              <a:t>telah</a:t>
+            </a:r>
+            <a:r>
+              <a:rPr lang="en-ID" dirty="0">
+                <a:solidFill>
+                  <a:schemeClr val="tx2"/>
+                </a:solidFill>
+              </a:rPr>
               <a:t> </a:t>
             </a:r>
             <a:r>
@@ -17354,7 +17733,7 @@
                   <a:schemeClr val="tx2"/>
                 </a:solidFill>
               </a:rPr>
-              <a:t>dengan</a:t>
+              <a:t>ada</a:t>
             </a:r>
             <a:r>
               <a:rPr lang="en-ID" dirty="0">
@@ -17362,37 +17741,8 @@
                   <a:schemeClr val="tx2"/>
                 </a:solidFill>
               </a:rPr>
-              <a:t> </a:t>
-            </a:r>
-            <a:r>
-              <a:rPr lang="en-ID" dirty="0" err="1">
-                <a:solidFill>
-                  <a:schemeClr val="tx2"/>
-                </a:solidFill>
-              </a:rPr>
-              <a:t>lebih</a:t>
-            </a:r>
-            <a:r>
-              <a:rPr lang="en-ID" dirty="0">
-                <a:solidFill>
-                  <a:schemeClr val="tx2"/>
-                </a:solidFill>
-              </a:rPr>
-              <a:t> </a:t>
-            </a:r>
-            <a:r>
-              <a:rPr lang="en-ID" dirty="0" err="1">
-                <a:solidFill>
-                  <a:schemeClr val="tx2"/>
-                </a:solidFill>
-              </a:rPr>
-              <a:t>baik</a:t>
-            </a:r>
-            <a:endParaRPr lang="en-ID" dirty="0">
-              <a:solidFill>
-                <a:schemeClr val="tx2"/>
-              </a:solidFill>
-            </a:endParaRPr>
+              <a:t> (Data Models).</a:t>
+            </a:r>
           </a:p>
           <a:p>
             <a:pPr marL="0" lvl="0" indent="0" algn="ctr" rtl="0">
@@ -17418,7 +17768,7 @@
                   <a:schemeClr val="tx2"/>
                 </a:solidFill>
               </a:rPr>
-              <a:t>Menunjukkan</a:t>
+              <a:t>Melakukan</a:t>
             </a:r>
             <a:r>
               <a:rPr lang="en-ID" dirty="0">
@@ -17426,7 +17776,7 @@
                   <a:schemeClr val="tx2"/>
                 </a:solidFill>
               </a:rPr>
-              <a:t> insight yang </a:t>
+              <a:t> </a:t>
             </a:r>
             <a:r>
               <a:rPr lang="en-ID" dirty="0" err="1">
@@ -17434,7 +17784,7 @@
                   <a:schemeClr val="tx2"/>
                 </a:solidFill>
               </a:rPr>
-              <a:t>bisa</a:t>
+              <a:t>penghitungan</a:t>
             </a:r>
             <a:r>
               <a:rPr lang="en-ID" dirty="0">
@@ -17450,7 +17800,7 @@
                   <a:schemeClr val="tx2"/>
                 </a:solidFill>
               </a:rPr>
-              <a:t>saja</a:t>
+              <a:t>atau</a:t>
             </a:r>
             <a:r>
               <a:rPr lang="en-ID" dirty="0">
@@ -17466,7 +17816,7 @@
                   <a:schemeClr val="tx2"/>
                 </a:solidFill>
               </a:rPr>
-              <a:t>terlewatkan</a:t>
+              <a:t>kalkulasi</a:t>
             </a:r>
             <a:r>
               <a:rPr lang="en-ID" dirty="0">
@@ -17482,7 +17832,7 @@
                   <a:schemeClr val="tx2"/>
                 </a:solidFill>
               </a:rPr>
-              <a:t>jika</a:t>
+              <a:t>dari</a:t>
             </a:r>
             <a:r>
               <a:rPr lang="en-ID" dirty="0">
@@ -17490,7 +17840,7 @@
                   <a:schemeClr val="tx2"/>
                 </a:solidFill>
               </a:rPr>
-              <a:t> data </a:t>
+              <a:t> data yang </a:t>
             </a:r>
             <a:r>
               <a:rPr lang="en-ID" dirty="0" err="1">
@@ -17498,7 +17848,7 @@
                   <a:schemeClr val="tx2"/>
                 </a:solidFill>
               </a:rPr>
-              <a:t>ditampilkan</a:t>
+              <a:t>telah</a:t>
             </a:r>
             <a:r>
               <a:rPr lang="en-ID" dirty="0">
@@ -17514,7 +17864,7 @@
                   <a:schemeClr val="tx2"/>
                 </a:solidFill>
               </a:rPr>
-              <a:t>dengan</a:t>
+              <a:t>dimasukan</a:t>
             </a:r>
             <a:r>
               <a:rPr lang="en-ID" dirty="0">
@@ -17530,7 +17880,7 @@
                   <a:schemeClr val="tx2"/>
                 </a:solidFill>
               </a:rPr>
-              <a:t>laporan</a:t>
+              <a:t>dalam</a:t>
             </a:r>
             <a:r>
               <a:rPr lang="en-ID" dirty="0">
@@ -17538,21 +17888,8 @@
                   <a:schemeClr val="tx2"/>
                 </a:solidFill>
               </a:rPr>
-              <a:t> </a:t>
-            </a:r>
-            <a:r>
-              <a:rPr lang="en-ID" dirty="0" err="1">
-                <a:solidFill>
-                  <a:schemeClr val="tx2"/>
-                </a:solidFill>
-              </a:rPr>
-              <a:t>tradisional</a:t>
-            </a:r>
-            <a:endParaRPr lang="en-ID" dirty="0">
-              <a:solidFill>
-                <a:schemeClr val="tx2"/>
-              </a:solidFill>
-            </a:endParaRPr>
+              <a:t> Data Models (Calculations).</a:t>
+            </a:r>
           </a:p>
           <a:p>
             <a:pPr marL="0" lvl="0" indent="0" algn="ctr" rtl="0">
@@ -17578,7 +17915,7 @@
                   <a:schemeClr val="tx2"/>
                 </a:solidFill>
               </a:rPr>
-              <a:t>Membantu</a:t>
+              <a:t>Mengolah</a:t>
             </a:r>
             <a:r>
               <a:rPr lang="en-ID" dirty="0">
@@ -17586,6 +17923,38 @@
                   <a:schemeClr val="tx2"/>
                 </a:solidFill>
               </a:rPr>
+              <a:t>, </a:t>
+            </a:r>
+            <a:r>
+              <a:rPr lang="en-ID" dirty="0" err="1">
+                <a:solidFill>
+                  <a:schemeClr val="tx2"/>
+                </a:solidFill>
+              </a:rPr>
+              <a:t>menentukan</a:t>
+            </a:r>
+            <a:r>
+              <a:rPr lang="en-ID" dirty="0">
+                <a:solidFill>
+                  <a:schemeClr val="tx2"/>
+                </a:solidFill>
+              </a:rPr>
+              <a:t>, dan </a:t>
+            </a:r>
+            <a:r>
+              <a:rPr lang="en-ID" dirty="0" err="1">
+                <a:solidFill>
+                  <a:schemeClr val="tx2"/>
+                </a:solidFill>
+              </a:rPr>
+              <a:t>memodifikasi</a:t>
+            </a:r>
+            <a:r>
+              <a:rPr lang="en-ID" dirty="0">
+                <a:solidFill>
+                  <a:schemeClr val="tx2"/>
+                </a:solidFill>
+              </a:rPr>
               <a:t> </a:t>
             </a:r>
             <a:r>
@@ -17594,7 +17963,7 @@
                   <a:schemeClr val="tx2"/>
                 </a:solidFill>
               </a:rPr>
-              <a:t>eksekutif</a:t>
+              <a:t>indikotor</a:t>
             </a:r>
             <a:r>
               <a:rPr lang="en-ID" dirty="0">
@@ -17610,7 +17979,7 @@
                   <a:schemeClr val="tx2"/>
                 </a:solidFill>
               </a:rPr>
-              <a:t>bisnis</a:t>
+              <a:t>kInerja</a:t>
             </a:r>
             <a:r>
               <a:rPr lang="en-ID" dirty="0">
@@ -17626,7 +17995,7 @@
                   <a:schemeClr val="tx2"/>
                 </a:solidFill>
               </a:rPr>
-              <a:t>untuk</a:t>
+              <a:t>utama</a:t>
             </a:r>
             <a:r>
               <a:rPr lang="en-ID" dirty="0">
@@ -17642,7 +18011,7 @@
                   <a:schemeClr val="tx2"/>
                 </a:solidFill>
               </a:rPr>
-              <a:t>mengambil</a:t>
+              <a:t>dari</a:t>
             </a:r>
             <a:r>
               <a:rPr lang="en-ID" dirty="0">
@@ -17650,69 +18019,8 @@
                   <a:schemeClr val="tx2"/>
                 </a:solidFill>
               </a:rPr>
-              <a:t> </a:t>
-            </a:r>
-            <a:r>
-              <a:rPr lang="en-ID" dirty="0" err="1">
-                <a:solidFill>
-                  <a:schemeClr val="tx2"/>
-                </a:solidFill>
-              </a:rPr>
-              <a:t>keputusan</a:t>
-            </a:r>
-            <a:r>
-              <a:rPr lang="en-ID" dirty="0">
-                <a:solidFill>
-                  <a:schemeClr val="tx2"/>
-                </a:solidFill>
-              </a:rPr>
-              <a:t> </a:t>
-            </a:r>
-            <a:r>
-              <a:rPr lang="en-ID" dirty="0" err="1">
-                <a:solidFill>
-                  <a:schemeClr val="tx2"/>
-                </a:solidFill>
-              </a:rPr>
-              <a:t>berdasarkan</a:t>
-            </a:r>
-            <a:r>
-              <a:rPr lang="en-ID" dirty="0">
-                <a:solidFill>
-                  <a:schemeClr val="tx2"/>
-                </a:solidFill>
-              </a:rPr>
-              <a:t> data, </a:t>
-            </a:r>
-            <a:r>
-              <a:rPr lang="en-ID" dirty="0" err="1">
-                <a:solidFill>
-                  <a:schemeClr val="tx2"/>
-                </a:solidFill>
-              </a:rPr>
-              <a:t>akurat</a:t>
-            </a:r>
-            <a:r>
-              <a:rPr lang="en-ID" dirty="0">
-                <a:solidFill>
-                  <a:schemeClr val="tx2"/>
-                </a:solidFill>
-              </a:rPr>
-              <a:t>, dan </a:t>
-            </a:r>
-            <a:r>
-              <a:rPr lang="en-ID" dirty="0" err="1">
-                <a:solidFill>
-                  <a:schemeClr val="tx2"/>
-                </a:solidFill>
-              </a:rPr>
-              <a:t>tepat</a:t>
-            </a:r>
-            <a:endParaRPr lang="en-ID" dirty="0">
-              <a:solidFill>
-                <a:schemeClr val="tx2"/>
-              </a:solidFill>
-            </a:endParaRPr>
+              <a:t> data (KPIs).</a:t>
+            </a:r>
           </a:p>
           <a:p>
             <a:pPr marL="0" lvl="0" indent="0" algn="ctr" rtl="0">
@@ -17738,7 +18046,7 @@
                   <a:schemeClr val="tx2"/>
                 </a:solidFill>
               </a:rPr>
-              <a:t>Mempermudah</a:t>
+              <a:t>Menambahkan</a:t>
             </a:r>
             <a:r>
               <a:rPr lang="en-ID" dirty="0">
@@ -17754,7 +18062,7 @@
                   <a:schemeClr val="tx2"/>
                 </a:solidFill>
               </a:rPr>
-              <a:t>penyampaian</a:t>
+              <a:t>tabel</a:t>
             </a:r>
             <a:r>
               <a:rPr lang="en-ID" dirty="0">
@@ -17762,7 +18070,7 @@
                   <a:schemeClr val="tx2"/>
                 </a:solidFill>
               </a:rPr>
-              <a:t> </a:t>
+              <a:t> excel </a:t>
             </a:r>
             <a:r>
               <a:rPr lang="en-ID" dirty="0" err="1">
@@ -17770,7 +18078,7 @@
                   <a:schemeClr val="tx2"/>
                 </a:solidFill>
               </a:rPr>
-              <a:t>informasi</a:t>
+              <a:t>sebagai</a:t>
             </a:r>
             <a:r>
               <a:rPr lang="en-ID" dirty="0">
@@ -17778,69 +18086,8 @@
                   <a:schemeClr val="tx2"/>
                 </a:solidFill>
               </a:rPr>
-              <a:t> </a:t>
-            </a:r>
-            <a:r>
-              <a:rPr lang="en-ID" dirty="0" err="1">
-                <a:solidFill>
-                  <a:schemeClr val="tx2"/>
-                </a:solidFill>
-              </a:rPr>
-              <a:t>secara</a:t>
-            </a:r>
-            <a:r>
-              <a:rPr lang="en-ID" dirty="0">
-                <a:solidFill>
-                  <a:schemeClr val="tx2"/>
-                </a:solidFill>
-              </a:rPr>
-              <a:t> </a:t>
-            </a:r>
-            <a:r>
-              <a:rPr lang="en-ID" dirty="0" err="1">
-                <a:solidFill>
-                  <a:schemeClr val="tx2"/>
-                </a:solidFill>
-              </a:rPr>
-              <a:t>efisien</a:t>
-            </a:r>
-            <a:r>
-              <a:rPr lang="en-ID" dirty="0">
-                <a:solidFill>
-                  <a:schemeClr val="tx2"/>
-                </a:solidFill>
-              </a:rPr>
-              <a:t>, </a:t>
-            </a:r>
-            <a:r>
-              <a:rPr lang="en-ID" dirty="0" err="1">
-                <a:solidFill>
-                  <a:schemeClr val="tx2"/>
-                </a:solidFill>
-              </a:rPr>
-              <a:t>jelas</a:t>
-            </a:r>
-            <a:r>
-              <a:rPr lang="en-ID" dirty="0">
-                <a:solidFill>
-                  <a:schemeClr val="tx2"/>
-                </a:solidFill>
-              </a:rPr>
-              <a:t>, dan </a:t>
-            </a:r>
-            <a:r>
-              <a:rPr lang="en-ID" dirty="0" err="1">
-                <a:solidFill>
-                  <a:schemeClr val="tx2"/>
-                </a:solidFill>
-              </a:rPr>
-              <a:t>efektif</a:t>
-            </a:r>
-            <a:endParaRPr lang="en-ID" dirty="0">
-              <a:solidFill>
-                <a:schemeClr val="tx2"/>
-              </a:solidFill>
-            </a:endParaRPr>
+              <a:t> model data (Tables).</a:t>
+            </a:r>
           </a:p>
           <a:p>
             <a:pPr marL="0" lvl="0" indent="0" algn="ctr" rtl="0">
@@ -17866,7 +18113,7 @@
                   <a:schemeClr val="tx2"/>
                 </a:solidFill>
               </a:rPr>
-              <a:t>Mengidentifikasi</a:t>
+              <a:t>Mengatur</a:t>
             </a:r>
             <a:r>
               <a:rPr lang="en-ID" dirty="0">
@@ -17882,7 +18129,7 @@
                   <a:schemeClr val="tx2"/>
                 </a:solidFill>
               </a:rPr>
-              <a:t>tren</a:t>
+              <a:t>fitur</a:t>
             </a:r>
             <a:r>
               <a:rPr lang="en-ID" dirty="0">
@@ -17890,7 +18137,7 @@
                   <a:schemeClr val="tx2"/>
                 </a:solidFill>
               </a:rPr>
-              <a:t> yang </a:t>
+              <a:t> Power Pivot </a:t>
             </a:r>
             <a:r>
               <a:rPr lang="en-ID" dirty="0" err="1">
@@ -17898,7 +18145,7 @@
                   <a:schemeClr val="tx2"/>
                 </a:solidFill>
               </a:rPr>
-              <a:t>tengah</a:t>
+              <a:t>seperti</a:t>
             </a:r>
             <a:r>
               <a:rPr lang="en-ID" dirty="0">
@@ -17914,13 +18161,48 @@
                   <a:schemeClr val="tx2"/>
                 </a:solidFill>
               </a:rPr>
-              <a:t>berlangsung</a:t>
-            </a:r>
-            <a:endParaRPr dirty="0">
-              <a:solidFill>
-                <a:schemeClr val="tx2"/>
-              </a:solidFill>
-            </a:endParaRPr>
+              <a:t>fitur</a:t>
+            </a:r>
+            <a:r>
+              <a:rPr lang="en-ID" dirty="0">
+                <a:solidFill>
+                  <a:schemeClr val="tx2"/>
+                </a:solidFill>
+              </a:rPr>
+              <a:t> support, </a:t>
+            </a:r>
+            <a:r>
+              <a:rPr lang="en-ID" dirty="0" err="1">
+                <a:solidFill>
+                  <a:schemeClr val="tx2"/>
+                </a:solidFill>
+              </a:rPr>
+              <a:t>diagnosa</a:t>
+            </a:r>
+            <a:r>
+              <a:rPr lang="en-ID" dirty="0">
+                <a:solidFill>
+                  <a:schemeClr val="tx2"/>
+                </a:solidFill>
+              </a:rPr>
+              <a:t>, dan </a:t>
+            </a:r>
+            <a:r>
+              <a:rPr lang="en-ID" dirty="0" err="1">
+                <a:solidFill>
+                  <a:schemeClr val="tx2"/>
+                </a:solidFill>
+              </a:rPr>
+              <a:t>kategori</a:t>
+            </a:r>
+            <a:r>
+              <a:rPr lang="en-ID" dirty="0">
+                <a:solidFill>
+                  <a:schemeClr val="tx2"/>
+                </a:solidFill>
+              </a:rPr>
+              <a:t> (Settings).</a:t>
+            </a:r>
           </a:p>
         </p:txBody>
       </p:sp>
@@ -17960,19 +18242,11 @@
             </a:pPr>
             <a:r>
               <a:rPr lang="en-US" dirty="0" err="1"/>
-              <a:t>Tujuan</a:t>
+              <a:t>Fungsi</a:t>
             </a:r>
             <a:r>
               <a:rPr lang="en-US" dirty="0"/>
-              <a:t> </a:t>
-            </a:r>
-            <a:r>
-              <a:rPr lang="en-US" dirty="0" err="1"/>
-              <a:t>visualisasi</a:t>
-            </a:r>
-            <a:r>
-              <a:rPr lang="en-US" dirty="0"/>
-              <a:t> data</a:t>
+              <a:t> Power Pivot</a:t>
             </a:r>
             <a:endParaRPr dirty="0"/>
           </a:p>
@@ -18937,6 +19211,3581 @@
     </p:spTree>
     <p:extLst>
       <p:ext uri="{BB962C8B-B14F-4D97-AF65-F5344CB8AC3E}">
+        <p14:creationId xmlns:p14="http://schemas.microsoft.com/office/powerpoint/2010/main" val="1775948285"/>
+      </p:ext>
+    </p:extLst>
+  </p:cSld>
+  <p:clrMapOvr>
+    <a:masterClrMapping/>
+  </p:clrMapOvr>
+</p:sld>
+</file>
+
+<file path=ppt/slides/slide5.xml><?xml version="1.0" encoding="utf-8"?>
+<p:sld xmlns:a="http://schemas.openxmlformats.org/drawingml/2006/main" xmlns:r="http://schemas.openxmlformats.org/officeDocument/2006/relationships" xmlns:p="http://schemas.openxmlformats.org/presentationml/2006/main">
+  <p:cSld>
+    <p:spTree>
+      <p:nvGrpSpPr>
+        <p:cNvPr id="1" name="Shape 326"/>
+        <p:cNvGrpSpPr/>
+        <p:nvPr/>
+      </p:nvGrpSpPr>
+      <p:grpSpPr>
+        <a:xfrm>
+          <a:off x="0" y="0"/>
+          <a:ext cx="0" cy="0"/>
+          <a:chOff x="0" y="0"/>
+          <a:chExt cx="0" cy="0"/>
+        </a:xfrm>
+      </p:grpSpPr>
+      <p:sp>
+        <p:nvSpPr>
+          <p:cNvPr id="327" name="Google Shape;327;p35"/>
+          <p:cNvSpPr txBox="1">
+            <a:spLocks noGrp="1"/>
+          </p:cNvSpPr>
+          <p:nvPr>
+            <p:ph type="subTitle" idx="1"/>
+          </p:nvPr>
+        </p:nvSpPr>
+        <p:spPr>
+          <a:xfrm>
+            <a:off x="602093" y="2234926"/>
+            <a:ext cx="7715400" cy="1700515"/>
+          </a:xfrm>
+          <a:prstGeom prst="rect">
+            <a:avLst/>
+          </a:prstGeom>
+        </p:spPr>
+        <p:txBody>
+          <a:bodyPr spcFirstLastPara="1" wrap="square" lIns="91425" tIns="91425" rIns="91425" bIns="91425" anchor="t" anchorCtr="0">
+            <a:noAutofit/>
+          </a:bodyPr>
+          <a:lstStyle/>
+          <a:p>
+            <a:pPr marL="0" lvl="0" indent="0" algn="ctr" rtl="0">
+              <a:spcBef>
+                <a:spcPts val="0"/>
+              </a:spcBef>
+              <a:spcAft>
+                <a:spcPts val="0"/>
+              </a:spcAft>
+              <a:buNone/>
+            </a:pPr>
+            <a:r>
+              <a:rPr lang="en-ID" dirty="0" err="1">
+                <a:solidFill>
+                  <a:schemeClr val="tx2"/>
+                </a:solidFill>
+              </a:rPr>
+              <a:t>Visualisasi</a:t>
+            </a:r>
+            <a:r>
+              <a:rPr lang="en-ID" dirty="0">
+                <a:solidFill>
+                  <a:schemeClr val="tx2"/>
+                </a:solidFill>
+              </a:rPr>
+              <a:t> data </a:t>
+            </a:r>
+            <a:r>
+              <a:rPr lang="en-ID" dirty="0" err="1">
+                <a:solidFill>
+                  <a:schemeClr val="tx2"/>
+                </a:solidFill>
+              </a:rPr>
+              <a:t>adalah</a:t>
+            </a:r>
+            <a:r>
+              <a:rPr lang="en-ID" dirty="0">
+                <a:solidFill>
+                  <a:schemeClr val="tx2"/>
+                </a:solidFill>
+              </a:rPr>
+              <a:t> proses </a:t>
+            </a:r>
+            <a:r>
+              <a:rPr lang="en-ID" dirty="0" err="1">
+                <a:solidFill>
+                  <a:schemeClr val="tx2"/>
+                </a:solidFill>
+              </a:rPr>
+              <a:t>menggunakan</a:t>
+            </a:r>
+            <a:r>
+              <a:rPr lang="en-ID" dirty="0">
+                <a:solidFill>
+                  <a:schemeClr val="tx2"/>
+                </a:solidFill>
+              </a:rPr>
+              <a:t> </a:t>
+            </a:r>
+            <a:r>
+              <a:rPr lang="en-ID" dirty="0" err="1">
+                <a:solidFill>
+                  <a:schemeClr val="tx2"/>
+                </a:solidFill>
+              </a:rPr>
+              <a:t>elemen</a:t>
+            </a:r>
+            <a:r>
+              <a:rPr lang="en-ID" dirty="0">
+                <a:solidFill>
+                  <a:schemeClr val="tx2"/>
+                </a:solidFill>
+              </a:rPr>
+              <a:t> visual </a:t>
+            </a:r>
+            <a:r>
+              <a:rPr lang="en-ID" dirty="0" err="1">
+                <a:solidFill>
+                  <a:schemeClr val="tx2"/>
+                </a:solidFill>
+              </a:rPr>
+              <a:t>seperti</a:t>
+            </a:r>
+            <a:r>
+              <a:rPr lang="en-ID" dirty="0">
+                <a:solidFill>
+                  <a:schemeClr val="tx2"/>
+                </a:solidFill>
+              </a:rPr>
+              <a:t> diagram, </a:t>
+            </a:r>
+            <a:r>
+              <a:rPr lang="en-ID" dirty="0" err="1">
+                <a:solidFill>
+                  <a:schemeClr val="tx2"/>
+                </a:solidFill>
+              </a:rPr>
+              <a:t>grafik</a:t>
+            </a:r>
+            <a:r>
+              <a:rPr lang="en-ID" dirty="0">
+                <a:solidFill>
+                  <a:schemeClr val="tx2"/>
+                </a:solidFill>
+              </a:rPr>
+              <a:t>, </a:t>
+            </a:r>
+            <a:r>
+              <a:rPr lang="en-ID" dirty="0" err="1">
+                <a:solidFill>
+                  <a:schemeClr val="tx2"/>
+                </a:solidFill>
+              </a:rPr>
+              <a:t>atau</a:t>
+            </a:r>
+            <a:r>
+              <a:rPr lang="en-ID" dirty="0">
+                <a:solidFill>
+                  <a:schemeClr val="tx2"/>
+                </a:solidFill>
+              </a:rPr>
+              <a:t> </a:t>
+            </a:r>
+            <a:r>
+              <a:rPr lang="en-ID" dirty="0" err="1">
+                <a:solidFill>
+                  <a:schemeClr val="tx2"/>
+                </a:solidFill>
+              </a:rPr>
+              <a:t>peta</a:t>
+            </a:r>
+            <a:r>
+              <a:rPr lang="en-ID" dirty="0">
+                <a:solidFill>
+                  <a:schemeClr val="tx2"/>
+                </a:solidFill>
+              </a:rPr>
+              <a:t> </a:t>
+            </a:r>
+            <a:r>
+              <a:rPr lang="en-ID" dirty="0" err="1">
+                <a:solidFill>
+                  <a:schemeClr val="tx2"/>
+                </a:solidFill>
+              </a:rPr>
+              <a:t>untuk</a:t>
+            </a:r>
+            <a:r>
+              <a:rPr lang="en-ID" dirty="0">
+                <a:solidFill>
+                  <a:schemeClr val="tx2"/>
+                </a:solidFill>
+              </a:rPr>
+              <a:t> </a:t>
+            </a:r>
+            <a:r>
+              <a:rPr lang="en-ID" dirty="0" err="1">
+                <a:solidFill>
+                  <a:schemeClr val="tx2"/>
+                </a:solidFill>
+              </a:rPr>
+              <a:t>merepresentasikan</a:t>
+            </a:r>
+            <a:r>
+              <a:rPr lang="en-ID" dirty="0">
+                <a:solidFill>
+                  <a:schemeClr val="tx2"/>
+                </a:solidFill>
+              </a:rPr>
+              <a:t> data. </a:t>
+            </a:r>
+            <a:r>
+              <a:rPr lang="en-ID" dirty="0" err="1">
+                <a:solidFill>
+                  <a:schemeClr val="tx2"/>
+                </a:solidFill>
+              </a:rPr>
+              <a:t>Visualisasi</a:t>
+            </a:r>
+            <a:r>
+              <a:rPr lang="en-ID" dirty="0">
+                <a:solidFill>
+                  <a:schemeClr val="tx2"/>
+                </a:solidFill>
+              </a:rPr>
+              <a:t> data </a:t>
+            </a:r>
+            <a:r>
+              <a:rPr lang="en-ID" dirty="0" err="1">
+                <a:solidFill>
+                  <a:schemeClr val="tx2"/>
+                </a:solidFill>
+              </a:rPr>
+              <a:t>menerjemahkan</a:t>
+            </a:r>
+            <a:r>
+              <a:rPr lang="en-ID" dirty="0">
+                <a:solidFill>
+                  <a:schemeClr val="tx2"/>
+                </a:solidFill>
+              </a:rPr>
+              <a:t> yang </a:t>
+            </a:r>
+            <a:r>
+              <a:rPr lang="en-ID" dirty="0" err="1">
+                <a:solidFill>
+                  <a:schemeClr val="tx2"/>
+                </a:solidFill>
+              </a:rPr>
+              <a:t>kompleks</a:t>
+            </a:r>
+            <a:r>
+              <a:rPr lang="en-ID" dirty="0">
+                <a:solidFill>
+                  <a:schemeClr val="tx2"/>
+                </a:solidFill>
+              </a:rPr>
+              <a:t>, </a:t>
+            </a:r>
+            <a:r>
+              <a:rPr lang="en-ID" dirty="0" err="1">
+                <a:solidFill>
+                  <a:schemeClr val="tx2"/>
+                </a:solidFill>
+              </a:rPr>
+              <a:t>bervolume</a:t>
+            </a:r>
+            <a:r>
+              <a:rPr lang="en-ID" dirty="0">
+                <a:solidFill>
+                  <a:schemeClr val="tx2"/>
+                </a:solidFill>
+              </a:rPr>
+              <a:t> </a:t>
+            </a:r>
+            <a:r>
+              <a:rPr lang="en-ID" dirty="0" err="1">
+                <a:solidFill>
+                  <a:schemeClr val="tx2"/>
+                </a:solidFill>
+              </a:rPr>
+              <a:t>tinggi</a:t>
+            </a:r>
+            <a:r>
+              <a:rPr lang="en-ID" dirty="0">
+                <a:solidFill>
+                  <a:schemeClr val="tx2"/>
+                </a:solidFill>
+              </a:rPr>
+              <a:t>, </a:t>
+            </a:r>
+            <a:r>
+              <a:rPr lang="en-ID" dirty="0" err="1">
+                <a:solidFill>
+                  <a:schemeClr val="tx2"/>
+                </a:solidFill>
+              </a:rPr>
+              <a:t>atau</a:t>
+            </a:r>
+            <a:r>
+              <a:rPr lang="en-ID" dirty="0">
+                <a:solidFill>
+                  <a:schemeClr val="tx2"/>
+                </a:solidFill>
+              </a:rPr>
+              <a:t> </a:t>
+            </a:r>
+            <a:r>
+              <a:rPr lang="en-ID" dirty="0" err="1">
+                <a:solidFill>
+                  <a:schemeClr val="tx2"/>
+                </a:solidFill>
+              </a:rPr>
+              <a:t>numerik</a:t>
+            </a:r>
+            <a:r>
+              <a:rPr lang="en-ID" dirty="0">
+                <a:solidFill>
+                  <a:schemeClr val="tx2"/>
+                </a:solidFill>
+              </a:rPr>
+              <a:t> </a:t>
+            </a:r>
+            <a:r>
+              <a:rPr lang="en-ID" dirty="0" err="1">
+                <a:solidFill>
+                  <a:schemeClr val="tx2"/>
+                </a:solidFill>
+              </a:rPr>
+              <a:t>menjadi</a:t>
+            </a:r>
+            <a:r>
+              <a:rPr lang="en-ID" dirty="0">
+                <a:solidFill>
+                  <a:schemeClr val="tx2"/>
+                </a:solidFill>
+              </a:rPr>
+              <a:t> </a:t>
+            </a:r>
+            <a:r>
+              <a:rPr lang="en-ID" dirty="0" err="1">
+                <a:solidFill>
+                  <a:schemeClr val="tx2"/>
+                </a:solidFill>
+              </a:rPr>
+              <a:t>representasi</a:t>
+            </a:r>
+            <a:r>
+              <a:rPr lang="en-ID" dirty="0">
+                <a:solidFill>
+                  <a:schemeClr val="tx2"/>
+                </a:solidFill>
+              </a:rPr>
+              <a:t> visual yang </a:t>
+            </a:r>
+            <a:r>
+              <a:rPr lang="en-ID" dirty="0" err="1">
+                <a:solidFill>
+                  <a:schemeClr val="tx2"/>
+                </a:solidFill>
+              </a:rPr>
+              <a:t>lebih</a:t>
+            </a:r>
+            <a:r>
+              <a:rPr lang="en-ID" dirty="0">
+                <a:solidFill>
+                  <a:schemeClr val="tx2"/>
+                </a:solidFill>
+              </a:rPr>
+              <a:t> </a:t>
+            </a:r>
+            <a:r>
+              <a:rPr lang="en-ID" dirty="0" err="1">
+                <a:solidFill>
+                  <a:schemeClr val="tx2"/>
+                </a:solidFill>
+              </a:rPr>
+              <a:t>mudah</a:t>
+            </a:r>
+            <a:r>
+              <a:rPr lang="en-ID" dirty="0">
+                <a:solidFill>
+                  <a:schemeClr val="tx2"/>
+                </a:solidFill>
+              </a:rPr>
+              <a:t> </a:t>
+            </a:r>
+            <a:r>
+              <a:rPr lang="en-ID" dirty="0" err="1">
+                <a:solidFill>
+                  <a:schemeClr val="tx2"/>
+                </a:solidFill>
+              </a:rPr>
+              <a:t>diproses</a:t>
+            </a:r>
+            <a:r>
+              <a:rPr lang="en-ID" dirty="0">
+                <a:solidFill>
+                  <a:schemeClr val="tx2"/>
+                </a:solidFill>
+              </a:rPr>
+              <a:t>. Alat </a:t>
+            </a:r>
+            <a:r>
+              <a:rPr lang="en-ID" dirty="0" err="1">
+                <a:solidFill>
+                  <a:schemeClr val="tx2"/>
+                </a:solidFill>
+              </a:rPr>
+              <a:t>visualisasi</a:t>
+            </a:r>
+            <a:r>
+              <a:rPr lang="en-ID" dirty="0">
+                <a:solidFill>
+                  <a:schemeClr val="tx2"/>
+                </a:solidFill>
+              </a:rPr>
+              <a:t> data </a:t>
+            </a:r>
+            <a:r>
+              <a:rPr lang="en-ID" dirty="0" err="1">
+                <a:solidFill>
+                  <a:schemeClr val="tx2"/>
+                </a:solidFill>
+              </a:rPr>
+              <a:t>meningkatkan</a:t>
+            </a:r>
+            <a:r>
+              <a:rPr lang="en-ID" dirty="0">
+                <a:solidFill>
+                  <a:schemeClr val="tx2"/>
+                </a:solidFill>
+              </a:rPr>
+              <a:t> dan </a:t>
+            </a:r>
+            <a:r>
+              <a:rPr lang="en-ID" dirty="0" err="1">
+                <a:solidFill>
+                  <a:schemeClr val="tx2"/>
+                </a:solidFill>
+              </a:rPr>
+              <a:t>mengotomatiskan</a:t>
+            </a:r>
+            <a:r>
+              <a:rPr lang="en-ID" dirty="0">
+                <a:solidFill>
+                  <a:schemeClr val="tx2"/>
+                </a:solidFill>
+              </a:rPr>
+              <a:t> proses </a:t>
+            </a:r>
+            <a:r>
+              <a:rPr lang="en-ID" dirty="0" err="1">
+                <a:solidFill>
+                  <a:schemeClr val="tx2"/>
+                </a:solidFill>
+              </a:rPr>
+              <a:t>komunikasi</a:t>
+            </a:r>
+            <a:r>
+              <a:rPr lang="en-ID" dirty="0">
+                <a:solidFill>
+                  <a:schemeClr val="tx2"/>
+                </a:solidFill>
+              </a:rPr>
+              <a:t> visual </a:t>
+            </a:r>
+            <a:r>
+              <a:rPr lang="en-ID" dirty="0" err="1">
+                <a:solidFill>
+                  <a:schemeClr val="tx2"/>
+                </a:solidFill>
+              </a:rPr>
+              <a:t>untuk</a:t>
+            </a:r>
+            <a:r>
+              <a:rPr lang="en-ID" dirty="0">
+                <a:solidFill>
+                  <a:schemeClr val="tx2"/>
+                </a:solidFill>
+              </a:rPr>
+              <a:t> </a:t>
+            </a:r>
+            <a:r>
+              <a:rPr lang="en-ID" dirty="0" err="1">
+                <a:solidFill>
+                  <a:schemeClr val="tx2"/>
+                </a:solidFill>
+              </a:rPr>
+              <a:t>mendapatkan</a:t>
+            </a:r>
+            <a:r>
+              <a:rPr lang="en-ID" dirty="0">
+                <a:solidFill>
+                  <a:schemeClr val="tx2"/>
+                </a:solidFill>
+              </a:rPr>
+              <a:t> </a:t>
+            </a:r>
+            <a:r>
+              <a:rPr lang="en-ID" dirty="0" err="1">
+                <a:solidFill>
+                  <a:schemeClr val="tx2"/>
+                </a:solidFill>
+              </a:rPr>
+              <a:t>akurasi</a:t>
+            </a:r>
+            <a:r>
+              <a:rPr lang="en-ID" dirty="0">
+                <a:solidFill>
+                  <a:schemeClr val="tx2"/>
+                </a:solidFill>
+              </a:rPr>
+              <a:t> dan detail. Anda </a:t>
+            </a:r>
+            <a:r>
+              <a:rPr lang="en-ID" dirty="0" err="1">
+                <a:solidFill>
+                  <a:schemeClr val="tx2"/>
+                </a:solidFill>
+              </a:rPr>
+              <a:t>dapat</a:t>
+            </a:r>
+            <a:r>
+              <a:rPr lang="en-ID" dirty="0">
+                <a:solidFill>
+                  <a:schemeClr val="tx2"/>
+                </a:solidFill>
+              </a:rPr>
+              <a:t> </a:t>
+            </a:r>
+            <a:r>
+              <a:rPr lang="en-ID" dirty="0" err="1">
+                <a:solidFill>
+                  <a:schemeClr val="tx2"/>
+                </a:solidFill>
+              </a:rPr>
+              <a:t>menggunakan</a:t>
+            </a:r>
+            <a:r>
+              <a:rPr lang="en-ID" dirty="0">
+                <a:solidFill>
+                  <a:schemeClr val="tx2"/>
+                </a:solidFill>
+              </a:rPr>
+              <a:t> </a:t>
+            </a:r>
+            <a:r>
+              <a:rPr lang="en-ID" dirty="0" err="1">
+                <a:solidFill>
+                  <a:schemeClr val="tx2"/>
+                </a:solidFill>
+              </a:rPr>
+              <a:t>representasi</a:t>
+            </a:r>
+            <a:r>
+              <a:rPr lang="en-ID" dirty="0">
+                <a:solidFill>
+                  <a:schemeClr val="tx2"/>
+                </a:solidFill>
+              </a:rPr>
+              <a:t> visual </a:t>
+            </a:r>
+            <a:r>
+              <a:rPr lang="en-ID" dirty="0" err="1">
+                <a:solidFill>
+                  <a:schemeClr val="tx2"/>
+                </a:solidFill>
+              </a:rPr>
+              <a:t>untuk</a:t>
+            </a:r>
+            <a:r>
+              <a:rPr lang="en-ID" dirty="0">
+                <a:solidFill>
+                  <a:schemeClr val="tx2"/>
+                </a:solidFill>
+              </a:rPr>
+              <a:t> </a:t>
+            </a:r>
+            <a:r>
+              <a:rPr lang="en-ID" dirty="0" err="1">
+                <a:solidFill>
+                  <a:schemeClr val="tx2"/>
+                </a:solidFill>
+              </a:rPr>
+              <a:t>mengekstraksi</a:t>
+            </a:r>
+            <a:r>
+              <a:rPr lang="en-ID" dirty="0">
+                <a:solidFill>
+                  <a:schemeClr val="tx2"/>
+                </a:solidFill>
+              </a:rPr>
+              <a:t> </a:t>
+            </a:r>
+            <a:r>
+              <a:rPr lang="en-ID" dirty="0" err="1">
+                <a:solidFill>
+                  <a:schemeClr val="tx2"/>
+                </a:solidFill>
+              </a:rPr>
+              <a:t>wawasan</a:t>
+            </a:r>
+            <a:r>
+              <a:rPr lang="en-ID" dirty="0">
+                <a:solidFill>
+                  <a:schemeClr val="tx2"/>
+                </a:solidFill>
+              </a:rPr>
+              <a:t> yang </a:t>
+            </a:r>
+            <a:r>
+              <a:rPr lang="en-ID" dirty="0" err="1">
+                <a:solidFill>
+                  <a:schemeClr val="tx2"/>
+                </a:solidFill>
+              </a:rPr>
+              <a:t>dapat</a:t>
+            </a:r>
+            <a:r>
+              <a:rPr lang="en-ID" dirty="0">
+                <a:solidFill>
+                  <a:schemeClr val="tx2"/>
+                </a:solidFill>
+              </a:rPr>
+              <a:t> </a:t>
+            </a:r>
+            <a:r>
+              <a:rPr lang="en-ID" dirty="0" err="1">
+                <a:solidFill>
+                  <a:schemeClr val="tx2"/>
+                </a:solidFill>
+              </a:rPr>
+              <a:t>ditindaklanjuti</a:t>
+            </a:r>
+            <a:r>
+              <a:rPr lang="en-ID" dirty="0">
+                <a:solidFill>
+                  <a:schemeClr val="tx2"/>
+                </a:solidFill>
+              </a:rPr>
+              <a:t> </a:t>
+            </a:r>
+            <a:r>
+              <a:rPr lang="en-ID" dirty="0" err="1">
+                <a:solidFill>
+                  <a:schemeClr val="tx2"/>
+                </a:solidFill>
+              </a:rPr>
+              <a:t>dari</a:t>
+            </a:r>
+            <a:r>
+              <a:rPr lang="en-ID" dirty="0">
+                <a:solidFill>
+                  <a:schemeClr val="tx2"/>
+                </a:solidFill>
+              </a:rPr>
+              <a:t> data </a:t>
+            </a:r>
+            <a:r>
+              <a:rPr lang="en-ID" dirty="0" err="1">
+                <a:solidFill>
+                  <a:schemeClr val="tx2"/>
+                </a:solidFill>
+              </a:rPr>
+              <a:t>mentah</a:t>
+            </a:r>
+            <a:r>
+              <a:rPr lang="en-ID" dirty="0">
+                <a:solidFill>
+                  <a:schemeClr val="tx2"/>
+                </a:solidFill>
+              </a:rPr>
+              <a:t>.</a:t>
+            </a:r>
+            <a:endParaRPr dirty="0">
+              <a:solidFill>
+                <a:schemeClr val="tx2"/>
+              </a:solidFill>
+            </a:endParaRPr>
+          </a:p>
+        </p:txBody>
+      </p:sp>
+      <p:sp>
+        <p:nvSpPr>
+          <p:cNvPr id="328" name="Google Shape;328;p35"/>
+          <p:cNvSpPr txBox="1">
+            <a:spLocks noGrp="1"/>
+          </p:cNvSpPr>
+          <p:nvPr>
+            <p:ph type="title"/>
+          </p:nvPr>
+        </p:nvSpPr>
+        <p:spPr>
+          <a:xfrm>
+            <a:off x="602093" y="1538243"/>
+            <a:ext cx="7715400" cy="605700"/>
+          </a:xfrm>
+          <a:prstGeom prst="rect">
+            <a:avLst/>
+          </a:prstGeom>
+        </p:spPr>
+        <p:txBody>
+          <a:bodyPr spcFirstLastPara="1" wrap="square" lIns="91425" tIns="91425" rIns="91425" bIns="91425" anchor="t" anchorCtr="0">
+            <a:noAutofit/>
+          </a:bodyPr>
+          <a:lstStyle/>
+          <a:p>
+            <a:pPr marL="0" lvl="0" indent="0" algn="ctr" rtl="0">
+              <a:spcBef>
+                <a:spcPts val="0"/>
+              </a:spcBef>
+              <a:spcAft>
+                <a:spcPts val="0"/>
+              </a:spcAft>
+              <a:buNone/>
+            </a:pPr>
+            <a:r>
+              <a:rPr lang="en-US" dirty="0" err="1"/>
+              <a:t>visualisasi</a:t>
+            </a:r>
+            <a:r>
+              <a:rPr lang="en-US" dirty="0"/>
+              <a:t> data</a:t>
+            </a:r>
+            <a:endParaRPr dirty="0"/>
+          </a:p>
+        </p:txBody>
+      </p:sp>
+      <p:sp>
+        <p:nvSpPr>
+          <p:cNvPr id="329" name="Google Shape;329;p35"/>
+          <p:cNvSpPr/>
+          <p:nvPr/>
+        </p:nvSpPr>
+        <p:spPr>
+          <a:xfrm>
+            <a:off x="7546751" y="940338"/>
+            <a:ext cx="213431" cy="214685"/>
+          </a:xfrm>
+          <a:custGeom>
+            <a:avLst/>
+            <a:gdLst/>
+            <a:ahLst/>
+            <a:cxnLst/>
+            <a:rect l="l" t="t" r="r" b="b"/>
+            <a:pathLst>
+              <a:path w="3065" h="3083" fill="none" extrusionOk="0">
+                <a:moveTo>
+                  <a:pt x="3065" y="1551"/>
+                </a:moveTo>
+                <a:cubicBezTo>
+                  <a:pt x="3065" y="2388"/>
+                  <a:pt x="2388" y="3083"/>
+                  <a:pt x="1533" y="3083"/>
+                </a:cubicBezTo>
+                <a:cubicBezTo>
+                  <a:pt x="678" y="3083"/>
+                  <a:pt x="1" y="2388"/>
+                  <a:pt x="1" y="1551"/>
+                </a:cubicBezTo>
+                <a:cubicBezTo>
+                  <a:pt x="1" y="696"/>
+                  <a:pt x="678" y="1"/>
+                  <a:pt x="1533" y="1"/>
+                </a:cubicBezTo>
+                <a:cubicBezTo>
+                  <a:pt x="2388" y="1"/>
+                  <a:pt x="3065" y="696"/>
+                  <a:pt x="3065" y="1551"/>
+                </a:cubicBezTo>
+                <a:close/>
+              </a:path>
+            </a:pathLst>
+          </a:custGeom>
+          <a:noFill/>
+          <a:ln w="9525" cap="flat" cmpd="sng">
+            <a:solidFill>
+              <a:schemeClr val="dk1"/>
+            </a:solidFill>
+            <a:prstDash val="solid"/>
+            <a:miter lim="17814"/>
+            <a:headEnd type="none" w="sm" len="sm"/>
+            <a:tailEnd type="none" w="sm" len="sm"/>
+          </a:ln>
+        </p:spPr>
+        <p:txBody>
+          <a:bodyPr spcFirstLastPara="1" wrap="square" lIns="91425" tIns="91425" rIns="91425" bIns="91425" anchor="ctr" anchorCtr="0">
+            <a:noAutofit/>
+          </a:bodyPr>
+          <a:lstStyle/>
+          <a:p>
+            <a:pPr marL="0" lvl="0" indent="0" algn="l" rtl="0">
+              <a:spcBef>
+                <a:spcPts val="0"/>
+              </a:spcBef>
+              <a:spcAft>
+                <a:spcPts val="0"/>
+              </a:spcAft>
+              <a:buNone/>
+            </a:pPr>
+            <a:endParaRPr/>
+          </a:p>
+        </p:txBody>
+      </p:sp>
+      <p:sp>
+        <p:nvSpPr>
+          <p:cNvPr id="330" name="Google Shape;330;p35"/>
+          <p:cNvSpPr/>
+          <p:nvPr/>
+        </p:nvSpPr>
+        <p:spPr>
+          <a:xfrm>
+            <a:off x="7093638" y="832531"/>
+            <a:ext cx="107827" cy="107819"/>
+          </a:xfrm>
+          <a:custGeom>
+            <a:avLst/>
+            <a:gdLst/>
+            <a:ahLst/>
+            <a:cxnLst/>
+            <a:rect l="l" t="t" r="r" b="b"/>
+            <a:pathLst>
+              <a:path w="3065" h="3065" extrusionOk="0">
+                <a:moveTo>
+                  <a:pt x="3064" y="1532"/>
+                </a:moveTo>
+                <a:cubicBezTo>
+                  <a:pt x="3064" y="2387"/>
+                  <a:pt x="2387" y="3064"/>
+                  <a:pt x="1532" y="3064"/>
+                </a:cubicBezTo>
+                <a:cubicBezTo>
+                  <a:pt x="677" y="3064"/>
+                  <a:pt x="0" y="2387"/>
+                  <a:pt x="0" y="1532"/>
+                </a:cubicBezTo>
+                <a:cubicBezTo>
+                  <a:pt x="0" y="677"/>
+                  <a:pt x="677" y="0"/>
+                  <a:pt x="1532" y="0"/>
+                </a:cubicBezTo>
+                <a:cubicBezTo>
+                  <a:pt x="2387" y="0"/>
+                  <a:pt x="3064" y="677"/>
+                  <a:pt x="3064" y="1532"/>
+                </a:cubicBezTo>
+                <a:close/>
+              </a:path>
+            </a:pathLst>
+          </a:custGeom>
+          <a:gradFill>
+            <a:gsLst>
+              <a:gs pos="0">
+                <a:schemeClr val="accent1"/>
+              </a:gs>
+              <a:gs pos="100000">
+                <a:schemeClr val="lt2"/>
+              </a:gs>
+            </a:gsLst>
+            <a:lin ang="5400012" scaled="0"/>
+          </a:gradFill>
+          <a:ln>
+            <a:noFill/>
+          </a:ln>
+        </p:spPr>
+        <p:txBody>
+          <a:bodyPr spcFirstLastPara="1" wrap="square" lIns="91425" tIns="91425" rIns="91425" bIns="91425" anchor="ctr" anchorCtr="0">
+            <a:noAutofit/>
+          </a:bodyPr>
+          <a:lstStyle/>
+          <a:p>
+            <a:pPr marL="0" lvl="0" indent="0" algn="l" rtl="0">
+              <a:spcBef>
+                <a:spcPts val="0"/>
+              </a:spcBef>
+              <a:spcAft>
+                <a:spcPts val="0"/>
+              </a:spcAft>
+              <a:buNone/>
+            </a:pPr>
+            <a:endParaRPr/>
+          </a:p>
+        </p:txBody>
+      </p:sp>
+      <p:sp>
+        <p:nvSpPr>
+          <p:cNvPr id="331" name="Google Shape;331;p35"/>
+          <p:cNvSpPr/>
+          <p:nvPr/>
+        </p:nvSpPr>
+        <p:spPr>
+          <a:xfrm rot="-1685758">
+            <a:off x="8328153" y="1334059"/>
+            <a:ext cx="59549" cy="60168"/>
+          </a:xfrm>
+          <a:custGeom>
+            <a:avLst/>
+            <a:gdLst/>
+            <a:ahLst/>
+            <a:cxnLst/>
+            <a:rect l="l" t="t" r="r" b="b"/>
+            <a:pathLst>
+              <a:path w="1729" h="1747" fill="none" extrusionOk="0">
+                <a:moveTo>
+                  <a:pt x="1729" y="749"/>
+                </a:moveTo>
+                <a:cubicBezTo>
+                  <a:pt x="1729" y="1408"/>
+                  <a:pt x="927" y="1746"/>
+                  <a:pt x="464" y="1265"/>
+                </a:cubicBezTo>
+                <a:cubicBezTo>
+                  <a:pt x="1" y="802"/>
+                  <a:pt x="322" y="1"/>
+                  <a:pt x="998" y="1"/>
+                </a:cubicBezTo>
+                <a:cubicBezTo>
+                  <a:pt x="1408" y="1"/>
+                  <a:pt x="1729" y="339"/>
+                  <a:pt x="1729" y="749"/>
+                </a:cubicBezTo>
+                <a:close/>
+              </a:path>
+            </a:pathLst>
+          </a:custGeom>
+          <a:noFill/>
+          <a:ln w="9525" cap="flat" cmpd="sng">
+            <a:solidFill>
+              <a:schemeClr val="dk1"/>
+            </a:solidFill>
+            <a:prstDash val="solid"/>
+            <a:miter lim="17814"/>
+            <a:headEnd type="none" w="sm" len="sm"/>
+            <a:tailEnd type="none" w="sm" len="sm"/>
+          </a:ln>
+        </p:spPr>
+        <p:txBody>
+          <a:bodyPr spcFirstLastPara="1" wrap="square" lIns="91425" tIns="91425" rIns="91425" bIns="91425" anchor="ctr" anchorCtr="0">
+            <a:noAutofit/>
+          </a:bodyPr>
+          <a:lstStyle/>
+          <a:p>
+            <a:pPr marL="0" lvl="0" indent="0" algn="l" rtl="0">
+              <a:spcBef>
+                <a:spcPts val="0"/>
+              </a:spcBef>
+              <a:spcAft>
+                <a:spcPts val="0"/>
+              </a:spcAft>
+              <a:buNone/>
+            </a:pPr>
+            <a:endParaRPr/>
+          </a:p>
+        </p:txBody>
+      </p:sp>
+      <p:sp>
+        <p:nvSpPr>
+          <p:cNvPr id="332" name="Google Shape;332;p35"/>
+          <p:cNvSpPr/>
+          <p:nvPr/>
+        </p:nvSpPr>
+        <p:spPr>
+          <a:xfrm>
+            <a:off x="8104063" y="726960"/>
+            <a:ext cx="213431" cy="213401"/>
+          </a:xfrm>
+          <a:custGeom>
+            <a:avLst/>
+            <a:gdLst/>
+            <a:ahLst/>
+            <a:cxnLst/>
+            <a:rect l="l" t="t" r="r" b="b"/>
+            <a:pathLst>
+              <a:path w="3065" h="3065" extrusionOk="0">
+                <a:moveTo>
+                  <a:pt x="3064" y="1532"/>
+                </a:moveTo>
+                <a:cubicBezTo>
+                  <a:pt x="3064" y="2387"/>
+                  <a:pt x="2387" y="3064"/>
+                  <a:pt x="1532" y="3064"/>
+                </a:cubicBezTo>
+                <a:cubicBezTo>
+                  <a:pt x="677" y="3064"/>
+                  <a:pt x="0" y="2387"/>
+                  <a:pt x="0" y="1532"/>
+                </a:cubicBezTo>
+                <a:cubicBezTo>
+                  <a:pt x="0" y="677"/>
+                  <a:pt x="677" y="0"/>
+                  <a:pt x="1532" y="0"/>
+                </a:cubicBezTo>
+                <a:cubicBezTo>
+                  <a:pt x="2387" y="0"/>
+                  <a:pt x="3064" y="677"/>
+                  <a:pt x="3064" y="1532"/>
+                </a:cubicBezTo>
+                <a:close/>
+              </a:path>
+            </a:pathLst>
+          </a:custGeom>
+          <a:gradFill>
+            <a:gsLst>
+              <a:gs pos="0">
+                <a:schemeClr val="accent2"/>
+              </a:gs>
+              <a:gs pos="100000">
+                <a:schemeClr val="dk2"/>
+              </a:gs>
+            </a:gsLst>
+            <a:lin ang="5400012" scaled="0"/>
+          </a:gradFill>
+          <a:ln>
+            <a:noFill/>
+          </a:ln>
+        </p:spPr>
+        <p:txBody>
+          <a:bodyPr spcFirstLastPara="1" wrap="square" lIns="91425" tIns="91425" rIns="91425" bIns="91425" anchor="ctr" anchorCtr="0">
+            <a:noAutofit/>
+          </a:bodyPr>
+          <a:lstStyle/>
+          <a:p>
+            <a:pPr marL="0" lvl="0" indent="0" algn="l" rtl="0">
+              <a:spcBef>
+                <a:spcPts val="0"/>
+              </a:spcBef>
+              <a:spcAft>
+                <a:spcPts val="0"/>
+              </a:spcAft>
+              <a:buNone/>
+            </a:pPr>
+            <a:endParaRPr/>
+          </a:p>
+        </p:txBody>
+      </p:sp>
+      <p:sp>
+        <p:nvSpPr>
+          <p:cNvPr id="333" name="Google Shape;333;p35"/>
+          <p:cNvSpPr txBox="1"/>
+          <p:nvPr/>
+        </p:nvSpPr>
+        <p:spPr>
+          <a:xfrm>
+            <a:off x="7062300" y="212749"/>
+            <a:ext cx="1367400" cy="300900"/>
+          </a:xfrm>
+          <a:prstGeom prst="rect">
+            <a:avLst/>
+          </a:prstGeom>
+          <a:noFill/>
+          <a:ln>
+            <a:noFill/>
+          </a:ln>
+        </p:spPr>
+        <p:txBody>
+          <a:bodyPr spcFirstLastPara="1" wrap="square" lIns="91425" tIns="91425" rIns="0" bIns="91425" anchor="ctr" anchorCtr="0">
+            <a:noAutofit/>
+          </a:bodyPr>
+          <a:lstStyle/>
+          <a:p>
+            <a:pPr marL="0" lvl="0" indent="0" algn="r" rtl="0">
+              <a:spcBef>
+                <a:spcPts val="0"/>
+              </a:spcBef>
+              <a:spcAft>
+                <a:spcPts val="0"/>
+              </a:spcAft>
+              <a:buNone/>
+            </a:pPr>
+            <a:r>
+              <a:rPr lang="en">
+                <a:solidFill>
+                  <a:schemeClr val="lt2"/>
+                </a:solidFill>
+                <a:latin typeface="Bebas Neue"/>
+                <a:ea typeface="Bebas Neue"/>
+                <a:cs typeface="Bebas Neue"/>
+                <a:sym typeface="Bebas Neue"/>
+              </a:rPr>
+              <a:t>Data ANALYSIS</a:t>
+            </a:r>
+            <a:endParaRPr>
+              <a:solidFill>
+                <a:schemeClr val="lt2"/>
+              </a:solidFill>
+            </a:endParaRPr>
+          </a:p>
+        </p:txBody>
+      </p:sp>
+      <p:sp>
+        <p:nvSpPr>
+          <p:cNvPr id="336" name="Google Shape;336;p35">
+            <a:hlinkClick r:id="rId3" action="ppaction://hlinksldjump"/>
+          </p:cNvPr>
+          <p:cNvSpPr txBox="1"/>
+          <p:nvPr/>
+        </p:nvSpPr>
+        <p:spPr>
+          <a:xfrm>
+            <a:off x="922450" y="275775"/>
+            <a:ext cx="522000" cy="214800"/>
+          </a:xfrm>
+          <a:prstGeom prst="rect">
+            <a:avLst/>
+          </a:prstGeom>
+          <a:noFill/>
+          <a:ln>
+            <a:noFill/>
+          </a:ln>
+        </p:spPr>
+        <p:txBody>
+          <a:bodyPr spcFirstLastPara="1" wrap="square" lIns="0" tIns="91425" rIns="0" bIns="91425" anchor="ctr" anchorCtr="0">
+            <a:noAutofit/>
+          </a:bodyPr>
+          <a:lstStyle/>
+          <a:p>
+            <a:pPr marL="0" lvl="0" indent="0" algn="ctr" rtl="0">
+              <a:spcBef>
+                <a:spcPts val="0"/>
+              </a:spcBef>
+              <a:spcAft>
+                <a:spcPts val="0"/>
+              </a:spcAft>
+              <a:buNone/>
+            </a:pPr>
+            <a:r>
+              <a:rPr lang="en" sz="1000">
+                <a:solidFill>
+                  <a:schemeClr val="dk1"/>
+                </a:solidFill>
+                <a:latin typeface="Bebas Neue"/>
+                <a:ea typeface="Bebas Neue"/>
+                <a:cs typeface="Bebas Neue"/>
+                <a:sym typeface="Bebas Neue"/>
+              </a:rPr>
+              <a:t>MENU</a:t>
+            </a:r>
+            <a:endParaRPr sz="1000">
+              <a:solidFill>
+                <a:schemeClr val="dk1"/>
+              </a:solidFill>
+              <a:latin typeface="Bebas Neue"/>
+              <a:ea typeface="Bebas Neue"/>
+              <a:cs typeface="Bebas Neue"/>
+              <a:sym typeface="Bebas Neue"/>
+            </a:endParaRPr>
+          </a:p>
+        </p:txBody>
+      </p:sp>
+      <p:sp>
+        <p:nvSpPr>
+          <p:cNvPr id="337" name="Google Shape;337;p35">
+            <a:hlinkClick r:id="" action="ppaction://noaction"/>
+          </p:cNvPr>
+          <p:cNvSpPr txBox="1"/>
+          <p:nvPr/>
+        </p:nvSpPr>
+        <p:spPr>
+          <a:xfrm>
+            <a:off x="1517930" y="275775"/>
+            <a:ext cx="522000" cy="214800"/>
+          </a:xfrm>
+          <a:prstGeom prst="rect">
+            <a:avLst/>
+          </a:prstGeom>
+          <a:noFill/>
+          <a:ln>
+            <a:noFill/>
+          </a:ln>
+        </p:spPr>
+        <p:txBody>
+          <a:bodyPr spcFirstLastPara="1" wrap="square" lIns="0" tIns="91425" rIns="0" bIns="91425" anchor="ctr" anchorCtr="0">
+            <a:noAutofit/>
+          </a:bodyPr>
+          <a:lstStyle/>
+          <a:p>
+            <a:pPr marL="0" lvl="0" indent="0" algn="ctr" rtl="0">
+              <a:spcBef>
+                <a:spcPts val="0"/>
+              </a:spcBef>
+              <a:spcAft>
+                <a:spcPts val="0"/>
+              </a:spcAft>
+              <a:buNone/>
+            </a:pPr>
+            <a:r>
+              <a:rPr lang="en" sz="1000">
+                <a:solidFill>
+                  <a:schemeClr val="dk1"/>
+                </a:solidFill>
+                <a:latin typeface="Bebas Neue"/>
+                <a:ea typeface="Bebas Neue"/>
+                <a:cs typeface="Bebas Neue"/>
+                <a:sym typeface="Bebas Neue"/>
+              </a:rPr>
+              <a:t>ANALYSIS</a:t>
+            </a:r>
+            <a:endParaRPr sz="1000">
+              <a:solidFill>
+                <a:schemeClr val="dk1"/>
+              </a:solidFill>
+              <a:latin typeface="Bebas Neue"/>
+              <a:ea typeface="Bebas Neue"/>
+              <a:cs typeface="Bebas Neue"/>
+              <a:sym typeface="Bebas Neue"/>
+            </a:endParaRPr>
+          </a:p>
+        </p:txBody>
+      </p:sp>
+      <p:sp>
+        <p:nvSpPr>
+          <p:cNvPr id="338" name="Google Shape;338;p35">
+            <a:hlinkClick r:id="rId3" action="ppaction://hlinksldjump"/>
+          </p:cNvPr>
+          <p:cNvSpPr txBox="1"/>
+          <p:nvPr/>
+        </p:nvSpPr>
+        <p:spPr>
+          <a:xfrm>
+            <a:off x="2113410" y="275775"/>
+            <a:ext cx="522000" cy="214800"/>
+          </a:xfrm>
+          <a:prstGeom prst="rect">
+            <a:avLst/>
+          </a:prstGeom>
+          <a:noFill/>
+          <a:ln>
+            <a:noFill/>
+          </a:ln>
+        </p:spPr>
+        <p:txBody>
+          <a:bodyPr spcFirstLastPara="1" wrap="square" lIns="0" tIns="91425" rIns="0" bIns="91425" anchor="ctr" anchorCtr="0">
+            <a:noAutofit/>
+          </a:bodyPr>
+          <a:lstStyle/>
+          <a:p>
+            <a:pPr marL="0" lvl="0" indent="0" algn="ctr" rtl="0">
+              <a:spcBef>
+                <a:spcPts val="0"/>
+              </a:spcBef>
+              <a:spcAft>
+                <a:spcPts val="0"/>
+              </a:spcAft>
+              <a:buNone/>
+            </a:pPr>
+            <a:r>
+              <a:rPr lang="en" sz="1000">
+                <a:solidFill>
+                  <a:schemeClr val="dk1"/>
+                </a:solidFill>
+                <a:latin typeface="Bebas Neue"/>
+                <a:ea typeface="Bebas Neue"/>
+                <a:cs typeface="Bebas Neue"/>
+                <a:sym typeface="Bebas Neue"/>
+              </a:rPr>
+              <a:t>CONTACT</a:t>
+            </a:r>
+            <a:endParaRPr sz="1000">
+              <a:solidFill>
+                <a:schemeClr val="dk1"/>
+              </a:solidFill>
+              <a:latin typeface="Bebas Neue"/>
+              <a:ea typeface="Bebas Neue"/>
+              <a:cs typeface="Bebas Neue"/>
+              <a:sym typeface="Bebas Neue"/>
+            </a:endParaRPr>
+          </a:p>
+        </p:txBody>
+      </p:sp>
+      <p:grpSp>
+        <p:nvGrpSpPr>
+          <p:cNvPr id="339" name="Google Shape;339;p35"/>
+          <p:cNvGrpSpPr/>
+          <p:nvPr/>
+        </p:nvGrpSpPr>
+        <p:grpSpPr>
+          <a:xfrm>
+            <a:off x="706038" y="312972"/>
+            <a:ext cx="140222" cy="140409"/>
+            <a:chOff x="2741000" y="199475"/>
+            <a:chExt cx="191953" cy="192210"/>
+          </a:xfrm>
+        </p:grpSpPr>
+        <p:sp>
+          <p:nvSpPr>
+            <p:cNvPr id="340" name="Google Shape;340;p35"/>
+            <p:cNvSpPr/>
+            <p:nvPr/>
+          </p:nvSpPr>
+          <p:spPr>
+            <a:xfrm>
+              <a:off x="2741000" y="199475"/>
+              <a:ext cx="43500" cy="43500"/>
+            </a:xfrm>
+            <a:prstGeom prst="rect">
+              <a:avLst/>
+            </a:prstGeom>
+            <a:solidFill>
+              <a:schemeClr val="lt2"/>
+            </a:solidFill>
+            <a:ln>
+              <a:noFill/>
+            </a:ln>
+          </p:spPr>
+          <p:txBody>
+            <a:bodyPr spcFirstLastPara="1" wrap="square" lIns="91425" tIns="91425" rIns="91425" bIns="91425" anchor="ctr" anchorCtr="0">
+              <a:noAutofit/>
+            </a:bodyPr>
+            <a:lstStyle/>
+            <a:p>
+              <a:pPr marL="0" lvl="0" indent="0" algn="l" rtl="0">
+                <a:spcBef>
+                  <a:spcPts val="0"/>
+                </a:spcBef>
+                <a:spcAft>
+                  <a:spcPts val="0"/>
+                </a:spcAft>
+                <a:buNone/>
+              </a:pPr>
+              <a:endParaRPr/>
+            </a:p>
+          </p:txBody>
+        </p:sp>
+        <p:sp>
+          <p:nvSpPr>
+            <p:cNvPr id="341" name="Google Shape;341;p35"/>
+            <p:cNvSpPr/>
+            <p:nvPr/>
+          </p:nvSpPr>
+          <p:spPr>
+            <a:xfrm>
+              <a:off x="2741000" y="273830"/>
+              <a:ext cx="43500" cy="43500"/>
+            </a:xfrm>
+            <a:prstGeom prst="rect">
+              <a:avLst/>
+            </a:prstGeom>
+            <a:solidFill>
+              <a:schemeClr val="lt2"/>
+            </a:solidFill>
+            <a:ln>
+              <a:noFill/>
+            </a:ln>
+          </p:spPr>
+          <p:txBody>
+            <a:bodyPr spcFirstLastPara="1" wrap="square" lIns="91425" tIns="91425" rIns="91425" bIns="91425" anchor="ctr" anchorCtr="0">
+              <a:noAutofit/>
+            </a:bodyPr>
+            <a:lstStyle/>
+            <a:p>
+              <a:pPr marL="0" lvl="0" indent="0" algn="l" rtl="0">
+                <a:spcBef>
+                  <a:spcPts val="0"/>
+                </a:spcBef>
+                <a:spcAft>
+                  <a:spcPts val="0"/>
+                </a:spcAft>
+                <a:buNone/>
+              </a:pPr>
+              <a:endParaRPr/>
+            </a:p>
+          </p:txBody>
+        </p:sp>
+        <p:sp>
+          <p:nvSpPr>
+            <p:cNvPr id="342" name="Google Shape;342;p35"/>
+            <p:cNvSpPr/>
+            <p:nvPr/>
+          </p:nvSpPr>
+          <p:spPr>
+            <a:xfrm>
+              <a:off x="2741000" y="348185"/>
+              <a:ext cx="43500" cy="43500"/>
+            </a:xfrm>
+            <a:prstGeom prst="rect">
+              <a:avLst/>
+            </a:prstGeom>
+            <a:solidFill>
+              <a:schemeClr val="lt2"/>
+            </a:solidFill>
+            <a:ln>
+              <a:noFill/>
+            </a:ln>
+          </p:spPr>
+          <p:txBody>
+            <a:bodyPr spcFirstLastPara="1" wrap="square" lIns="91425" tIns="91425" rIns="91425" bIns="91425" anchor="ctr" anchorCtr="0">
+              <a:noAutofit/>
+            </a:bodyPr>
+            <a:lstStyle/>
+            <a:p>
+              <a:pPr marL="0" lvl="0" indent="0" algn="l" rtl="0">
+                <a:spcBef>
+                  <a:spcPts val="0"/>
+                </a:spcBef>
+                <a:spcAft>
+                  <a:spcPts val="0"/>
+                </a:spcAft>
+                <a:buNone/>
+              </a:pPr>
+              <a:endParaRPr/>
+            </a:p>
+          </p:txBody>
+        </p:sp>
+        <p:sp>
+          <p:nvSpPr>
+            <p:cNvPr id="343" name="Google Shape;343;p35"/>
+            <p:cNvSpPr/>
+            <p:nvPr/>
+          </p:nvSpPr>
+          <p:spPr>
+            <a:xfrm>
+              <a:off x="2815215" y="199475"/>
+              <a:ext cx="43500" cy="43500"/>
+            </a:xfrm>
+            <a:prstGeom prst="rect">
+              <a:avLst/>
+            </a:prstGeom>
+            <a:solidFill>
+              <a:schemeClr val="lt2"/>
+            </a:solidFill>
+            <a:ln>
+              <a:noFill/>
+            </a:ln>
+          </p:spPr>
+          <p:txBody>
+            <a:bodyPr spcFirstLastPara="1" wrap="square" lIns="91425" tIns="91425" rIns="91425" bIns="91425" anchor="ctr" anchorCtr="0">
+              <a:noAutofit/>
+            </a:bodyPr>
+            <a:lstStyle/>
+            <a:p>
+              <a:pPr marL="0" lvl="0" indent="0" algn="l" rtl="0">
+                <a:spcBef>
+                  <a:spcPts val="0"/>
+                </a:spcBef>
+                <a:spcAft>
+                  <a:spcPts val="0"/>
+                </a:spcAft>
+                <a:buNone/>
+              </a:pPr>
+              <a:endParaRPr/>
+            </a:p>
+          </p:txBody>
+        </p:sp>
+        <p:sp>
+          <p:nvSpPr>
+            <p:cNvPr id="344" name="Google Shape;344;p35"/>
+            <p:cNvSpPr/>
+            <p:nvPr/>
+          </p:nvSpPr>
+          <p:spPr>
+            <a:xfrm>
+              <a:off x="2815215" y="273830"/>
+              <a:ext cx="43500" cy="43500"/>
+            </a:xfrm>
+            <a:prstGeom prst="rect">
+              <a:avLst/>
+            </a:prstGeom>
+            <a:solidFill>
+              <a:schemeClr val="lt2"/>
+            </a:solidFill>
+            <a:ln>
+              <a:noFill/>
+            </a:ln>
+          </p:spPr>
+          <p:txBody>
+            <a:bodyPr spcFirstLastPara="1" wrap="square" lIns="91425" tIns="91425" rIns="91425" bIns="91425" anchor="ctr" anchorCtr="0">
+              <a:noAutofit/>
+            </a:bodyPr>
+            <a:lstStyle/>
+            <a:p>
+              <a:pPr marL="0" lvl="0" indent="0" algn="l" rtl="0">
+                <a:spcBef>
+                  <a:spcPts val="0"/>
+                </a:spcBef>
+                <a:spcAft>
+                  <a:spcPts val="0"/>
+                </a:spcAft>
+                <a:buNone/>
+              </a:pPr>
+              <a:endParaRPr/>
+            </a:p>
+          </p:txBody>
+        </p:sp>
+        <p:sp>
+          <p:nvSpPr>
+            <p:cNvPr id="345" name="Google Shape;345;p35"/>
+            <p:cNvSpPr/>
+            <p:nvPr/>
+          </p:nvSpPr>
+          <p:spPr>
+            <a:xfrm>
+              <a:off x="2815215" y="348185"/>
+              <a:ext cx="43500" cy="43500"/>
+            </a:xfrm>
+            <a:prstGeom prst="rect">
+              <a:avLst/>
+            </a:prstGeom>
+            <a:solidFill>
+              <a:schemeClr val="lt2"/>
+            </a:solidFill>
+            <a:ln>
+              <a:noFill/>
+            </a:ln>
+          </p:spPr>
+          <p:txBody>
+            <a:bodyPr spcFirstLastPara="1" wrap="square" lIns="91425" tIns="91425" rIns="91425" bIns="91425" anchor="ctr" anchorCtr="0">
+              <a:noAutofit/>
+            </a:bodyPr>
+            <a:lstStyle/>
+            <a:p>
+              <a:pPr marL="0" lvl="0" indent="0" algn="l" rtl="0">
+                <a:spcBef>
+                  <a:spcPts val="0"/>
+                </a:spcBef>
+                <a:spcAft>
+                  <a:spcPts val="0"/>
+                </a:spcAft>
+                <a:buNone/>
+              </a:pPr>
+              <a:endParaRPr/>
+            </a:p>
+          </p:txBody>
+        </p:sp>
+        <p:sp>
+          <p:nvSpPr>
+            <p:cNvPr id="346" name="Google Shape;346;p35"/>
+            <p:cNvSpPr/>
+            <p:nvPr/>
+          </p:nvSpPr>
+          <p:spPr>
+            <a:xfrm>
+              <a:off x="2889453" y="199475"/>
+              <a:ext cx="43500" cy="43500"/>
+            </a:xfrm>
+            <a:prstGeom prst="rect">
+              <a:avLst/>
+            </a:prstGeom>
+            <a:solidFill>
+              <a:schemeClr val="lt2"/>
+            </a:solidFill>
+            <a:ln>
+              <a:noFill/>
+            </a:ln>
+          </p:spPr>
+          <p:txBody>
+            <a:bodyPr spcFirstLastPara="1" wrap="square" lIns="91425" tIns="91425" rIns="91425" bIns="91425" anchor="ctr" anchorCtr="0">
+              <a:noAutofit/>
+            </a:bodyPr>
+            <a:lstStyle/>
+            <a:p>
+              <a:pPr marL="0" lvl="0" indent="0" algn="l" rtl="0">
+                <a:spcBef>
+                  <a:spcPts val="0"/>
+                </a:spcBef>
+                <a:spcAft>
+                  <a:spcPts val="0"/>
+                </a:spcAft>
+                <a:buNone/>
+              </a:pPr>
+              <a:endParaRPr/>
+            </a:p>
+          </p:txBody>
+        </p:sp>
+        <p:sp>
+          <p:nvSpPr>
+            <p:cNvPr id="347" name="Google Shape;347;p35"/>
+            <p:cNvSpPr/>
+            <p:nvPr/>
+          </p:nvSpPr>
+          <p:spPr>
+            <a:xfrm>
+              <a:off x="2889453" y="273830"/>
+              <a:ext cx="43500" cy="43500"/>
+            </a:xfrm>
+            <a:prstGeom prst="rect">
+              <a:avLst/>
+            </a:prstGeom>
+            <a:solidFill>
+              <a:schemeClr val="lt2"/>
+            </a:solidFill>
+            <a:ln>
+              <a:noFill/>
+            </a:ln>
+          </p:spPr>
+          <p:txBody>
+            <a:bodyPr spcFirstLastPara="1" wrap="square" lIns="91425" tIns="91425" rIns="91425" bIns="91425" anchor="ctr" anchorCtr="0">
+              <a:noAutofit/>
+            </a:bodyPr>
+            <a:lstStyle/>
+            <a:p>
+              <a:pPr marL="0" lvl="0" indent="0" algn="l" rtl="0">
+                <a:spcBef>
+                  <a:spcPts val="0"/>
+                </a:spcBef>
+                <a:spcAft>
+                  <a:spcPts val="0"/>
+                </a:spcAft>
+                <a:buNone/>
+              </a:pPr>
+              <a:endParaRPr/>
+            </a:p>
+          </p:txBody>
+        </p:sp>
+        <p:sp>
+          <p:nvSpPr>
+            <p:cNvPr id="348" name="Google Shape;348;p35"/>
+            <p:cNvSpPr/>
+            <p:nvPr/>
+          </p:nvSpPr>
+          <p:spPr>
+            <a:xfrm>
+              <a:off x="2889453" y="348185"/>
+              <a:ext cx="43500" cy="43500"/>
+            </a:xfrm>
+            <a:prstGeom prst="rect">
+              <a:avLst/>
+            </a:prstGeom>
+            <a:solidFill>
+              <a:schemeClr val="lt2"/>
+            </a:solidFill>
+            <a:ln>
+              <a:noFill/>
+            </a:ln>
+          </p:spPr>
+          <p:txBody>
+            <a:bodyPr spcFirstLastPara="1" wrap="square" lIns="91425" tIns="91425" rIns="91425" bIns="91425" anchor="ctr" anchorCtr="0">
+              <a:noAutofit/>
+            </a:bodyPr>
+            <a:lstStyle/>
+            <a:p>
+              <a:pPr marL="0" lvl="0" indent="0" algn="l" rtl="0">
+                <a:spcBef>
+                  <a:spcPts val="0"/>
+                </a:spcBef>
+                <a:spcAft>
+                  <a:spcPts val="0"/>
+                </a:spcAft>
+                <a:buNone/>
+              </a:pPr>
+              <a:endParaRPr/>
+            </a:p>
+          </p:txBody>
+        </p:sp>
+      </p:grpSp>
+      <p:sp>
+        <p:nvSpPr>
+          <p:cNvPr id="349" name="Google Shape;349;p35">
+            <a:hlinkClick r:id="rId4" action="ppaction://hlinksldjump"/>
+          </p:cNvPr>
+          <p:cNvSpPr/>
+          <p:nvPr/>
+        </p:nvSpPr>
+        <p:spPr>
+          <a:xfrm>
+            <a:off x="669500" y="276525"/>
+            <a:ext cx="213300" cy="213300"/>
+          </a:xfrm>
+          <a:prstGeom prst="rect">
+            <a:avLst/>
+          </a:prstGeom>
+          <a:noFill/>
+          <a:ln>
+            <a:noFill/>
+          </a:ln>
+        </p:spPr>
+        <p:txBody>
+          <a:bodyPr spcFirstLastPara="1" wrap="square" lIns="91425" tIns="91425" rIns="91425" bIns="91425" anchor="ctr" anchorCtr="0">
+            <a:noAutofit/>
+          </a:bodyPr>
+          <a:lstStyle/>
+          <a:p>
+            <a:pPr marL="0" lvl="0" indent="0" algn="l" rtl="0">
+              <a:spcBef>
+                <a:spcPts val="0"/>
+              </a:spcBef>
+              <a:spcAft>
+                <a:spcPts val="0"/>
+              </a:spcAft>
+              <a:buNone/>
+            </a:pPr>
+            <a:endParaRPr/>
+          </a:p>
+        </p:txBody>
+      </p:sp>
+    </p:spTree>
+    <p:extLst>
+      <p:ext uri="{BB962C8B-B14F-4D97-AF65-F5344CB8AC3E}">
+        <p14:creationId xmlns:p14="http://schemas.microsoft.com/office/powerpoint/2010/main" val="3411326305"/>
+      </p:ext>
+    </p:extLst>
+  </p:cSld>
+  <p:clrMapOvr>
+    <a:masterClrMapping/>
+  </p:clrMapOvr>
+</p:sld>
+</file>
+
+<file path=ppt/slides/slide6.xml><?xml version="1.0" encoding="utf-8"?>
+<p:sld xmlns:a="http://schemas.openxmlformats.org/drawingml/2006/main" xmlns:r="http://schemas.openxmlformats.org/officeDocument/2006/relationships" xmlns:p="http://schemas.openxmlformats.org/presentationml/2006/main">
+  <p:cSld>
+    <p:spTree>
+      <p:nvGrpSpPr>
+        <p:cNvPr id="1" name="Shape 326"/>
+        <p:cNvGrpSpPr/>
+        <p:nvPr/>
+      </p:nvGrpSpPr>
+      <p:grpSpPr>
+        <a:xfrm>
+          <a:off x="0" y="0"/>
+          <a:ext cx="0" cy="0"/>
+          <a:chOff x="0" y="0"/>
+          <a:chExt cx="0" cy="0"/>
+        </a:xfrm>
+      </p:grpSpPr>
+      <p:sp>
+        <p:nvSpPr>
+          <p:cNvPr id="327" name="Google Shape;327;p35"/>
+          <p:cNvSpPr txBox="1">
+            <a:spLocks noGrp="1"/>
+          </p:cNvSpPr>
+          <p:nvPr>
+            <p:ph type="subTitle" idx="1"/>
+          </p:nvPr>
+        </p:nvSpPr>
+        <p:spPr>
+          <a:xfrm>
+            <a:off x="602093" y="2234926"/>
+            <a:ext cx="7715400" cy="1700515"/>
+          </a:xfrm>
+          <a:prstGeom prst="rect">
+            <a:avLst/>
+          </a:prstGeom>
+        </p:spPr>
+        <p:txBody>
+          <a:bodyPr spcFirstLastPara="1" wrap="square" lIns="91425" tIns="91425" rIns="91425" bIns="91425" anchor="t" anchorCtr="0">
+            <a:noAutofit/>
+          </a:bodyPr>
+          <a:lstStyle/>
+          <a:p>
+            <a:pPr marL="0" lvl="0" indent="0" algn="ctr" rtl="0">
+              <a:spcBef>
+                <a:spcPts val="0"/>
+              </a:spcBef>
+              <a:spcAft>
+                <a:spcPts val="0"/>
+              </a:spcAft>
+              <a:buNone/>
+            </a:pPr>
+            <a:r>
+              <a:rPr lang="en-ID" dirty="0" err="1">
+                <a:solidFill>
+                  <a:schemeClr val="tx2"/>
+                </a:solidFill>
+              </a:rPr>
+              <a:t>Berikut</a:t>
+            </a:r>
+            <a:r>
+              <a:rPr lang="en-ID" dirty="0">
+                <a:solidFill>
+                  <a:schemeClr val="tx2"/>
+                </a:solidFill>
+              </a:rPr>
+              <a:t> </a:t>
+            </a:r>
+            <a:r>
+              <a:rPr lang="en-ID" dirty="0" err="1">
+                <a:solidFill>
+                  <a:schemeClr val="tx2"/>
+                </a:solidFill>
+              </a:rPr>
+              <a:t>adalah</a:t>
+            </a:r>
+            <a:r>
+              <a:rPr lang="en-ID" dirty="0">
+                <a:solidFill>
+                  <a:schemeClr val="tx2"/>
+                </a:solidFill>
+              </a:rPr>
+              <a:t> </a:t>
+            </a:r>
+            <a:r>
+              <a:rPr lang="en-ID" dirty="0" err="1">
+                <a:solidFill>
+                  <a:schemeClr val="tx2"/>
+                </a:solidFill>
+              </a:rPr>
+              <a:t>beberapa</a:t>
+            </a:r>
+            <a:r>
+              <a:rPr lang="en-ID" dirty="0">
+                <a:solidFill>
+                  <a:schemeClr val="tx2"/>
+                </a:solidFill>
+              </a:rPr>
+              <a:t> </a:t>
+            </a:r>
+            <a:r>
+              <a:rPr lang="en-ID" dirty="0" err="1">
+                <a:solidFill>
+                  <a:schemeClr val="tx2"/>
+                </a:solidFill>
+              </a:rPr>
+              <a:t>manfaat</a:t>
+            </a:r>
+            <a:r>
+              <a:rPr lang="en-ID" dirty="0">
+                <a:solidFill>
+                  <a:schemeClr val="tx2"/>
+                </a:solidFill>
+              </a:rPr>
+              <a:t> </a:t>
+            </a:r>
+            <a:r>
+              <a:rPr lang="en-ID" dirty="0" err="1">
+                <a:solidFill>
+                  <a:schemeClr val="tx2"/>
+                </a:solidFill>
+              </a:rPr>
+              <a:t>dari</a:t>
+            </a:r>
+            <a:r>
+              <a:rPr lang="en-ID" dirty="0">
+                <a:solidFill>
+                  <a:schemeClr val="tx2"/>
+                </a:solidFill>
+              </a:rPr>
+              <a:t> </a:t>
+            </a:r>
+            <a:r>
+              <a:rPr lang="en-ID" dirty="0" err="1">
+                <a:solidFill>
+                  <a:schemeClr val="tx2"/>
+                </a:solidFill>
+              </a:rPr>
+              <a:t>visualisasi</a:t>
+            </a:r>
+            <a:r>
+              <a:rPr lang="en-ID" dirty="0">
+                <a:solidFill>
+                  <a:schemeClr val="tx2"/>
+                </a:solidFill>
+              </a:rPr>
+              <a:t> data:</a:t>
+            </a:r>
+          </a:p>
+          <a:p>
+            <a:pPr marL="0" lvl="0" indent="0" algn="ctr" rtl="0">
+              <a:spcBef>
+                <a:spcPts val="0"/>
+              </a:spcBef>
+              <a:spcAft>
+                <a:spcPts val="0"/>
+              </a:spcAft>
+              <a:buNone/>
+            </a:pPr>
+            <a:endParaRPr lang="en-ID" dirty="0">
+              <a:solidFill>
+                <a:schemeClr val="tx2"/>
+              </a:solidFill>
+            </a:endParaRPr>
+          </a:p>
+          <a:p>
+            <a:pPr marL="0" lvl="0" indent="0" algn="ctr" rtl="0">
+              <a:spcBef>
+                <a:spcPts val="0"/>
+              </a:spcBef>
+              <a:spcAft>
+                <a:spcPts val="0"/>
+              </a:spcAft>
+              <a:buNone/>
+            </a:pPr>
+            <a:r>
+              <a:rPr lang="en-ID" dirty="0">
+                <a:solidFill>
+                  <a:schemeClr val="tx2"/>
+                </a:solidFill>
+              </a:rPr>
+              <a:t>1. </a:t>
+            </a:r>
+            <a:r>
+              <a:rPr lang="en-ID" dirty="0" err="1">
+                <a:solidFill>
+                  <a:schemeClr val="tx2"/>
+                </a:solidFill>
+              </a:rPr>
+              <a:t>Membantu</a:t>
+            </a:r>
+            <a:r>
+              <a:rPr lang="en-ID" dirty="0">
+                <a:solidFill>
+                  <a:schemeClr val="tx2"/>
+                </a:solidFill>
+              </a:rPr>
+              <a:t> </a:t>
+            </a:r>
+            <a:r>
+              <a:rPr lang="en-ID" dirty="0" err="1">
+                <a:solidFill>
+                  <a:schemeClr val="tx2"/>
+                </a:solidFill>
+              </a:rPr>
+              <a:t>untuk</a:t>
+            </a:r>
+            <a:r>
+              <a:rPr lang="en-ID" dirty="0">
+                <a:solidFill>
+                  <a:schemeClr val="tx2"/>
+                </a:solidFill>
+              </a:rPr>
+              <a:t> </a:t>
+            </a:r>
+            <a:r>
+              <a:rPr lang="en-ID" dirty="0" err="1">
+                <a:solidFill>
+                  <a:schemeClr val="tx2"/>
+                </a:solidFill>
+              </a:rPr>
+              <a:t>memahami</a:t>
+            </a:r>
+            <a:r>
+              <a:rPr lang="en-ID" dirty="0">
+                <a:solidFill>
+                  <a:schemeClr val="tx2"/>
+                </a:solidFill>
+              </a:rPr>
+              <a:t> </a:t>
+            </a:r>
+            <a:r>
+              <a:rPr lang="en-ID" dirty="0" err="1">
+                <a:solidFill>
+                  <a:schemeClr val="tx2"/>
+                </a:solidFill>
+              </a:rPr>
+              <a:t>cerita</a:t>
+            </a:r>
+            <a:r>
+              <a:rPr lang="en-ID" dirty="0">
+                <a:solidFill>
+                  <a:schemeClr val="tx2"/>
+                </a:solidFill>
+              </a:rPr>
+              <a:t> </a:t>
+            </a:r>
+            <a:r>
+              <a:rPr lang="en-ID" dirty="0" err="1">
+                <a:solidFill>
+                  <a:schemeClr val="tx2"/>
+                </a:solidFill>
+              </a:rPr>
+              <a:t>atau</a:t>
+            </a:r>
+            <a:r>
+              <a:rPr lang="en-ID" dirty="0">
+                <a:solidFill>
+                  <a:schemeClr val="tx2"/>
+                </a:solidFill>
+              </a:rPr>
+              <a:t> </a:t>
+            </a:r>
+            <a:r>
+              <a:rPr lang="en-ID" dirty="0" err="1">
+                <a:solidFill>
+                  <a:schemeClr val="tx2"/>
+                </a:solidFill>
+              </a:rPr>
+              <a:t>masalah</a:t>
+            </a:r>
+            <a:r>
+              <a:rPr lang="en-ID" dirty="0">
+                <a:solidFill>
+                  <a:schemeClr val="tx2"/>
+                </a:solidFill>
+              </a:rPr>
+              <a:t> </a:t>
+            </a:r>
+            <a:r>
+              <a:rPr lang="en-ID" dirty="0" err="1">
+                <a:solidFill>
+                  <a:schemeClr val="tx2"/>
+                </a:solidFill>
+              </a:rPr>
+              <a:t>dengan</a:t>
+            </a:r>
+            <a:r>
+              <a:rPr lang="en-ID" dirty="0">
+                <a:solidFill>
+                  <a:schemeClr val="tx2"/>
+                </a:solidFill>
+              </a:rPr>
+              <a:t> </a:t>
+            </a:r>
+            <a:r>
+              <a:rPr lang="en-ID" dirty="0" err="1">
+                <a:solidFill>
+                  <a:schemeClr val="tx2"/>
+                </a:solidFill>
+              </a:rPr>
+              <a:t>lebih</a:t>
+            </a:r>
+            <a:r>
+              <a:rPr lang="en-ID" dirty="0">
+                <a:solidFill>
+                  <a:schemeClr val="tx2"/>
+                </a:solidFill>
+              </a:rPr>
+              <a:t> </a:t>
+            </a:r>
+            <a:r>
+              <a:rPr lang="en-ID" dirty="0" err="1">
+                <a:solidFill>
+                  <a:schemeClr val="tx2"/>
+                </a:solidFill>
+              </a:rPr>
+              <a:t>baik</a:t>
+            </a:r>
+            <a:endParaRPr lang="en-ID" dirty="0">
+              <a:solidFill>
+                <a:schemeClr val="tx2"/>
+              </a:solidFill>
+            </a:endParaRPr>
+          </a:p>
+          <a:p>
+            <a:pPr marL="0" lvl="0" indent="0" algn="ctr" rtl="0">
+              <a:spcBef>
+                <a:spcPts val="0"/>
+              </a:spcBef>
+              <a:spcAft>
+                <a:spcPts val="0"/>
+              </a:spcAft>
+              <a:buNone/>
+            </a:pPr>
+            <a:r>
+              <a:rPr lang="en-ID" dirty="0">
+                <a:solidFill>
+                  <a:schemeClr val="tx2"/>
+                </a:solidFill>
+              </a:rPr>
+              <a:t>2. </a:t>
+            </a:r>
+            <a:r>
+              <a:rPr lang="en-ID" dirty="0" err="1">
+                <a:solidFill>
+                  <a:schemeClr val="tx2"/>
+                </a:solidFill>
+              </a:rPr>
+              <a:t>Menunjukkan</a:t>
+            </a:r>
+            <a:r>
+              <a:rPr lang="en-ID" dirty="0">
+                <a:solidFill>
+                  <a:schemeClr val="tx2"/>
+                </a:solidFill>
+              </a:rPr>
+              <a:t> insight yang </a:t>
+            </a:r>
+            <a:r>
+              <a:rPr lang="en-ID" dirty="0" err="1">
+                <a:solidFill>
+                  <a:schemeClr val="tx2"/>
+                </a:solidFill>
+              </a:rPr>
+              <a:t>bisa</a:t>
+            </a:r>
+            <a:r>
+              <a:rPr lang="en-ID" dirty="0">
+                <a:solidFill>
+                  <a:schemeClr val="tx2"/>
+                </a:solidFill>
+              </a:rPr>
+              <a:t> </a:t>
+            </a:r>
+            <a:r>
+              <a:rPr lang="en-ID" dirty="0" err="1">
+                <a:solidFill>
+                  <a:schemeClr val="tx2"/>
+                </a:solidFill>
+              </a:rPr>
+              <a:t>saja</a:t>
+            </a:r>
+            <a:r>
+              <a:rPr lang="en-ID" dirty="0">
+                <a:solidFill>
+                  <a:schemeClr val="tx2"/>
+                </a:solidFill>
+              </a:rPr>
+              <a:t> </a:t>
+            </a:r>
+            <a:r>
+              <a:rPr lang="en-ID" dirty="0" err="1">
+                <a:solidFill>
+                  <a:schemeClr val="tx2"/>
+                </a:solidFill>
+              </a:rPr>
+              <a:t>terlewatkan</a:t>
+            </a:r>
+            <a:r>
+              <a:rPr lang="en-ID" dirty="0">
+                <a:solidFill>
+                  <a:schemeClr val="tx2"/>
+                </a:solidFill>
+              </a:rPr>
+              <a:t> </a:t>
+            </a:r>
+            <a:r>
+              <a:rPr lang="en-ID" dirty="0" err="1">
+                <a:solidFill>
+                  <a:schemeClr val="tx2"/>
+                </a:solidFill>
+              </a:rPr>
+              <a:t>jika</a:t>
+            </a:r>
+            <a:r>
+              <a:rPr lang="en-ID" dirty="0">
+                <a:solidFill>
+                  <a:schemeClr val="tx2"/>
+                </a:solidFill>
+              </a:rPr>
+              <a:t> data </a:t>
+            </a:r>
+            <a:r>
+              <a:rPr lang="en-ID" dirty="0" err="1">
+                <a:solidFill>
+                  <a:schemeClr val="tx2"/>
+                </a:solidFill>
+              </a:rPr>
+              <a:t>ditampilkan</a:t>
+            </a:r>
+            <a:r>
+              <a:rPr lang="en-ID" dirty="0">
+                <a:solidFill>
+                  <a:schemeClr val="tx2"/>
+                </a:solidFill>
+              </a:rPr>
+              <a:t> </a:t>
+            </a:r>
+            <a:r>
+              <a:rPr lang="en-ID" dirty="0" err="1">
+                <a:solidFill>
+                  <a:schemeClr val="tx2"/>
+                </a:solidFill>
+              </a:rPr>
+              <a:t>dengan</a:t>
+            </a:r>
+            <a:r>
+              <a:rPr lang="en-ID" dirty="0">
+                <a:solidFill>
+                  <a:schemeClr val="tx2"/>
+                </a:solidFill>
+              </a:rPr>
+              <a:t> </a:t>
+            </a:r>
+            <a:r>
+              <a:rPr lang="en-ID" dirty="0" err="1">
+                <a:solidFill>
+                  <a:schemeClr val="tx2"/>
+                </a:solidFill>
+              </a:rPr>
+              <a:t>laporan</a:t>
+            </a:r>
+            <a:r>
+              <a:rPr lang="en-ID" dirty="0">
+                <a:solidFill>
+                  <a:schemeClr val="tx2"/>
+                </a:solidFill>
+              </a:rPr>
+              <a:t> </a:t>
+            </a:r>
+            <a:r>
+              <a:rPr lang="en-ID" dirty="0" err="1">
+                <a:solidFill>
+                  <a:schemeClr val="tx2"/>
+                </a:solidFill>
+              </a:rPr>
+              <a:t>tradisional</a:t>
+            </a:r>
+            <a:endParaRPr lang="en-ID" dirty="0">
+              <a:solidFill>
+                <a:schemeClr val="tx2"/>
+              </a:solidFill>
+            </a:endParaRPr>
+          </a:p>
+          <a:p>
+            <a:pPr marL="0" lvl="0" indent="0" algn="ctr" rtl="0">
+              <a:spcBef>
+                <a:spcPts val="0"/>
+              </a:spcBef>
+              <a:spcAft>
+                <a:spcPts val="0"/>
+              </a:spcAft>
+              <a:buNone/>
+            </a:pPr>
+            <a:r>
+              <a:rPr lang="en-ID" dirty="0">
+                <a:solidFill>
+                  <a:schemeClr val="tx2"/>
+                </a:solidFill>
+              </a:rPr>
+              <a:t>3. </a:t>
+            </a:r>
+            <a:r>
+              <a:rPr lang="en-ID" dirty="0" err="1">
+                <a:solidFill>
+                  <a:schemeClr val="tx2"/>
+                </a:solidFill>
+              </a:rPr>
+              <a:t>Membantu</a:t>
+            </a:r>
+            <a:r>
+              <a:rPr lang="en-ID" dirty="0">
+                <a:solidFill>
+                  <a:schemeClr val="tx2"/>
+                </a:solidFill>
+              </a:rPr>
+              <a:t> </a:t>
+            </a:r>
+            <a:r>
+              <a:rPr lang="en-ID" dirty="0" err="1">
+                <a:solidFill>
+                  <a:schemeClr val="tx2"/>
+                </a:solidFill>
+              </a:rPr>
+              <a:t>eksekutif</a:t>
+            </a:r>
+            <a:r>
+              <a:rPr lang="en-ID" dirty="0">
+                <a:solidFill>
+                  <a:schemeClr val="tx2"/>
+                </a:solidFill>
+              </a:rPr>
+              <a:t> </a:t>
+            </a:r>
+            <a:r>
+              <a:rPr lang="en-ID" dirty="0" err="1">
+                <a:solidFill>
+                  <a:schemeClr val="tx2"/>
+                </a:solidFill>
+              </a:rPr>
+              <a:t>bisnis</a:t>
+            </a:r>
+            <a:r>
+              <a:rPr lang="en-ID" dirty="0">
+                <a:solidFill>
+                  <a:schemeClr val="tx2"/>
+                </a:solidFill>
+              </a:rPr>
+              <a:t> </a:t>
+            </a:r>
+            <a:r>
+              <a:rPr lang="en-ID" dirty="0" err="1">
+                <a:solidFill>
+                  <a:schemeClr val="tx2"/>
+                </a:solidFill>
+              </a:rPr>
+              <a:t>untuk</a:t>
+            </a:r>
+            <a:r>
+              <a:rPr lang="en-ID" dirty="0">
+                <a:solidFill>
+                  <a:schemeClr val="tx2"/>
+                </a:solidFill>
+              </a:rPr>
+              <a:t> </a:t>
+            </a:r>
+            <a:r>
+              <a:rPr lang="en-ID" dirty="0" err="1">
+                <a:solidFill>
+                  <a:schemeClr val="tx2"/>
+                </a:solidFill>
+              </a:rPr>
+              <a:t>mengambil</a:t>
+            </a:r>
+            <a:r>
+              <a:rPr lang="en-ID" dirty="0">
+                <a:solidFill>
+                  <a:schemeClr val="tx2"/>
+                </a:solidFill>
+              </a:rPr>
+              <a:t> </a:t>
+            </a:r>
+            <a:r>
+              <a:rPr lang="en-ID" dirty="0" err="1">
+                <a:solidFill>
+                  <a:schemeClr val="tx2"/>
+                </a:solidFill>
+              </a:rPr>
+              <a:t>keputusan</a:t>
+            </a:r>
+            <a:r>
+              <a:rPr lang="en-ID" dirty="0">
+                <a:solidFill>
+                  <a:schemeClr val="tx2"/>
+                </a:solidFill>
+              </a:rPr>
+              <a:t> </a:t>
+            </a:r>
+            <a:r>
+              <a:rPr lang="en-ID" dirty="0" err="1">
+                <a:solidFill>
+                  <a:schemeClr val="tx2"/>
+                </a:solidFill>
+              </a:rPr>
+              <a:t>berdasarkan</a:t>
+            </a:r>
+            <a:r>
+              <a:rPr lang="en-ID" dirty="0">
+                <a:solidFill>
+                  <a:schemeClr val="tx2"/>
+                </a:solidFill>
+              </a:rPr>
+              <a:t> data, </a:t>
+            </a:r>
+            <a:r>
+              <a:rPr lang="en-ID" dirty="0" err="1">
+                <a:solidFill>
+                  <a:schemeClr val="tx2"/>
+                </a:solidFill>
+              </a:rPr>
+              <a:t>akurat</a:t>
+            </a:r>
+            <a:r>
+              <a:rPr lang="en-ID" dirty="0">
+                <a:solidFill>
+                  <a:schemeClr val="tx2"/>
+                </a:solidFill>
+              </a:rPr>
+              <a:t>, dan </a:t>
+            </a:r>
+            <a:r>
+              <a:rPr lang="en-ID" dirty="0" err="1">
+                <a:solidFill>
+                  <a:schemeClr val="tx2"/>
+                </a:solidFill>
+              </a:rPr>
+              <a:t>tepat</a:t>
+            </a:r>
+            <a:endParaRPr lang="en-ID" dirty="0">
+              <a:solidFill>
+                <a:schemeClr val="tx2"/>
+              </a:solidFill>
+            </a:endParaRPr>
+          </a:p>
+          <a:p>
+            <a:pPr marL="0" lvl="0" indent="0" algn="ctr" rtl="0">
+              <a:spcBef>
+                <a:spcPts val="0"/>
+              </a:spcBef>
+              <a:spcAft>
+                <a:spcPts val="0"/>
+              </a:spcAft>
+              <a:buNone/>
+            </a:pPr>
+            <a:r>
+              <a:rPr lang="en-ID" dirty="0">
+                <a:solidFill>
+                  <a:schemeClr val="tx2"/>
+                </a:solidFill>
+              </a:rPr>
+              <a:t>4. </a:t>
+            </a:r>
+            <a:r>
+              <a:rPr lang="en-ID" dirty="0" err="1">
+                <a:solidFill>
+                  <a:schemeClr val="tx2"/>
+                </a:solidFill>
+              </a:rPr>
+              <a:t>Mempermudah</a:t>
+            </a:r>
+            <a:r>
+              <a:rPr lang="en-ID" dirty="0">
+                <a:solidFill>
+                  <a:schemeClr val="tx2"/>
+                </a:solidFill>
+              </a:rPr>
+              <a:t> </a:t>
+            </a:r>
+            <a:r>
+              <a:rPr lang="en-ID" dirty="0" err="1">
+                <a:solidFill>
+                  <a:schemeClr val="tx2"/>
+                </a:solidFill>
+              </a:rPr>
+              <a:t>penyampaian</a:t>
+            </a:r>
+            <a:r>
+              <a:rPr lang="en-ID" dirty="0">
+                <a:solidFill>
+                  <a:schemeClr val="tx2"/>
+                </a:solidFill>
+              </a:rPr>
+              <a:t> </a:t>
+            </a:r>
+            <a:r>
+              <a:rPr lang="en-ID" dirty="0" err="1">
+                <a:solidFill>
+                  <a:schemeClr val="tx2"/>
+                </a:solidFill>
+              </a:rPr>
+              <a:t>informasi</a:t>
+            </a:r>
+            <a:r>
+              <a:rPr lang="en-ID" dirty="0">
+                <a:solidFill>
+                  <a:schemeClr val="tx2"/>
+                </a:solidFill>
+              </a:rPr>
+              <a:t> </a:t>
+            </a:r>
+            <a:r>
+              <a:rPr lang="en-ID" dirty="0" err="1">
+                <a:solidFill>
+                  <a:schemeClr val="tx2"/>
+                </a:solidFill>
+              </a:rPr>
+              <a:t>secara</a:t>
+            </a:r>
+            <a:r>
+              <a:rPr lang="en-ID" dirty="0">
+                <a:solidFill>
+                  <a:schemeClr val="tx2"/>
+                </a:solidFill>
+              </a:rPr>
+              <a:t> </a:t>
+            </a:r>
+            <a:r>
+              <a:rPr lang="en-ID" dirty="0" err="1">
+                <a:solidFill>
+                  <a:schemeClr val="tx2"/>
+                </a:solidFill>
+              </a:rPr>
+              <a:t>efisien</a:t>
+            </a:r>
+            <a:r>
+              <a:rPr lang="en-ID" dirty="0">
+                <a:solidFill>
+                  <a:schemeClr val="tx2"/>
+                </a:solidFill>
+              </a:rPr>
+              <a:t>, </a:t>
+            </a:r>
+            <a:r>
+              <a:rPr lang="en-ID" dirty="0" err="1">
+                <a:solidFill>
+                  <a:schemeClr val="tx2"/>
+                </a:solidFill>
+              </a:rPr>
+              <a:t>jelas</a:t>
+            </a:r>
+            <a:r>
+              <a:rPr lang="en-ID" dirty="0">
+                <a:solidFill>
+                  <a:schemeClr val="tx2"/>
+                </a:solidFill>
+              </a:rPr>
+              <a:t>, dan </a:t>
+            </a:r>
+            <a:r>
+              <a:rPr lang="en-ID" dirty="0" err="1">
+                <a:solidFill>
+                  <a:schemeClr val="tx2"/>
+                </a:solidFill>
+              </a:rPr>
+              <a:t>efektif</a:t>
+            </a:r>
+            <a:endParaRPr lang="en-ID" dirty="0">
+              <a:solidFill>
+                <a:schemeClr val="tx2"/>
+              </a:solidFill>
+            </a:endParaRPr>
+          </a:p>
+          <a:p>
+            <a:pPr marL="0" lvl="0" indent="0" algn="ctr" rtl="0">
+              <a:spcBef>
+                <a:spcPts val="0"/>
+              </a:spcBef>
+              <a:spcAft>
+                <a:spcPts val="0"/>
+              </a:spcAft>
+              <a:buNone/>
+            </a:pPr>
+            <a:r>
+              <a:rPr lang="en-ID" dirty="0">
+                <a:solidFill>
+                  <a:schemeClr val="tx2"/>
+                </a:solidFill>
+              </a:rPr>
+              <a:t>5. </a:t>
+            </a:r>
+            <a:r>
+              <a:rPr lang="en-ID" dirty="0" err="1">
+                <a:solidFill>
+                  <a:schemeClr val="tx2"/>
+                </a:solidFill>
+              </a:rPr>
+              <a:t>Mengidentifikasi</a:t>
+            </a:r>
+            <a:r>
+              <a:rPr lang="en-ID" dirty="0">
+                <a:solidFill>
+                  <a:schemeClr val="tx2"/>
+                </a:solidFill>
+              </a:rPr>
+              <a:t> </a:t>
+            </a:r>
+            <a:r>
+              <a:rPr lang="en-ID" dirty="0" err="1">
+                <a:solidFill>
+                  <a:schemeClr val="tx2"/>
+                </a:solidFill>
+              </a:rPr>
+              <a:t>tren</a:t>
+            </a:r>
+            <a:r>
+              <a:rPr lang="en-ID" dirty="0">
+                <a:solidFill>
+                  <a:schemeClr val="tx2"/>
+                </a:solidFill>
+              </a:rPr>
+              <a:t> yang </a:t>
+            </a:r>
+            <a:r>
+              <a:rPr lang="en-ID" dirty="0" err="1">
+                <a:solidFill>
+                  <a:schemeClr val="tx2"/>
+                </a:solidFill>
+              </a:rPr>
+              <a:t>tengah</a:t>
+            </a:r>
+            <a:r>
+              <a:rPr lang="en-ID" dirty="0">
+                <a:solidFill>
+                  <a:schemeClr val="tx2"/>
+                </a:solidFill>
+              </a:rPr>
+              <a:t> </a:t>
+            </a:r>
+            <a:r>
+              <a:rPr lang="en-ID" dirty="0" err="1">
+                <a:solidFill>
+                  <a:schemeClr val="tx2"/>
+                </a:solidFill>
+              </a:rPr>
+              <a:t>berlangsung</a:t>
+            </a:r>
+            <a:endParaRPr dirty="0">
+              <a:solidFill>
+                <a:schemeClr val="tx2"/>
+              </a:solidFill>
+            </a:endParaRPr>
+          </a:p>
+        </p:txBody>
+      </p:sp>
+      <p:sp>
+        <p:nvSpPr>
+          <p:cNvPr id="328" name="Google Shape;328;p35"/>
+          <p:cNvSpPr txBox="1">
+            <a:spLocks noGrp="1"/>
+          </p:cNvSpPr>
+          <p:nvPr>
+            <p:ph type="title"/>
+          </p:nvPr>
+        </p:nvSpPr>
+        <p:spPr>
+          <a:xfrm>
+            <a:off x="602093" y="1538243"/>
+            <a:ext cx="7715400" cy="605700"/>
+          </a:xfrm>
+          <a:prstGeom prst="rect">
+            <a:avLst/>
+          </a:prstGeom>
+        </p:spPr>
+        <p:txBody>
+          <a:bodyPr spcFirstLastPara="1" wrap="square" lIns="91425" tIns="91425" rIns="91425" bIns="91425" anchor="t" anchorCtr="0">
+            <a:noAutofit/>
+          </a:bodyPr>
+          <a:lstStyle/>
+          <a:p>
+            <a:pPr marL="0" lvl="0" indent="0" algn="ctr" rtl="0">
+              <a:spcBef>
+                <a:spcPts val="0"/>
+              </a:spcBef>
+              <a:spcAft>
+                <a:spcPts val="0"/>
+              </a:spcAft>
+              <a:buNone/>
+            </a:pPr>
+            <a:r>
+              <a:rPr lang="en-US" dirty="0" err="1"/>
+              <a:t>Tujuan</a:t>
+            </a:r>
+            <a:r>
+              <a:rPr lang="en-US" dirty="0"/>
+              <a:t> </a:t>
+            </a:r>
+            <a:r>
+              <a:rPr lang="en-US" dirty="0" err="1"/>
+              <a:t>visualisasi</a:t>
+            </a:r>
+            <a:r>
+              <a:rPr lang="en-US" dirty="0"/>
+              <a:t> data</a:t>
+            </a:r>
+            <a:endParaRPr dirty="0"/>
+          </a:p>
+        </p:txBody>
+      </p:sp>
+      <p:sp>
+        <p:nvSpPr>
+          <p:cNvPr id="329" name="Google Shape;329;p35"/>
+          <p:cNvSpPr/>
+          <p:nvPr/>
+        </p:nvSpPr>
+        <p:spPr>
+          <a:xfrm>
+            <a:off x="7546751" y="940338"/>
+            <a:ext cx="213431" cy="214685"/>
+          </a:xfrm>
+          <a:custGeom>
+            <a:avLst/>
+            <a:gdLst/>
+            <a:ahLst/>
+            <a:cxnLst/>
+            <a:rect l="l" t="t" r="r" b="b"/>
+            <a:pathLst>
+              <a:path w="3065" h="3083" fill="none" extrusionOk="0">
+                <a:moveTo>
+                  <a:pt x="3065" y="1551"/>
+                </a:moveTo>
+                <a:cubicBezTo>
+                  <a:pt x="3065" y="2388"/>
+                  <a:pt x="2388" y="3083"/>
+                  <a:pt x="1533" y="3083"/>
+                </a:cubicBezTo>
+                <a:cubicBezTo>
+                  <a:pt x="678" y="3083"/>
+                  <a:pt x="1" y="2388"/>
+                  <a:pt x="1" y="1551"/>
+                </a:cubicBezTo>
+                <a:cubicBezTo>
+                  <a:pt x="1" y="696"/>
+                  <a:pt x="678" y="1"/>
+                  <a:pt x="1533" y="1"/>
+                </a:cubicBezTo>
+                <a:cubicBezTo>
+                  <a:pt x="2388" y="1"/>
+                  <a:pt x="3065" y="696"/>
+                  <a:pt x="3065" y="1551"/>
+                </a:cubicBezTo>
+                <a:close/>
+              </a:path>
+            </a:pathLst>
+          </a:custGeom>
+          <a:noFill/>
+          <a:ln w="9525" cap="flat" cmpd="sng">
+            <a:solidFill>
+              <a:schemeClr val="dk1"/>
+            </a:solidFill>
+            <a:prstDash val="solid"/>
+            <a:miter lim="17814"/>
+            <a:headEnd type="none" w="sm" len="sm"/>
+            <a:tailEnd type="none" w="sm" len="sm"/>
+          </a:ln>
+        </p:spPr>
+        <p:txBody>
+          <a:bodyPr spcFirstLastPara="1" wrap="square" lIns="91425" tIns="91425" rIns="91425" bIns="91425" anchor="ctr" anchorCtr="0">
+            <a:noAutofit/>
+          </a:bodyPr>
+          <a:lstStyle/>
+          <a:p>
+            <a:pPr marL="0" lvl="0" indent="0" algn="l" rtl="0">
+              <a:spcBef>
+                <a:spcPts val="0"/>
+              </a:spcBef>
+              <a:spcAft>
+                <a:spcPts val="0"/>
+              </a:spcAft>
+              <a:buNone/>
+            </a:pPr>
+            <a:endParaRPr/>
+          </a:p>
+        </p:txBody>
+      </p:sp>
+      <p:sp>
+        <p:nvSpPr>
+          <p:cNvPr id="330" name="Google Shape;330;p35"/>
+          <p:cNvSpPr/>
+          <p:nvPr/>
+        </p:nvSpPr>
+        <p:spPr>
+          <a:xfrm>
+            <a:off x="7093638" y="832531"/>
+            <a:ext cx="107827" cy="107819"/>
+          </a:xfrm>
+          <a:custGeom>
+            <a:avLst/>
+            <a:gdLst/>
+            <a:ahLst/>
+            <a:cxnLst/>
+            <a:rect l="l" t="t" r="r" b="b"/>
+            <a:pathLst>
+              <a:path w="3065" h="3065" extrusionOk="0">
+                <a:moveTo>
+                  <a:pt x="3064" y="1532"/>
+                </a:moveTo>
+                <a:cubicBezTo>
+                  <a:pt x="3064" y="2387"/>
+                  <a:pt x="2387" y="3064"/>
+                  <a:pt x="1532" y="3064"/>
+                </a:cubicBezTo>
+                <a:cubicBezTo>
+                  <a:pt x="677" y="3064"/>
+                  <a:pt x="0" y="2387"/>
+                  <a:pt x="0" y="1532"/>
+                </a:cubicBezTo>
+                <a:cubicBezTo>
+                  <a:pt x="0" y="677"/>
+                  <a:pt x="677" y="0"/>
+                  <a:pt x="1532" y="0"/>
+                </a:cubicBezTo>
+                <a:cubicBezTo>
+                  <a:pt x="2387" y="0"/>
+                  <a:pt x="3064" y="677"/>
+                  <a:pt x="3064" y="1532"/>
+                </a:cubicBezTo>
+                <a:close/>
+              </a:path>
+            </a:pathLst>
+          </a:custGeom>
+          <a:gradFill>
+            <a:gsLst>
+              <a:gs pos="0">
+                <a:schemeClr val="accent1"/>
+              </a:gs>
+              <a:gs pos="100000">
+                <a:schemeClr val="lt2"/>
+              </a:gs>
+            </a:gsLst>
+            <a:lin ang="5400012" scaled="0"/>
+          </a:gradFill>
+          <a:ln>
+            <a:noFill/>
+          </a:ln>
+        </p:spPr>
+        <p:txBody>
+          <a:bodyPr spcFirstLastPara="1" wrap="square" lIns="91425" tIns="91425" rIns="91425" bIns="91425" anchor="ctr" anchorCtr="0">
+            <a:noAutofit/>
+          </a:bodyPr>
+          <a:lstStyle/>
+          <a:p>
+            <a:pPr marL="0" lvl="0" indent="0" algn="l" rtl="0">
+              <a:spcBef>
+                <a:spcPts val="0"/>
+              </a:spcBef>
+              <a:spcAft>
+                <a:spcPts val="0"/>
+              </a:spcAft>
+              <a:buNone/>
+            </a:pPr>
+            <a:endParaRPr/>
+          </a:p>
+        </p:txBody>
+      </p:sp>
+      <p:sp>
+        <p:nvSpPr>
+          <p:cNvPr id="331" name="Google Shape;331;p35"/>
+          <p:cNvSpPr/>
+          <p:nvPr/>
+        </p:nvSpPr>
+        <p:spPr>
+          <a:xfrm rot="-1685758">
+            <a:off x="8328153" y="1334059"/>
+            <a:ext cx="59549" cy="60168"/>
+          </a:xfrm>
+          <a:custGeom>
+            <a:avLst/>
+            <a:gdLst/>
+            <a:ahLst/>
+            <a:cxnLst/>
+            <a:rect l="l" t="t" r="r" b="b"/>
+            <a:pathLst>
+              <a:path w="1729" h="1747" fill="none" extrusionOk="0">
+                <a:moveTo>
+                  <a:pt x="1729" y="749"/>
+                </a:moveTo>
+                <a:cubicBezTo>
+                  <a:pt x="1729" y="1408"/>
+                  <a:pt x="927" y="1746"/>
+                  <a:pt x="464" y="1265"/>
+                </a:cubicBezTo>
+                <a:cubicBezTo>
+                  <a:pt x="1" y="802"/>
+                  <a:pt x="322" y="1"/>
+                  <a:pt x="998" y="1"/>
+                </a:cubicBezTo>
+                <a:cubicBezTo>
+                  <a:pt x="1408" y="1"/>
+                  <a:pt x="1729" y="339"/>
+                  <a:pt x="1729" y="749"/>
+                </a:cubicBezTo>
+                <a:close/>
+              </a:path>
+            </a:pathLst>
+          </a:custGeom>
+          <a:noFill/>
+          <a:ln w="9525" cap="flat" cmpd="sng">
+            <a:solidFill>
+              <a:schemeClr val="dk1"/>
+            </a:solidFill>
+            <a:prstDash val="solid"/>
+            <a:miter lim="17814"/>
+            <a:headEnd type="none" w="sm" len="sm"/>
+            <a:tailEnd type="none" w="sm" len="sm"/>
+          </a:ln>
+        </p:spPr>
+        <p:txBody>
+          <a:bodyPr spcFirstLastPara="1" wrap="square" lIns="91425" tIns="91425" rIns="91425" bIns="91425" anchor="ctr" anchorCtr="0">
+            <a:noAutofit/>
+          </a:bodyPr>
+          <a:lstStyle/>
+          <a:p>
+            <a:pPr marL="0" lvl="0" indent="0" algn="l" rtl="0">
+              <a:spcBef>
+                <a:spcPts val="0"/>
+              </a:spcBef>
+              <a:spcAft>
+                <a:spcPts val="0"/>
+              </a:spcAft>
+              <a:buNone/>
+            </a:pPr>
+            <a:endParaRPr/>
+          </a:p>
+        </p:txBody>
+      </p:sp>
+      <p:sp>
+        <p:nvSpPr>
+          <p:cNvPr id="332" name="Google Shape;332;p35"/>
+          <p:cNvSpPr/>
+          <p:nvPr/>
+        </p:nvSpPr>
+        <p:spPr>
+          <a:xfrm>
+            <a:off x="8104063" y="726960"/>
+            <a:ext cx="213431" cy="213401"/>
+          </a:xfrm>
+          <a:custGeom>
+            <a:avLst/>
+            <a:gdLst/>
+            <a:ahLst/>
+            <a:cxnLst/>
+            <a:rect l="l" t="t" r="r" b="b"/>
+            <a:pathLst>
+              <a:path w="3065" h="3065" extrusionOk="0">
+                <a:moveTo>
+                  <a:pt x="3064" y="1532"/>
+                </a:moveTo>
+                <a:cubicBezTo>
+                  <a:pt x="3064" y="2387"/>
+                  <a:pt x="2387" y="3064"/>
+                  <a:pt x="1532" y="3064"/>
+                </a:cubicBezTo>
+                <a:cubicBezTo>
+                  <a:pt x="677" y="3064"/>
+                  <a:pt x="0" y="2387"/>
+                  <a:pt x="0" y="1532"/>
+                </a:cubicBezTo>
+                <a:cubicBezTo>
+                  <a:pt x="0" y="677"/>
+                  <a:pt x="677" y="0"/>
+                  <a:pt x="1532" y="0"/>
+                </a:cubicBezTo>
+                <a:cubicBezTo>
+                  <a:pt x="2387" y="0"/>
+                  <a:pt x="3064" y="677"/>
+                  <a:pt x="3064" y="1532"/>
+                </a:cubicBezTo>
+                <a:close/>
+              </a:path>
+            </a:pathLst>
+          </a:custGeom>
+          <a:gradFill>
+            <a:gsLst>
+              <a:gs pos="0">
+                <a:schemeClr val="accent2"/>
+              </a:gs>
+              <a:gs pos="100000">
+                <a:schemeClr val="dk2"/>
+              </a:gs>
+            </a:gsLst>
+            <a:lin ang="5400012" scaled="0"/>
+          </a:gradFill>
+          <a:ln>
+            <a:noFill/>
+          </a:ln>
+        </p:spPr>
+        <p:txBody>
+          <a:bodyPr spcFirstLastPara="1" wrap="square" lIns="91425" tIns="91425" rIns="91425" bIns="91425" anchor="ctr" anchorCtr="0">
+            <a:noAutofit/>
+          </a:bodyPr>
+          <a:lstStyle/>
+          <a:p>
+            <a:pPr marL="0" lvl="0" indent="0" algn="l" rtl="0">
+              <a:spcBef>
+                <a:spcPts val="0"/>
+              </a:spcBef>
+              <a:spcAft>
+                <a:spcPts val="0"/>
+              </a:spcAft>
+              <a:buNone/>
+            </a:pPr>
+            <a:endParaRPr/>
+          </a:p>
+        </p:txBody>
+      </p:sp>
+      <p:sp>
+        <p:nvSpPr>
+          <p:cNvPr id="333" name="Google Shape;333;p35"/>
+          <p:cNvSpPr txBox="1"/>
+          <p:nvPr/>
+        </p:nvSpPr>
+        <p:spPr>
+          <a:xfrm>
+            <a:off x="7062300" y="212749"/>
+            <a:ext cx="1367400" cy="300900"/>
+          </a:xfrm>
+          <a:prstGeom prst="rect">
+            <a:avLst/>
+          </a:prstGeom>
+          <a:noFill/>
+          <a:ln>
+            <a:noFill/>
+          </a:ln>
+        </p:spPr>
+        <p:txBody>
+          <a:bodyPr spcFirstLastPara="1" wrap="square" lIns="91425" tIns="91425" rIns="0" bIns="91425" anchor="ctr" anchorCtr="0">
+            <a:noAutofit/>
+          </a:bodyPr>
+          <a:lstStyle/>
+          <a:p>
+            <a:pPr marL="0" lvl="0" indent="0" algn="r" rtl="0">
+              <a:spcBef>
+                <a:spcPts val="0"/>
+              </a:spcBef>
+              <a:spcAft>
+                <a:spcPts val="0"/>
+              </a:spcAft>
+              <a:buNone/>
+            </a:pPr>
+            <a:r>
+              <a:rPr lang="en">
+                <a:solidFill>
+                  <a:schemeClr val="lt2"/>
+                </a:solidFill>
+                <a:latin typeface="Bebas Neue"/>
+                <a:ea typeface="Bebas Neue"/>
+                <a:cs typeface="Bebas Neue"/>
+                <a:sym typeface="Bebas Neue"/>
+              </a:rPr>
+              <a:t>Data ANALYSIS</a:t>
+            </a:r>
+            <a:endParaRPr>
+              <a:solidFill>
+                <a:schemeClr val="lt2"/>
+              </a:solidFill>
+            </a:endParaRPr>
+          </a:p>
+        </p:txBody>
+      </p:sp>
+      <p:sp>
+        <p:nvSpPr>
+          <p:cNvPr id="336" name="Google Shape;336;p35">
+            <a:hlinkClick r:id="rId3" action="ppaction://hlinksldjump"/>
+          </p:cNvPr>
+          <p:cNvSpPr txBox="1"/>
+          <p:nvPr/>
+        </p:nvSpPr>
+        <p:spPr>
+          <a:xfrm>
+            <a:off x="922450" y="275775"/>
+            <a:ext cx="522000" cy="214800"/>
+          </a:xfrm>
+          <a:prstGeom prst="rect">
+            <a:avLst/>
+          </a:prstGeom>
+          <a:noFill/>
+          <a:ln>
+            <a:noFill/>
+          </a:ln>
+        </p:spPr>
+        <p:txBody>
+          <a:bodyPr spcFirstLastPara="1" wrap="square" lIns="0" tIns="91425" rIns="0" bIns="91425" anchor="ctr" anchorCtr="0">
+            <a:noAutofit/>
+          </a:bodyPr>
+          <a:lstStyle/>
+          <a:p>
+            <a:pPr marL="0" lvl="0" indent="0" algn="ctr" rtl="0">
+              <a:spcBef>
+                <a:spcPts val="0"/>
+              </a:spcBef>
+              <a:spcAft>
+                <a:spcPts val="0"/>
+              </a:spcAft>
+              <a:buNone/>
+            </a:pPr>
+            <a:r>
+              <a:rPr lang="en" sz="1000">
+                <a:solidFill>
+                  <a:schemeClr val="dk1"/>
+                </a:solidFill>
+                <a:latin typeface="Bebas Neue"/>
+                <a:ea typeface="Bebas Neue"/>
+                <a:cs typeface="Bebas Neue"/>
+                <a:sym typeface="Bebas Neue"/>
+              </a:rPr>
+              <a:t>MENU</a:t>
+            </a:r>
+            <a:endParaRPr sz="1000">
+              <a:solidFill>
+                <a:schemeClr val="dk1"/>
+              </a:solidFill>
+              <a:latin typeface="Bebas Neue"/>
+              <a:ea typeface="Bebas Neue"/>
+              <a:cs typeface="Bebas Neue"/>
+              <a:sym typeface="Bebas Neue"/>
+            </a:endParaRPr>
+          </a:p>
+        </p:txBody>
+      </p:sp>
+      <p:sp>
+        <p:nvSpPr>
+          <p:cNvPr id="337" name="Google Shape;337;p35">
+            <a:hlinkClick r:id="" action="ppaction://noaction"/>
+          </p:cNvPr>
+          <p:cNvSpPr txBox="1"/>
+          <p:nvPr/>
+        </p:nvSpPr>
+        <p:spPr>
+          <a:xfrm>
+            <a:off x="1517930" y="275775"/>
+            <a:ext cx="522000" cy="214800"/>
+          </a:xfrm>
+          <a:prstGeom prst="rect">
+            <a:avLst/>
+          </a:prstGeom>
+          <a:noFill/>
+          <a:ln>
+            <a:noFill/>
+          </a:ln>
+        </p:spPr>
+        <p:txBody>
+          <a:bodyPr spcFirstLastPara="1" wrap="square" lIns="0" tIns="91425" rIns="0" bIns="91425" anchor="ctr" anchorCtr="0">
+            <a:noAutofit/>
+          </a:bodyPr>
+          <a:lstStyle/>
+          <a:p>
+            <a:pPr marL="0" lvl="0" indent="0" algn="ctr" rtl="0">
+              <a:spcBef>
+                <a:spcPts val="0"/>
+              </a:spcBef>
+              <a:spcAft>
+                <a:spcPts val="0"/>
+              </a:spcAft>
+              <a:buNone/>
+            </a:pPr>
+            <a:r>
+              <a:rPr lang="en" sz="1000">
+                <a:solidFill>
+                  <a:schemeClr val="dk1"/>
+                </a:solidFill>
+                <a:latin typeface="Bebas Neue"/>
+                <a:ea typeface="Bebas Neue"/>
+                <a:cs typeface="Bebas Neue"/>
+                <a:sym typeface="Bebas Neue"/>
+              </a:rPr>
+              <a:t>ANALYSIS</a:t>
+            </a:r>
+            <a:endParaRPr sz="1000">
+              <a:solidFill>
+                <a:schemeClr val="dk1"/>
+              </a:solidFill>
+              <a:latin typeface="Bebas Neue"/>
+              <a:ea typeface="Bebas Neue"/>
+              <a:cs typeface="Bebas Neue"/>
+              <a:sym typeface="Bebas Neue"/>
+            </a:endParaRPr>
+          </a:p>
+        </p:txBody>
+      </p:sp>
+      <p:sp>
+        <p:nvSpPr>
+          <p:cNvPr id="338" name="Google Shape;338;p35">
+            <a:hlinkClick r:id="rId3" action="ppaction://hlinksldjump"/>
+          </p:cNvPr>
+          <p:cNvSpPr txBox="1"/>
+          <p:nvPr/>
+        </p:nvSpPr>
+        <p:spPr>
+          <a:xfrm>
+            <a:off x="2113410" y="275775"/>
+            <a:ext cx="522000" cy="214800"/>
+          </a:xfrm>
+          <a:prstGeom prst="rect">
+            <a:avLst/>
+          </a:prstGeom>
+          <a:noFill/>
+          <a:ln>
+            <a:noFill/>
+          </a:ln>
+        </p:spPr>
+        <p:txBody>
+          <a:bodyPr spcFirstLastPara="1" wrap="square" lIns="0" tIns="91425" rIns="0" bIns="91425" anchor="ctr" anchorCtr="0">
+            <a:noAutofit/>
+          </a:bodyPr>
+          <a:lstStyle/>
+          <a:p>
+            <a:pPr marL="0" lvl="0" indent="0" algn="ctr" rtl="0">
+              <a:spcBef>
+                <a:spcPts val="0"/>
+              </a:spcBef>
+              <a:spcAft>
+                <a:spcPts val="0"/>
+              </a:spcAft>
+              <a:buNone/>
+            </a:pPr>
+            <a:r>
+              <a:rPr lang="en" sz="1000">
+                <a:solidFill>
+                  <a:schemeClr val="dk1"/>
+                </a:solidFill>
+                <a:latin typeface="Bebas Neue"/>
+                <a:ea typeface="Bebas Neue"/>
+                <a:cs typeface="Bebas Neue"/>
+                <a:sym typeface="Bebas Neue"/>
+              </a:rPr>
+              <a:t>CONTACT</a:t>
+            </a:r>
+            <a:endParaRPr sz="1000">
+              <a:solidFill>
+                <a:schemeClr val="dk1"/>
+              </a:solidFill>
+              <a:latin typeface="Bebas Neue"/>
+              <a:ea typeface="Bebas Neue"/>
+              <a:cs typeface="Bebas Neue"/>
+              <a:sym typeface="Bebas Neue"/>
+            </a:endParaRPr>
+          </a:p>
+        </p:txBody>
+      </p:sp>
+      <p:grpSp>
+        <p:nvGrpSpPr>
+          <p:cNvPr id="339" name="Google Shape;339;p35"/>
+          <p:cNvGrpSpPr/>
+          <p:nvPr/>
+        </p:nvGrpSpPr>
+        <p:grpSpPr>
+          <a:xfrm>
+            <a:off x="706038" y="312972"/>
+            <a:ext cx="140222" cy="140409"/>
+            <a:chOff x="2741000" y="199475"/>
+            <a:chExt cx="191953" cy="192210"/>
+          </a:xfrm>
+        </p:grpSpPr>
+        <p:sp>
+          <p:nvSpPr>
+            <p:cNvPr id="340" name="Google Shape;340;p35"/>
+            <p:cNvSpPr/>
+            <p:nvPr/>
+          </p:nvSpPr>
+          <p:spPr>
+            <a:xfrm>
+              <a:off x="2741000" y="199475"/>
+              <a:ext cx="43500" cy="43500"/>
+            </a:xfrm>
+            <a:prstGeom prst="rect">
+              <a:avLst/>
+            </a:prstGeom>
+            <a:solidFill>
+              <a:schemeClr val="lt2"/>
+            </a:solidFill>
+            <a:ln>
+              <a:noFill/>
+            </a:ln>
+          </p:spPr>
+          <p:txBody>
+            <a:bodyPr spcFirstLastPara="1" wrap="square" lIns="91425" tIns="91425" rIns="91425" bIns="91425" anchor="ctr" anchorCtr="0">
+              <a:noAutofit/>
+            </a:bodyPr>
+            <a:lstStyle/>
+            <a:p>
+              <a:pPr marL="0" lvl="0" indent="0" algn="l" rtl="0">
+                <a:spcBef>
+                  <a:spcPts val="0"/>
+                </a:spcBef>
+                <a:spcAft>
+                  <a:spcPts val="0"/>
+                </a:spcAft>
+                <a:buNone/>
+              </a:pPr>
+              <a:endParaRPr/>
+            </a:p>
+          </p:txBody>
+        </p:sp>
+        <p:sp>
+          <p:nvSpPr>
+            <p:cNvPr id="341" name="Google Shape;341;p35"/>
+            <p:cNvSpPr/>
+            <p:nvPr/>
+          </p:nvSpPr>
+          <p:spPr>
+            <a:xfrm>
+              <a:off x="2741000" y="273830"/>
+              <a:ext cx="43500" cy="43500"/>
+            </a:xfrm>
+            <a:prstGeom prst="rect">
+              <a:avLst/>
+            </a:prstGeom>
+            <a:solidFill>
+              <a:schemeClr val="lt2"/>
+            </a:solidFill>
+            <a:ln>
+              <a:noFill/>
+            </a:ln>
+          </p:spPr>
+          <p:txBody>
+            <a:bodyPr spcFirstLastPara="1" wrap="square" lIns="91425" tIns="91425" rIns="91425" bIns="91425" anchor="ctr" anchorCtr="0">
+              <a:noAutofit/>
+            </a:bodyPr>
+            <a:lstStyle/>
+            <a:p>
+              <a:pPr marL="0" lvl="0" indent="0" algn="l" rtl="0">
+                <a:spcBef>
+                  <a:spcPts val="0"/>
+                </a:spcBef>
+                <a:spcAft>
+                  <a:spcPts val="0"/>
+                </a:spcAft>
+                <a:buNone/>
+              </a:pPr>
+              <a:endParaRPr/>
+            </a:p>
+          </p:txBody>
+        </p:sp>
+        <p:sp>
+          <p:nvSpPr>
+            <p:cNvPr id="342" name="Google Shape;342;p35"/>
+            <p:cNvSpPr/>
+            <p:nvPr/>
+          </p:nvSpPr>
+          <p:spPr>
+            <a:xfrm>
+              <a:off x="2741000" y="348185"/>
+              <a:ext cx="43500" cy="43500"/>
+            </a:xfrm>
+            <a:prstGeom prst="rect">
+              <a:avLst/>
+            </a:prstGeom>
+            <a:solidFill>
+              <a:schemeClr val="lt2"/>
+            </a:solidFill>
+            <a:ln>
+              <a:noFill/>
+            </a:ln>
+          </p:spPr>
+          <p:txBody>
+            <a:bodyPr spcFirstLastPara="1" wrap="square" lIns="91425" tIns="91425" rIns="91425" bIns="91425" anchor="ctr" anchorCtr="0">
+              <a:noAutofit/>
+            </a:bodyPr>
+            <a:lstStyle/>
+            <a:p>
+              <a:pPr marL="0" lvl="0" indent="0" algn="l" rtl="0">
+                <a:spcBef>
+                  <a:spcPts val="0"/>
+                </a:spcBef>
+                <a:spcAft>
+                  <a:spcPts val="0"/>
+                </a:spcAft>
+                <a:buNone/>
+              </a:pPr>
+              <a:endParaRPr/>
+            </a:p>
+          </p:txBody>
+        </p:sp>
+        <p:sp>
+          <p:nvSpPr>
+            <p:cNvPr id="343" name="Google Shape;343;p35"/>
+            <p:cNvSpPr/>
+            <p:nvPr/>
+          </p:nvSpPr>
+          <p:spPr>
+            <a:xfrm>
+              <a:off x="2815215" y="199475"/>
+              <a:ext cx="43500" cy="43500"/>
+            </a:xfrm>
+            <a:prstGeom prst="rect">
+              <a:avLst/>
+            </a:prstGeom>
+            <a:solidFill>
+              <a:schemeClr val="lt2"/>
+            </a:solidFill>
+            <a:ln>
+              <a:noFill/>
+            </a:ln>
+          </p:spPr>
+          <p:txBody>
+            <a:bodyPr spcFirstLastPara="1" wrap="square" lIns="91425" tIns="91425" rIns="91425" bIns="91425" anchor="ctr" anchorCtr="0">
+              <a:noAutofit/>
+            </a:bodyPr>
+            <a:lstStyle/>
+            <a:p>
+              <a:pPr marL="0" lvl="0" indent="0" algn="l" rtl="0">
+                <a:spcBef>
+                  <a:spcPts val="0"/>
+                </a:spcBef>
+                <a:spcAft>
+                  <a:spcPts val="0"/>
+                </a:spcAft>
+                <a:buNone/>
+              </a:pPr>
+              <a:endParaRPr/>
+            </a:p>
+          </p:txBody>
+        </p:sp>
+        <p:sp>
+          <p:nvSpPr>
+            <p:cNvPr id="344" name="Google Shape;344;p35"/>
+            <p:cNvSpPr/>
+            <p:nvPr/>
+          </p:nvSpPr>
+          <p:spPr>
+            <a:xfrm>
+              <a:off x="2815215" y="273830"/>
+              <a:ext cx="43500" cy="43500"/>
+            </a:xfrm>
+            <a:prstGeom prst="rect">
+              <a:avLst/>
+            </a:prstGeom>
+            <a:solidFill>
+              <a:schemeClr val="lt2"/>
+            </a:solidFill>
+            <a:ln>
+              <a:noFill/>
+            </a:ln>
+          </p:spPr>
+          <p:txBody>
+            <a:bodyPr spcFirstLastPara="1" wrap="square" lIns="91425" tIns="91425" rIns="91425" bIns="91425" anchor="ctr" anchorCtr="0">
+              <a:noAutofit/>
+            </a:bodyPr>
+            <a:lstStyle/>
+            <a:p>
+              <a:pPr marL="0" lvl="0" indent="0" algn="l" rtl="0">
+                <a:spcBef>
+                  <a:spcPts val="0"/>
+                </a:spcBef>
+                <a:spcAft>
+                  <a:spcPts val="0"/>
+                </a:spcAft>
+                <a:buNone/>
+              </a:pPr>
+              <a:endParaRPr/>
+            </a:p>
+          </p:txBody>
+        </p:sp>
+        <p:sp>
+          <p:nvSpPr>
+            <p:cNvPr id="345" name="Google Shape;345;p35"/>
+            <p:cNvSpPr/>
+            <p:nvPr/>
+          </p:nvSpPr>
+          <p:spPr>
+            <a:xfrm>
+              <a:off x="2815215" y="348185"/>
+              <a:ext cx="43500" cy="43500"/>
+            </a:xfrm>
+            <a:prstGeom prst="rect">
+              <a:avLst/>
+            </a:prstGeom>
+            <a:solidFill>
+              <a:schemeClr val="lt2"/>
+            </a:solidFill>
+            <a:ln>
+              <a:noFill/>
+            </a:ln>
+          </p:spPr>
+          <p:txBody>
+            <a:bodyPr spcFirstLastPara="1" wrap="square" lIns="91425" tIns="91425" rIns="91425" bIns="91425" anchor="ctr" anchorCtr="0">
+              <a:noAutofit/>
+            </a:bodyPr>
+            <a:lstStyle/>
+            <a:p>
+              <a:pPr marL="0" lvl="0" indent="0" algn="l" rtl="0">
+                <a:spcBef>
+                  <a:spcPts val="0"/>
+                </a:spcBef>
+                <a:spcAft>
+                  <a:spcPts val="0"/>
+                </a:spcAft>
+                <a:buNone/>
+              </a:pPr>
+              <a:endParaRPr/>
+            </a:p>
+          </p:txBody>
+        </p:sp>
+        <p:sp>
+          <p:nvSpPr>
+            <p:cNvPr id="346" name="Google Shape;346;p35"/>
+            <p:cNvSpPr/>
+            <p:nvPr/>
+          </p:nvSpPr>
+          <p:spPr>
+            <a:xfrm>
+              <a:off x="2889453" y="199475"/>
+              <a:ext cx="43500" cy="43500"/>
+            </a:xfrm>
+            <a:prstGeom prst="rect">
+              <a:avLst/>
+            </a:prstGeom>
+            <a:solidFill>
+              <a:schemeClr val="lt2"/>
+            </a:solidFill>
+            <a:ln>
+              <a:noFill/>
+            </a:ln>
+          </p:spPr>
+          <p:txBody>
+            <a:bodyPr spcFirstLastPara="1" wrap="square" lIns="91425" tIns="91425" rIns="91425" bIns="91425" anchor="ctr" anchorCtr="0">
+              <a:noAutofit/>
+            </a:bodyPr>
+            <a:lstStyle/>
+            <a:p>
+              <a:pPr marL="0" lvl="0" indent="0" algn="l" rtl="0">
+                <a:spcBef>
+                  <a:spcPts val="0"/>
+                </a:spcBef>
+                <a:spcAft>
+                  <a:spcPts val="0"/>
+                </a:spcAft>
+                <a:buNone/>
+              </a:pPr>
+              <a:endParaRPr/>
+            </a:p>
+          </p:txBody>
+        </p:sp>
+        <p:sp>
+          <p:nvSpPr>
+            <p:cNvPr id="347" name="Google Shape;347;p35"/>
+            <p:cNvSpPr/>
+            <p:nvPr/>
+          </p:nvSpPr>
+          <p:spPr>
+            <a:xfrm>
+              <a:off x="2889453" y="273830"/>
+              <a:ext cx="43500" cy="43500"/>
+            </a:xfrm>
+            <a:prstGeom prst="rect">
+              <a:avLst/>
+            </a:prstGeom>
+            <a:solidFill>
+              <a:schemeClr val="lt2"/>
+            </a:solidFill>
+            <a:ln>
+              <a:noFill/>
+            </a:ln>
+          </p:spPr>
+          <p:txBody>
+            <a:bodyPr spcFirstLastPara="1" wrap="square" lIns="91425" tIns="91425" rIns="91425" bIns="91425" anchor="ctr" anchorCtr="0">
+              <a:noAutofit/>
+            </a:bodyPr>
+            <a:lstStyle/>
+            <a:p>
+              <a:pPr marL="0" lvl="0" indent="0" algn="l" rtl="0">
+                <a:spcBef>
+                  <a:spcPts val="0"/>
+                </a:spcBef>
+                <a:spcAft>
+                  <a:spcPts val="0"/>
+                </a:spcAft>
+                <a:buNone/>
+              </a:pPr>
+              <a:endParaRPr/>
+            </a:p>
+          </p:txBody>
+        </p:sp>
+        <p:sp>
+          <p:nvSpPr>
+            <p:cNvPr id="348" name="Google Shape;348;p35"/>
+            <p:cNvSpPr/>
+            <p:nvPr/>
+          </p:nvSpPr>
+          <p:spPr>
+            <a:xfrm>
+              <a:off x="2889453" y="348185"/>
+              <a:ext cx="43500" cy="43500"/>
+            </a:xfrm>
+            <a:prstGeom prst="rect">
+              <a:avLst/>
+            </a:prstGeom>
+            <a:solidFill>
+              <a:schemeClr val="lt2"/>
+            </a:solidFill>
+            <a:ln>
+              <a:noFill/>
+            </a:ln>
+          </p:spPr>
+          <p:txBody>
+            <a:bodyPr spcFirstLastPara="1" wrap="square" lIns="91425" tIns="91425" rIns="91425" bIns="91425" anchor="ctr" anchorCtr="0">
+              <a:noAutofit/>
+            </a:bodyPr>
+            <a:lstStyle/>
+            <a:p>
+              <a:pPr marL="0" lvl="0" indent="0" algn="l" rtl="0">
+                <a:spcBef>
+                  <a:spcPts val="0"/>
+                </a:spcBef>
+                <a:spcAft>
+                  <a:spcPts val="0"/>
+                </a:spcAft>
+                <a:buNone/>
+              </a:pPr>
+              <a:endParaRPr/>
+            </a:p>
+          </p:txBody>
+        </p:sp>
+      </p:grpSp>
+      <p:sp>
+        <p:nvSpPr>
+          <p:cNvPr id="349" name="Google Shape;349;p35">
+            <a:hlinkClick r:id="rId4" action="ppaction://hlinksldjump"/>
+          </p:cNvPr>
+          <p:cNvSpPr/>
+          <p:nvPr/>
+        </p:nvSpPr>
+        <p:spPr>
+          <a:xfrm>
+            <a:off x="669500" y="276525"/>
+            <a:ext cx="213300" cy="213300"/>
+          </a:xfrm>
+          <a:prstGeom prst="rect">
+            <a:avLst/>
+          </a:prstGeom>
+          <a:noFill/>
+          <a:ln>
+            <a:noFill/>
+          </a:ln>
+        </p:spPr>
+        <p:txBody>
+          <a:bodyPr spcFirstLastPara="1" wrap="square" lIns="91425" tIns="91425" rIns="91425" bIns="91425" anchor="ctr" anchorCtr="0">
+            <a:noAutofit/>
+          </a:bodyPr>
+          <a:lstStyle/>
+          <a:p>
+            <a:pPr marL="0" lvl="0" indent="0" algn="l" rtl="0">
+              <a:spcBef>
+                <a:spcPts val="0"/>
+              </a:spcBef>
+              <a:spcAft>
+                <a:spcPts val="0"/>
+              </a:spcAft>
+              <a:buNone/>
+            </a:pPr>
+            <a:endParaRPr/>
+          </a:p>
+        </p:txBody>
+      </p:sp>
+    </p:spTree>
+    <p:extLst>
+      <p:ext uri="{BB962C8B-B14F-4D97-AF65-F5344CB8AC3E}">
         <p14:creationId xmlns:p14="http://schemas.microsoft.com/office/powerpoint/2010/main" val="4100465276"/>
       </p:ext>
     </p:extLst>
@@ -18947,7 +22796,7 @@
 </p:sld>
 </file>
 
-<file path=ppt/slides/slide5.xml><?xml version="1.0" encoding="utf-8"?>
+<file path=ppt/slides/slide7.xml><?xml version="1.0" encoding="utf-8"?>
 <p:sld xmlns:a="http://schemas.openxmlformats.org/drawingml/2006/main" xmlns:r="http://schemas.openxmlformats.org/officeDocument/2006/relationships" xmlns:p="http://schemas.openxmlformats.org/presentationml/2006/main">
   <p:cSld>
     <p:spTree>
@@ -19016,60 +22865,6 @@
           </a:ln>
         </p:spPr>
       </p:cxnSp>
-      <p:sp>
-        <p:nvSpPr>
-          <p:cNvPr id="696" name="Google Shape;696;p41"/>
-          <p:cNvSpPr txBox="1"/>
-          <p:nvPr/>
-        </p:nvSpPr>
-        <p:spPr>
-          <a:xfrm>
-            <a:off x="7062300" y="212749"/>
-            <a:ext cx="1367400" cy="300900"/>
-          </a:xfrm>
-          <a:prstGeom prst="rect">
-            <a:avLst/>
-          </a:prstGeom>
-          <a:noFill/>
-          <a:ln>
-            <a:noFill/>
-          </a:ln>
-        </p:spPr>
-        <p:txBody>
-          <a:bodyPr spcFirstLastPara="1" wrap="square" lIns="91425" tIns="91425" rIns="0" bIns="91425" anchor="ctr" anchorCtr="0">
-            <a:noAutofit/>
-          </a:bodyPr>
-          <a:lstStyle/>
-          <a:p>
-            <a:pPr marL="0" lvl="0" indent="0" algn="r" rtl="0">
-              <a:spcBef>
-                <a:spcPts val="0"/>
-              </a:spcBef>
-              <a:spcAft>
-                <a:spcPts val="0"/>
-              </a:spcAft>
-              <a:buNone/>
-            </a:pPr>
-            <a:r>
-              <a:rPr lang="en">
-                <a:solidFill>
-                  <a:schemeClr val="lt2"/>
-                </a:solidFill>
-                <a:latin typeface="Bebas Neue"/>
-                <a:ea typeface="Bebas Neue"/>
-                <a:cs typeface="Bebas Neue"/>
-                <a:sym typeface="Bebas Neue"/>
-              </a:rPr>
-              <a:t>Data ANALYSIS</a:t>
-            </a:r>
-            <a:endParaRPr>
-              <a:solidFill>
-                <a:schemeClr val="lt2"/>
-              </a:solidFill>
-            </a:endParaRPr>
-          </a:p>
-        </p:txBody>
-      </p:sp>
       <p:sp>
         <p:nvSpPr>
           <p:cNvPr id="731" name="Google Shape;731;p41">
@@ -19665,68 +23460,12 @@
           </a:p>
         </p:txBody>
       </p:sp>
-      <p:sp>
-        <p:nvSpPr>
-          <p:cNvPr id="2" name="Google Shape;328;p35">
+      <p:pic>
+        <p:nvPicPr>
+          <p:cNvPr id="4" name="Picture 3">
             <a:extLst>
               <a:ext uri="{FF2B5EF4-FFF2-40B4-BE49-F238E27FC236}">
-                <a16:creationId xmlns:a16="http://schemas.microsoft.com/office/drawing/2014/main" id="{F0DAED58-8461-FE21-E97F-AD4C034AFB34}"/>
-              </a:ext>
-            </a:extLst>
-          </p:cNvPr>
-          <p:cNvSpPr txBox="1">
-            <a:spLocks noGrp="1"/>
-          </p:cNvSpPr>
-          <p:nvPr>
-            <p:ph type="title"/>
-          </p:nvPr>
-        </p:nvSpPr>
-        <p:spPr>
-          <a:xfrm>
-            <a:off x="503852" y="766410"/>
-            <a:ext cx="7715400" cy="605700"/>
-          </a:xfrm>
-          <a:prstGeom prst="rect">
-            <a:avLst/>
-          </a:prstGeom>
-        </p:spPr>
-        <p:txBody>
-          <a:bodyPr spcFirstLastPara="1" wrap="square" lIns="91425" tIns="91425" rIns="91425" bIns="91425" anchor="t" anchorCtr="0">
-            <a:noAutofit/>
-          </a:bodyPr>
-          <a:lstStyle/>
-          <a:p>
-            <a:pPr marL="0" lvl="0" indent="0" algn="ctr" rtl="0">
-              <a:spcBef>
-                <a:spcPts val="0"/>
-              </a:spcBef>
-              <a:spcAft>
-                <a:spcPts val="0"/>
-              </a:spcAft>
-              <a:buNone/>
-            </a:pPr>
-            <a:r>
-              <a:rPr lang="en-US" dirty="0"/>
-              <a:t>Hasil </a:t>
-            </a:r>
-            <a:r>
-              <a:rPr lang="en-US" dirty="0" err="1"/>
-              <a:t>visualisasi</a:t>
-            </a:r>
-            <a:r>
-              <a:rPr lang="en-US" dirty="0"/>
-              <a:t> data</a:t>
-            </a:r>
-            <a:endParaRPr dirty="0"/>
-          </a:p>
-        </p:txBody>
-      </p:sp>
-      <p:pic>
-        <p:nvPicPr>
-          <p:cNvPr id="7" name="Picture 6">
-            <a:extLst>
-              <a:ext uri="{FF2B5EF4-FFF2-40B4-BE49-F238E27FC236}">
-                <a16:creationId xmlns:a16="http://schemas.microsoft.com/office/drawing/2014/main" id="{CC348EA0-60D4-2366-0CEE-A1346C738C36}"/>
+                <a16:creationId xmlns:a16="http://schemas.microsoft.com/office/drawing/2014/main" id="{05172C99-1EB5-E3F0-EFF7-564D94C60191}"/>
               </a:ext>
             </a:extLst>
           </p:cNvPr>
@@ -19743,82 +23482,48 @@
         </p:blipFill>
         <p:spPr>
           <a:xfrm>
-            <a:off x="2732153" y="2219583"/>
-            <a:ext cx="3679693" cy="2233147"/>
+            <a:off x="1517930" y="641896"/>
+            <a:ext cx="2495898" cy="3724795"/>
           </a:xfrm>
           <a:prstGeom prst="rect">
             <a:avLst/>
           </a:prstGeom>
         </p:spPr>
       </p:pic>
-      <p:sp>
-        <p:nvSpPr>
-          <p:cNvPr id="8" name="Google Shape;1154;p48">
+      <p:pic>
+        <p:nvPicPr>
+          <p:cNvPr id="10" name="Picture 9">
             <a:extLst>
               <a:ext uri="{FF2B5EF4-FFF2-40B4-BE49-F238E27FC236}">
-                <a16:creationId xmlns:a16="http://schemas.microsoft.com/office/drawing/2014/main" id="{B15D7588-EDE2-6190-B93B-43030EDD60C5}"/>
+                <a16:creationId xmlns:a16="http://schemas.microsoft.com/office/drawing/2014/main" id="{7400C76B-6F01-2923-C058-8A18DDFC297F}"/>
               </a:ext>
             </a:extLst>
           </p:cNvPr>
-          <p:cNvSpPr txBox="1"/>
+          <p:cNvPicPr>
+            <a:picLocks noChangeAspect="1"/>
+          </p:cNvPicPr>
           <p:nvPr/>
-        </p:nvSpPr>
+        </p:nvPicPr>
+        <p:blipFill>
+          <a:blip r:embed="rId6"/>
+          <a:stretch>
+            <a:fillRect/>
+          </a:stretch>
+        </p:blipFill>
         <p:spPr>
           <a:xfrm>
-            <a:off x="512000" y="1300415"/>
-            <a:ext cx="7715400" cy="699604"/>
+            <a:off x="5218919" y="275775"/>
+            <a:ext cx="2860478" cy="4549603"/>
           </a:xfrm>
           <a:prstGeom prst="rect">
             <a:avLst/>
           </a:prstGeom>
-          <a:noFill/>
-          <a:ln>
-            <a:noFill/>
-          </a:ln>
         </p:spPr>
-        <p:txBody>
-          <a:bodyPr spcFirstLastPara="1" wrap="square" lIns="91425" tIns="91425" rIns="91425" bIns="91425" anchor="t" anchorCtr="0">
-            <a:noAutofit/>
-          </a:bodyPr>
-          <a:lstStyle/>
-          <a:p>
-            <a:pPr marL="0" lvl="0" indent="0" algn="ctr" rtl="0">
-              <a:spcBef>
-                <a:spcPts val="0"/>
-              </a:spcBef>
-              <a:spcAft>
-                <a:spcPts val="0"/>
-              </a:spcAft>
-              <a:buNone/>
-            </a:pPr>
-            <a:r>
-              <a:rPr lang="en" sz="1200" dirty="0">
-                <a:solidFill>
-                  <a:schemeClr val="tx2"/>
-                </a:solidFill>
-                <a:latin typeface="Arimo"/>
-                <a:ea typeface="Arimo"/>
-                <a:cs typeface="Arimo"/>
-                <a:sym typeface="Arimo"/>
-              </a:rPr>
-              <a:t>Hasil visualisasi data jumlah pendapatan (sum of income) berdasarkan pengalaman (experience) dalam grafik batang </a:t>
-            </a:r>
-            <a:endParaRPr sz="1200" b="1" dirty="0">
-              <a:solidFill>
-                <a:schemeClr val="tx2"/>
-              </a:solidFill>
-              <a:latin typeface="Arimo"/>
-              <a:ea typeface="Arimo"/>
-              <a:cs typeface="Arimo"/>
-              <a:sym typeface="Arimo"/>
-            </a:endParaRPr>
-          </a:p>
-        </p:txBody>
-      </p:sp>
+      </p:pic>
     </p:spTree>
     <p:extLst>
       <p:ext uri="{BB962C8B-B14F-4D97-AF65-F5344CB8AC3E}">
-        <p14:creationId xmlns:p14="http://schemas.microsoft.com/office/powerpoint/2010/main" val="3050921385"/>
+        <p14:creationId xmlns:p14="http://schemas.microsoft.com/office/powerpoint/2010/main" val="363973041"/>
       </p:ext>
     </p:extLst>
   </p:cSld>
@@ -19828,7 +23533,7 @@
 </p:sld>
 </file>
 
-<file path=ppt/slides/slide6.xml><?xml version="1.0" encoding="utf-8"?>
+<file path=ppt/slides/slide8.xml><?xml version="1.0" encoding="utf-8"?>
 <p:sld xmlns:a="http://schemas.openxmlformats.org/drawingml/2006/main" xmlns:r="http://schemas.openxmlformats.org/officeDocument/2006/relationships" xmlns:p="http://schemas.openxmlformats.org/presentationml/2006/main">
   <p:cSld>
     <p:spTree>
@@ -20602,6 +24307,36 @@
           </a:p>
         </p:txBody>
       </p:sp>
+      <p:pic>
+        <p:nvPicPr>
+          <p:cNvPr id="7" name="Picture 6">
+            <a:extLst>
+              <a:ext uri="{FF2B5EF4-FFF2-40B4-BE49-F238E27FC236}">
+                <a16:creationId xmlns:a16="http://schemas.microsoft.com/office/drawing/2014/main" id="{CC348EA0-60D4-2366-0CEE-A1346C738C36}"/>
+              </a:ext>
+            </a:extLst>
+          </p:cNvPr>
+          <p:cNvPicPr>
+            <a:picLocks noChangeAspect="1"/>
+          </p:cNvPicPr>
+          <p:nvPr/>
+        </p:nvPicPr>
+        <p:blipFill>
+          <a:blip r:embed="rId5"/>
+          <a:stretch>
+            <a:fillRect/>
+          </a:stretch>
+        </p:blipFill>
+        <p:spPr>
+          <a:xfrm>
+            <a:off x="690007" y="2151408"/>
+            <a:ext cx="3679693" cy="2233147"/>
+          </a:xfrm>
+          <a:prstGeom prst="rect">
+            <a:avLst/>
+          </a:prstGeom>
+        </p:spPr>
+      </p:pic>
       <p:sp>
         <p:nvSpPr>
           <p:cNvPr id="8" name="Google Shape;1154;p48">
@@ -20652,7 +24387,7 @@
                 <a:cs typeface="Arimo"/>
                 <a:sym typeface="Arimo"/>
               </a:rPr>
-              <a:t>Hasil visualisasi data jumlah pendapatan (sum of income) berdasarkan pengalaman (experience) dalam grafik pie </a:t>
+              <a:t>Hasil visualisasi data jumlah pendapatan (sum of income) berdasarkan pengalaman (experience) dalam grafik batang dan grafik pie</a:t>
             </a:r>
             <a:endParaRPr sz="1200" b="1" dirty="0">
               <a:solidFill>
@@ -20668,10 +24403,10 @@
       </p:sp>
       <p:pic>
         <p:nvPicPr>
-          <p:cNvPr id="4" name="Picture 3">
+          <p:cNvPr id="3" name="Picture 2">
             <a:extLst>
               <a:ext uri="{FF2B5EF4-FFF2-40B4-BE49-F238E27FC236}">
-                <a16:creationId xmlns:a16="http://schemas.microsoft.com/office/drawing/2014/main" id="{93D08BCC-B647-32AE-F733-50D1A433FEF2}"/>
+                <a16:creationId xmlns:a16="http://schemas.microsoft.com/office/drawing/2014/main" id="{C2C06C0C-4062-0001-F27C-004341EF3C33}"/>
               </a:ext>
             </a:extLst>
           </p:cNvPr>
@@ -20681,15 +24416,15 @@
           <p:nvPr/>
         </p:nvPicPr>
         <p:blipFill>
-          <a:blip r:embed="rId5"/>
+          <a:blip r:embed="rId6"/>
           <a:stretch>
             <a:fillRect/>
           </a:stretch>
         </p:blipFill>
         <p:spPr>
           <a:xfrm>
-            <a:off x="2602542" y="2151408"/>
-            <a:ext cx="3935524" cy="2369854"/>
+            <a:off x="4859163" y="2158876"/>
+            <a:ext cx="3683701" cy="2218214"/>
           </a:xfrm>
           <a:prstGeom prst="rect">
             <a:avLst/>
@@ -20699,7 +24434,7 @@
     </p:spTree>
     <p:extLst>
       <p:ext uri="{BB962C8B-B14F-4D97-AF65-F5344CB8AC3E}">
-        <p14:creationId xmlns:p14="http://schemas.microsoft.com/office/powerpoint/2010/main" val="3047881453"/>
+        <p14:creationId xmlns:p14="http://schemas.microsoft.com/office/powerpoint/2010/main" val="3050921385"/>
       </p:ext>
     </p:extLst>
   </p:cSld>
@@ -20709,7 +24444,7 @@
 </p:sld>
 </file>
 
-<file path=ppt/slides/slide7.xml><?xml version="1.0" encoding="utf-8"?>
+<file path=ppt/slides/slide9.xml><?xml version="1.0" encoding="utf-8"?>
 <p:sld xmlns:a="http://schemas.openxmlformats.org/drawingml/2006/main" xmlns:r="http://schemas.openxmlformats.org/officeDocument/2006/relationships" xmlns:p="http://schemas.openxmlformats.org/presentationml/2006/main">
   <p:cSld>
     <p:spTree>
